--- a/docs/img/orf_annotation.pptx
+++ b/docs/img/orf_annotation.pptx
@@ -10,8 +10,9 @@
     <p:sldId id="262" r:id="rId4"/>
     <p:sldId id="257" r:id="rId5"/>
     <p:sldId id="263" r:id="rId6"/>
-    <p:sldId id="258" r:id="rId7"/>
-    <p:sldId id="259" r:id="rId8"/>
+    <p:sldId id="264" r:id="rId7"/>
+    <p:sldId id="258" r:id="rId8"/>
+    <p:sldId id="259" r:id="rId9"/>
   </p:sldIdLst>
   <p:sldSz cx="12192000" cy="6858000"/>
   <p:notesSz cx="6858000" cy="9144000"/>
@@ -15657,12 +15658,840 @@
           <a:chExt cx="0" cy="0"/>
         </a:xfrm>
       </p:grpSpPr>
+      <p:sp>
+        <p:nvSpPr>
+          <p:cNvPr id="11" name="ZoneTexte 10">
+            <a:extLst>
+              <a:ext uri="{FF2B5EF4-FFF2-40B4-BE49-F238E27FC236}">
+                <a16:creationId xmlns:a16="http://schemas.microsoft.com/office/drawing/2014/main" id="{9663EBFB-2292-FF43-B3E2-6896C0C3A117}"/>
+              </a:ext>
+            </a:extLst>
+          </p:cNvPr>
+          <p:cNvSpPr txBox="1"/>
+          <p:nvPr/>
+        </p:nvSpPr>
+        <p:spPr>
+          <a:xfrm>
+            <a:off x="1810579" y="524709"/>
+            <a:ext cx="1351524" cy="307777"/>
+          </a:xfrm>
+          <a:prstGeom prst="rect">
+            <a:avLst/>
+          </a:prstGeom>
+          <a:noFill/>
+        </p:spPr>
+        <p:txBody>
+          <a:bodyPr wrap="none" rtlCol="0">
+            <a:spAutoFit/>
+          </a:bodyPr>
+          <a:lstStyle/>
+          <a:p>
+            <a:r>
+              <a:rPr lang="fr-FR" sz="1400" b="1" dirty="0">
+                <a:latin typeface="Arial" panose="020B0604020202020204" pitchFamily="34" charset="0"/>
+                <a:cs typeface="Arial" panose="020B0604020202020204" pitchFamily="34" charset="0"/>
+              </a:rPr>
+              <a:t>STOP codons</a:t>
+            </a:r>
+            <a:endParaRPr lang="fr-FR" sz="1400" b="1" i="1" dirty="0">
+              <a:latin typeface="Arial" panose="020B0604020202020204" pitchFamily="34" charset="0"/>
+              <a:cs typeface="Arial" panose="020B0604020202020204" pitchFamily="34" charset="0"/>
+            </a:endParaRPr>
+          </a:p>
+        </p:txBody>
+      </p:sp>
+      <p:sp>
+        <p:nvSpPr>
+          <p:cNvPr id="15" name="ZoneTexte 14">
+            <a:extLst>
+              <a:ext uri="{FF2B5EF4-FFF2-40B4-BE49-F238E27FC236}">
+                <a16:creationId xmlns:a16="http://schemas.microsoft.com/office/drawing/2014/main" id="{72C8F546-A543-9049-B968-58ECB3F3C223}"/>
+              </a:ext>
+            </a:extLst>
+          </p:cNvPr>
+          <p:cNvSpPr txBox="1"/>
+          <p:nvPr/>
+        </p:nvSpPr>
+        <p:spPr>
+          <a:xfrm>
+            <a:off x="1594658" y="2565814"/>
+            <a:ext cx="3128161" cy="692497"/>
+          </a:xfrm>
+          <a:prstGeom prst="rect">
+            <a:avLst/>
+          </a:prstGeom>
+          <a:noFill/>
+        </p:spPr>
+        <p:txBody>
+          <a:bodyPr wrap="square" rtlCol="0">
+            <a:spAutoFit/>
+          </a:bodyPr>
+          <a:lstStyle/>
+          <a:p>
+            <a:pPr algn="ctr"/>
+            <a:r>
+              <a:rPr lang="fr-FR" sz="1300" i="1" dirty="0">
+                <a:latin typeface="Arial" panose="020B0604020202020204" pitchFamily="34" charset="0"/>
+                <a:cs typeface="Arial" panose="020B0604020202020204" pitchFamily="34" charset="0"/>
+              </a:rPr>
+              <a:t>ORF#1 </a:t>
+            </a:r>
+            <a:r>
+              <a:rPr lang="fr-FR" sz="1300" i="1" dirty="0" err="1">
+                <a:latin typeface="Arial" panose="020B0604020202020204" pitchFamily="34" charset="0"/>
+                <a:cs typeface="Arial" panose="020B0604020202020204" pitchFamily="34" charset="0"/>
+              </a:rPr>
+              <a:t>coverage</a:t>
+            </a:r>
+            <a:r>
+              <a:rPr lang="fr-FR" sz="1300" i="1" dirty="0">
+                <a:latin typeface="Arial" panose="020B0604020202020204" pitchFamily="34" charset="0"/>
+                <a:cs typeface="Arial" panose="020B0604020202020204" pitchFamily="34" charset="0"/>
+              </a:rPr>
+              <a:t> = 80%</a:t>
+            </a:r>
+          </a:p>
+          <a:p>
+            <a:pPr algn="ctr"/>
+            <a:r>
+              <a:rPr lang="fr-FR" sz="1300" i="1" dirty="0" err="1">
+                <a:latin typeface="Arial" panose="020B0604020202020204" pitchFamily="34" charset="0"/>
+                <a:cs typeface="Arial" panose="020B0604020202020204" pitchFamily="34" charset="0"/>
+              </a:rPr>
+              <a:t>feature</a:t>
+            </a:r>
+            <a:r>
+              <a:rPr lang="fr-FR" sz="1300" i="1" dirty="0">
+                <a:latin typeface="Arial" panose="020B0604020202020204" pitchFamily="34" charset="0"/>
+                <a:cs typeface="Arial" panose="020B0604020202020204" pitchFamily="34" charset="0"/>
+              </a:rPr>
+              <a:t> X </a:t>
+            </a:r>
+            <a:r>
+              <a:rPr lang="fr-FR" sz="1300" i="1" dirty="0" err="1">
+                <a:latin typeface="Arial" panose="020B0604020202020204" pitchFamily="34" charset="0"/>
+                <a:cs typeface="Arial" panose="020B0604020202020204" pitchFamily="34" charset="0"/>
+              </a:rPr>
+              <a:t>coverage</a:t>
+            </a:r>
+            <a:r>
+              <a:rPr lang="fr-FR" sz="1300" i="1" dirty="0">
+                <a:latin typeface="Arial" panose="020B0604020202020204" pitchFamily="34" charset="0"/>
+                <a:cs typeface="Arial" panose="020B0604020202020204" pitchFamily="34" charset="0"/>
+              </a:rPr>
+              <a:t> = 75%</a:t>
+            </a:r>
+          </a:p>
+          <a:p>
+            <a:pPr algn="ctr"/>
+            <a:r>
+              <a:rPr lang="fr-FR" sz="1300" i="1" dirty="0">
+                <a:latin typeface="Arial" panose="020B0604020202020204" pitchFamily="34" charset="0"/>
+                <a:cs typeface="Arial" panose="020B0604020202020204" pitchFamily="34" charset="0"/>
+              </a:rPr>
+              <a:t>ORF#1 annotation: </a:t>
+            </a:r>
+            <a:r>
+              <a:rPr lang="fr-FR" sz="1300" i="1" dirty="0" err="1">
+                <a:latin typeface="Arial" panose="020B0604020202020204" pitchFamily="34" charset="0"/>
+                <a:cs typeface="Arial" panose="020B0604020202020204" pitchFamily="34" charset="0"/>
+              </a:rPr>
+              <a:t>nc_same_ovp</a:t>
+            </a:r>
+            <a:r>
+              <a:rPr lang="fr-FR" sz="1300" i="1" dirty="0">
+                <a:latin typeface="Arial" panose="020B0604020202020204" pitchFamily="34" charset="0"/>
+                <a:cs typeface="Arial" panose="020B0604020202020204" pitchFamily="34" charset="0"/>
+              </a:rPr>
+              <a:t>-X</a:t>
+            </a:r>
+          </a:p>
+        </p:txBody>
+      </p:sp>
+      <p:grpSp>
+        <p:nvGrpSpPr>
+          <p:cNvPr id="36" name="Groupe 35">
+            <a:extLst>
+              <a:ext uri="{FF2B5EF4-FFF2-40B4-BE49-F238E27FC236}">
+                <a16:creationId xmlns:a16="http://schemas.microsoft.com/office/drawing/2014/main" id="{E3F2FD35-D435-884C-80E2-10E33276203E}"/>
+              </a:ext>
+            </a:extLst>
+          </p:cNvPr>
+          <p:cNvGrpSpPr/>
+          <p:nvPr/>
+        </p:nvGrpSpPr>
+        <p:grpSpPr>
+          <a:xfrm>
+            <a:off x="2794098" y="1638937"/>
+            <a:ext cx="1687197" cy="295205"/>
+            <a:chOff x="2794099" y="1596978"/>
+            <a:chExt cx="1442880" cy="348739"/>
+          </a:xfrm>
+        </p:grpSpPr>
+        <p:cxnSp>
+          <p:nvCxnSpPr>
+            <p:cNvPr id="27" name="Connecteur droit 26">
+              <a:extLst>
+                <a:ext uri="{FF2B5EF4-FFF2-40B4-BE49-F238E27FC236}">
+                  <a16:creationId xmlns:a16="http://schemas.microsoft.com/office/drawing/2014/main" id="{3AAC81C5-DE1B-A44F-9A9D-644588113CBF}"/>
+                </a:ext>
+              </a:extLst>
+            </p:cNvPr>
+            <p:cNvCxnSpPr>
+              <a:cxnSpLocks/>
+            </p:cNvCxnSpPr>
+            <p:nvPr/>
+          </p:nvCxnSpPr>
+          <p:spPr>
+            <a:xfrm flipV="1">
+              <a:off x="2794099" y="1597305"/>
+              <a:ext cx="0" cy="348412"/>
+            </a:xfrm>
+            <a:prstGeom prst="line">
+              <a:avLst/>
+            </a:prstGeom>
+            <a:ln w="12700">
+              <a:solidFill>
+                <a:schemeClr val="tx1"/>
+              </a:solidFill>
+            </a:ln>
+          </p:spPr>
+          <p:style>
+            <a:lnRef idx="1">
+              <a:schemeClr val="dk1"/>
+            </a:lnRef>
+            <a:fillRef idx="0">
+              <a:schemeClr val="dk1"/>
+            </a:fillRef>
+            <a:effectRef idx="0">
+              <a:schemeClr val="dk1"/>
+            </a:effectRef>
+            <a:fontRef idx="minor">
+              <a:schemeClr val="tx1"/>
+            </a:fontRef>
+          </p:style>
+        </p:cxnSp>
+        <p:cxnSp>
+          <p:nvCxnSpPr>
+            <p:cNvPr id="29" name="Connecteur droit 28">
+              <a:extLst>
+                <a:ext uri="{FF2B5EF4-FFF2-40B4-BE49-F238E27FC236}">
+                  <a16:creationId xmlns:a16="http://schemas.microsoft.com/office/drawing/2014/main" id="{FE5388FC-FB3D-BF40-BD38-44A25A2C3C9A}"/>
+                </a:ext>
+              </a:extLst>
+            </p:cNvPr>
+            <p:cNvCxnSpPr>
+              <a:cxnSpLocks/>
+            </p:cNvCxnSpPr>
+            <p:nvPr/>
+          </p:nvCxnSpPr>
+          <p:spPr>
+            <a:xfrm flipV="1">
+              <a:off x="3268393" y="1597305"/>
+              <a:ext cx="0" cy="348412"/>
+            </a:xfrm>
+            <a:prstGeom prst="line">
+              <a:avLst/>
+            </a:prstGeom>
+            <a:ln w="12700">
+              <a:solidFill>
+                <a:schemeClr val="tx1"/>
+              </a:solidFill>
+            </a:ln>
+          </p:spPr>
+          <p:style>
+            <a:lnRef idx="1">
+              <a:schemeClr val="dk1"/>
+            </a:lnRef>
+            <a:fillRef idx="0">
+              <a:schemeClr val="dk1"/>
+            </a:fillRef>
+            <a:effectRef idx="0">
+              <a:schemeClr val="dk1"/>
+            </a:effectRef>
+            <a:fontRef idx="minor">
+              <a:schemeClr val="tx1"/>
+            </a:fontRef>
+          </p:style>
+        </p:cxnSp>
+        <p:cxnSp>
+          <p:nvCxnSpPr>
+            <p:cNvPr id="30" name="Connecteur droit 29">
+              <a:extLst>
+                <a:ext uri="{FF2B5EF4-FFF2-40B4-BE49-F238E27FC236}">
+                  <a16:creationId xmlns:a16="http://schemas.microsoft.com/office/drawing/2014/main" id="{BFE8D730-B135-6447-89E2-D040FC60C162}"/>
+                </a:ext>
+              </a:extLst>
+            </p:cNvPr>
+            <p:cNvCxnSpPr>
+              <a:cxnSpLocks/>
+            </p:cNvCxnSpPr>
+            <p:nvPr/>
+          </p:nvCxnSpPr>
+          <p:spPr>
+            <a:xfrm flipV="1">
+              <a:off x="3760523" y="1596978"/>
+              <a:ext cx="0" cy="348412"/>
+            </a:xfrm>
+            <a:prstGeom prst="line">
+              <a:avLst/>
+            </a:prstGeom>
+            <a:ln w="12700">
+              <a:solidFill>
+                <a:schemeClr val="tx1"/>
+              </a:solidFill>
+            </a:ln>
+          </p:spPr>
+          <p:style>
+            <a:lnRef idx="1">
+              <a:schemeClr val="dk1"/>
+            </a:lnRef>
+            <a:fillRef idx="0">
+              <a:schemeClr val="dk1"/>
+            </a:fillRef>
+            <a:effectRef idx="0">
+              <a:schemeClr val="dk1"/>
+            </a:effectRef>
+            <a:fontRef idx="minor">
+              <a:schemeClr val="tx1"/>
+            </a:fontRef>
+          </p:style>
+        </p:cxnSp>
+        <p:cxnSp>
+          <p:nvCxnSpPr>
+            <p:cNvPr id="31" name="Connecteur droit 30">
+              <a:extLst>
+                <a:ext uri="{FF2B5EF4-FFF2-40B4-BE49-F238E27FC236}">
+                  <a16:creationId xmlns:a16="http://schemas.microsoft.com/office/drawing/2014/main" id="{FAB8149A-B173-3347-B8F8-A456FDB39407}"/>
+                </a:ext>
+              </a:extLst>
+            </p:cNvPr>
+            <p:cNvCxnSpPr>
+              <a:cxnSpLocks/>
+            </p:cNvCxnSpPr>
+            <p:nvPr/>
+          </p:nvCxnSpPr>
+          <p:spPr>
+            <a:xfrm flipV="1">
+              <a:off x="4236979" y="1597305"/>
+              <a:ext cx="0" cy="348412"/>
+            </a:xfrm>
+            <a:prstGeom prst="line">
+              <a:avLst/>
+            </a:prstGeom>
+            <a:ln w="12700">
+              <a:solidFill>
+                <a:schemeClr val="tx1"/>
+              </a:solidFill>
+            </a:ln>
+          </p:spPr>
+          <p:style>
+            <a:lnRef idx="1">
+              <a:schemeClr val="dk1"/>
+            </a:lnRef>
+            <a:fillRef idx="0">
+              <a:schemeClr val="dk1"/>
+            </a:fillRef>
+            <a:effectRef idx="0">
+              <a:schemeClr val="dk1"/>
+            </a:effectRef>
+            <a:fontRef idx="minor">
+              <a:schemeClr val="tx1"/>
+            </a:fontRef>
+          </p:style>
+        </p:cxnSp>
+      </p:grpSp>
+      <p:sp>
+        <p:nvSpPr>
+          <p:cNvPr id="37" name="ZoneTexte 36">
+            <a:extLst>
+              <a:ext uri="{FF2B5EF4-FFF2-40B4-BE49-F238E27FC236}">
+                <a16:creationId xmlns:a16="http://schemas.microsoft.com/office/drawing/2014/main" id="{66EF29C5-936B-0A48-911F-DB0FBA8CBFD5}"/>
+              </a:ext>
+            </a:extLst>
+          </p:cNvPr>
+          <p:cNvSpPr txBox="1"/>
+          <p:nvPr/>
+        </p:nvSpPr>
+        <p:spPr>
+          <a:xfrm>
+            <a:off x="317138" y="1548292"/>
+            <a:ext cx="1043876" cy="369332"/>
+          </a:xfrm>
+          <a:prstGeom prst="rect">
+            <a:avLst/>
+          </a:prstGeom>
+          <a:noFill/>
+        </p:spPr>
+        <p:txBody>
+          <a:bodyPr wrap="none" rtlCol="0">
+            <a:spAutoFit/>
+          </a:bodyPr>
+          <a:lstStyle/>
+          <a:p>
+            <a:r>
+              <a:rPr lang="fr-FR" i="1" dirty="0">
+                <a:solidFill>
+                  <a:schemeClr val="bg2">
+                    <a:lumMod val="25000"/>
+                  </a:schemeClr>
+                </a:solidFill>
+                <a:latin typeface="Arial" panose="020B0604020202020204" pitchFamily="34" charset="0"/>
+                <a:cs typeface="Arial" panose="020B0604020202020204" pitchFamily="34" charset="0"/>
+              </a:rPr>
+              <a:t>Frame 0</a:t>
+            </a:r>
+          </a:p>
+        </p:txBody>
+      </p:sp>
+      <p:sp>
+        <p:nvSpPr>
+          <p:cNvPr id="38" name="ZoneTexte 37">
+            <a:extLst>
+              <a:ext uri="{FF2B5EF4-FFF2-40B4-BE49-F238E27FC236}">
+                <a16:creationId xmlns:a16="http://schemas.microsoft.com/office/drawing/2014/main" id="{91F4CEEC-4753-8148-8D58-D4C14138BE59}"/>
+              </a:ext>
+            </a:extLst>
+          </p:cNvPr>
+          <p:cNvSpPr txBox="1"/>
+          <p:nvPr/>
+        </p:nvSpPr>
+        <p:spPr>
+          <a:xfrm>
+            <a:off x="1337533" y="394841"/>
+            <a:ext cx="461986" cy="646331"/>
+          </a:xfrm>
+          <a:prstGeom prst="rect">
+            <a:avLst/>
+          </a:prstGeom>
+          <a:noFill/>
+        </p:spPr>
+        <p:txBody>
+          <a:bodyPr wrap="none" rtlCol="0">
+            <a:spAutoFit/>
+          </a:bodyPr>
+          <a:lstStyle/>
+          <a:p>
+            <a:r>
+              <a:rPr lang="fr-FR" sz="3600" dirty="0">
+                <a:solidFill>
+                  <a:srgbClr val="FF0000"/>
+                </a:solidFill>
+                <a:latin typeface="Courier" pitchFamily="2" charset="0"/>
+              </a:rPr>
+              <a:t>*</a:t>
+            </a:r>
+          </a:p>
+        </p:txBody>
+      </p:sp>
       <p:cxnSp>
         <p:nvCxnSpPr>
-          <p:cNvPr id="92" name="Connecteur droit avec flèche 91">
-            <a:extLst>
-              <a:ext uri="{FF2B5EF4-FFF2-40B4-BE49-F238E27FC236}">
-                <a16:creationId xmlns:a16="http://schemas.microsoft.com/office/drawing/2014/main" id="{67E0A0E2-962E-A14E-8272-8D55BDDF888E}"/>
+          <p:cNvPr id="40" name="Connecteur droit 39">
+            <a:extLst>
+              <a:ext uri="{FF2B5EF4-FFF2-40B4-BE49-F238E27FC236}">
+                <a16:creationId xmlns:a16="http://schemas.microsoft.com/office/drawing/2014/main" id="{8AAA0FBA-85A6-CD4D-82CD-A5C1A3F14696}"/>
+              </a:ext>
+            </a:extLst>
+          </p:cNvPr>
+          <p:cNvCxnSpPr/>
+          <p:nvPr/>
+        </p:nvCxnSpPr>
+        <p:spPr>
+          <a:xfrm>
+            <a:off x="2332113" y="1787535"/>
+            <a:ext cx="0" cy="487413"/>
+          </a:xfrm>
+          <a:prstGeom prst="line">
+            <a:avLst/>
+          </a:prstGeom>
+          <a:ln w="19050">
+            <a:prstDash val="sysDot"/>
+          </a:ln>
+        </p:spPr>
+        <p:style>
+          <a:lnRef idx="1">
+            <a:schemeClr val="dk1"/>
+          </a:lnRef>
+          <a:fillRef idx="0">
+            <a:schemeClr val="dk1"/>
+          </a:fillRef>
+          <a:effectRef idx="0">
+            <a:schemeClr val="dk1"/>
+          </a:effectRef>
+          <a:fontRef idx="minor">
+            <a:schemeClr val="tx1"/>
+          </a:fontRef>
+        </p:style>
+      </p:cxnSp>
+      <p:cxnSp>
+        <p:nvCxnSpPr>
+          <p:cNvPr id="41" name="Connecteur droit 40">
+            <a:extLst>
+              <a:ext uri="{FF2B5EF4-FFF2-40B4-BE49-F238E27FC236}">
+                <a16:creationId xmlns:a16="http://schemas.microsoft.com/office/drawing/2014/main" id="{BCA3A06D-39E5-5745-BE0C-4EFB44CF75EF}"/>
+              </a:ext>
+            </a:extLst>
+          </p:cNvPr>
+          <p:cNvCxnSpPr/>
+          <p:nvPr/>
+        </p:nvCxnSpPr>
+        <p:spPr>
+          <a:xfrm>
+            <a:off x="4481295" y="1906049"/>
+            <a:ext cx="0" cy="487413"/>
+          </a:xfrm>
+          <a:prstGeom prst="line">
+            <a:avLst/>
+          </a:prstGeom>
+          <a:ln w="19050">
+            <a:prstDash val="sysDot"/>
+          </a:ln>
+        </p:spPr>
+        <p:style>
+          <a:lnRef idx="1">
+            <a:schemeClr val="dk1"/>
+          </a:lnRef>
+          <a:fillRef idx="0">
+            <a:schemeClr val="dk1"/>
+          </a:fillRef>
+          <a:effectRef idx="0">
+            <a:schemeClr val="dk1"/>
+          </a:effectRef>
+          <a:fontRef idx="minor">
+            <a:schemeClr val="tx1"/>
+          </a:fontRef>
+        </p:style>
+      </p:cxnSp>
+      <p:cxnSp>
+        <p:nvCxnSpPr>
+          <p:cNvPr id="43" name="Connecteur droit 42">
+            <a:extLst>
+              <a:ext uri="{FF2B5EF4-FFF2-40B4-BE49-F238E27FC236}">
+                <a16:creationId xmlns:a16="http://schemas.microsoft.com/office/drawing/2014/main" id="{F3F7AFD5-95D3-7A4E-842F-0DEE496334F1}"/>
+              </a:ext>
+            </a:extLst>
+          </p:cNvPr>
+          <p:cNvCxnSpPr/>
+          <p:nvPr/>
+        </p:nvCxnSpPr>
+        <p:spPr>
+          <a:xfrm flipV="1">
+            <a:off x="2332113" y="1764292"/>
+            <a:ext cx="364788" cy="488328"/>
+          </a:xfrm>
+          <a:prstGeom prst="line">
+            <a:avLst/>
+          </a:prstGeom>
+        </p:spPr>
+        <p:style>
+          <a:lnRef idx="1">
+            <a:schemeClr val="accent1"/>
+          </a:lnRef>
+          <a:fillRef idx="0">
+            <a:schemeClr val="accent1"/>
+          </a:fillRef>
+          <a:effectRef idx="0">
+            <a:schemeClr val="accent1"/>
+          </a:effectRef>
+          <a:fontRef idx="minor">
+            <a:schemeClr val="tx1"/>
+          </a:fontRef>
+        </p:style>
+      </p:cxnSp>
+      <p:cxnSp>
+        <p:nvCxnSpPr>
+          <p:cNvPr id="44" name="Connecteur droit 43">
+            <a:extLst>
+              <a:ext uri="{FF2B5EF4-FFF2-40B4-BE49-F238E27FC236}">
+                <a16:creationId xmlns:a16="http://schemas.microsoft.com/office/drawing/2014/main" id="{2D74A333-2E39-9147-AEF7-4EB5DF6A9C60}"/>
+              </a:ext>
+            </a:extLst>
+          </p:cNvPr>
+          <p:cNvCxnSpPr/>
+          <p:nvPr/>
+        </p:nvCxnSpPr>
+        <p:spPr>
+          <a:xfrm flipV="1">
+            <a:off x="2542682" y="1778240"/>
+            <a:ext cx="364788" cy="488328"/>
+          </a:xfrm>
+          <a:prstGeom prst="line">
+            <a:avLst/>
+          </a:prstGeom>
+        </p:spPr>
+        <p:style>
+          <a:lnRef idx="1">
+            <a:schemeClr val="accent1"/>
+          </a:lnRef>
+          <a:fillRef idx="0">
+            <a:schemeClr val="accent1"/>
+          </a:fillRef>
+          <a:effectRef idx="0">
+            <a:schemeClr val="accent1"/>
+          </a:effectRef>
+          <a:fontRef idx="minor">
+            <a:schemeClr val="tx1"/>
+          </a:fontRef>
+        </p:style>
+      </p:cxnSp>
+      <p:cxnSp>
+        <p:nvCxnSpPr>
+          <p:cNvPr id="45" name="Connecteur droit 44">
+            <a:extLst>
+              <a:ext uri="{FF2B5EF4-FFF2-40B4-BE49-F238E27FC236}">
+                <a16:creationId xmlns:a16="http://schemas.microsoft.com/office/drawing/2014/main" id="{9DC7DCEB-1954-1841-AA4F-A0CC16412F02}"/>
+              </a:ext>
+            </a:extLst>
+          </p:cNvPr>
+          <p:cNvCxnSpPr/>
+          <p:nvPr/>
+        </p:nvCxnSpPr>
+        <p:spPr>
+          <a:xfrm flipV="1">
+            <a:off x="2785384" y="1756826"/>
+            <a:ext cx="364788" cy="488328"/>
+          </a:xfrm>
+          <a:prstGeom prst="line">
+            <a:avLst/>
+          </a:prstGeom>
+        </p:spPr>
+        <p:style>
+          <a:lnRef idx="1">
+            <a:schemeClr val="accent1"/>
+          </a:lnRef>
+          <a:fillRef idx="0">
+            <a:schemeClr val="accent1"/>
+          </a:fillRef>
+          <a:effectRef idx="0">
+            <a:schemeClr val="accent1"/>
+          </a:effectRef>
+          <a:fontRef idx="minor">
+            <a:schemeClr val="tx1"/>
+          </a:fontRef>
+        </p:style>
+      </p:cxnSp>
+      <p:cxnSp>
+        <p:nvCxnSpPr>
+          <p:cNvPr id="46" name="Connecteur droit 45">
+            <a:extLst>
+              <a:ext uri="{FF2B5EF4-FFF2-40B4-BE49-F238E27FC236}">
+                <a16:creationId xmlns:a16="http://schemas.microsoft.com/office/drawing/2014/main" id="{2D135A47-3FF3-174F-8B40-F5FB283784A6}"/>
+              </a:ext>
+            </a:extLst>
+          </p:cNvPr>
+          <p:cNvCxnSpPr/>
+          <p:nvPr/>
+        </p:nvCxnSpPr>
+        <p:spPr>
+          <a:xfrm flipV="1">
+            <a:off x="2962240" y="1779225"/>
+            <a:ext cx="364788" cy="488328"/>
+          </a:xfrm>
+          <a:prstGeom prst="line">
+            <a:avLst/>
+          </a:prstGeom>
+        </p:spPr>
+        <p:style>
+          <a:lnRef idx="1">
+            <a:schemeClr val="accent1"/>
+          </a:lnRef>
+          <a:fillRef idx="0">
+            <a:schemeClr val="accent1"/>
+          </a:fillRef>
+          <a:effectRef idx="0">
+            <a:schemeClr val="accent1"/>
+          </a:effectRef>
+          <a:fontRef idx="minor">
+            <a:schemeClr val="tx1"/>
+          </a:fontRef>
+        </p:style>
+      </p:cxnSp>
+      <p:cxnSp>
+        <p:nvCxnSpPr>
+          <p:cNvPr id="47" name="Connecteur droit 46">
+            <a:extLst>
+              <a:ext uri="{FF2B5EF4-FFF2-40B4-BE49-F238E27FC236}">
+                <a16:creationId xmlns:a16="http://schemas.microsoft.com/office/drawing/2014/main" id="{1AAB0284-53FA-834C-B938-F604A9D748D6}"/>
+              </a:ext>
+            </a:extLst>
+          </p:cNvPr>
+          <p:cNvCxnSpPr/>
+          <p:nvPr/>
+        </p:nvCxnSpPr>
+        <p:spPr>
+          <a:xfrm flipV="1">
+            <a:off x="3172809" y="1793173"/>
+            <a:ext cx="364788" cy="488328"/>
+          </a:xfrm>
+          <a:prstGeom prst="line">
+            <a:avLst/>
+          </a:prstGeom>
+        </p:spPr>
+        <p:style>
+          <a:lnRef idx="1">
+            <a:schemeClr val="accent1"/>
+          </a:lnRef>
+          <a:fillRef idx="0">
+            <a:schemeClr val="accent1"/>
+          </a:fillRef>
+          <a:effectRef idx="0">
+            <a:schemeClr val="accent1"/>
+          </a:effectRef>
+          <a:fontRef idx="minor">
+            <a:schemeClr val="tx1"/>
+          </a:fontRef>
+        </p:style>
+      </p:cxnSp>
+      <p:cxnSp>
+        <p:nvCxnSpPr>
+          <p:cNvPr id="48" name="Connecteur droit 47">
+            <a:extLst>
+              <a:ext uri="{FF2B5EF4-FFF2-40B4-BE49-F238E27FC236}">
+                <a16:creationId xmlns:a16="http://schemas.microsoft.com/office/drawing/2014/main" id="{2347DB6A-2D4B-1E49-B482-8408620C8171}"/>
+              </a:ext>
+            </a:extLst>
+          </p:cNvPr>
+          <p:cNvCxnSpPr/>
+          <p:nvPr/>
+        </p:nvCxnSpPr>
+        <p:spPr>
+          <a:xfrm flipV="1">
+            <a:off x="3415511" y="1771759"/>
+            <a:ext cx="364788" cy="488328"/>
+          </a:xfrm>
+          <a:prstGeom prst="line">
+            <a:avLst/>
+          </a:prstGeom>
+        </p:spPr>
+        <p:style>
+          <a:lnRef idx="1">
+            <a:schemeClr val="accent1"/>
+          </a:lnRef>
+          <a:fillRef idx="0">
+            <a:schemeClr val="accent1"/>
+          </a:fillRef>
+          <a:effectRef idx="0">
+            <a:schemeClr val="accent1"/>
+          </a:effectRef>
+          <a:fontRef idx="minor">
+            <a:schemeClr val="tx1"/>
+          </a:fontRef>
+        </p:style>
+      </p:cxnSp>
+      <p:cxnSp>
+        <p:nvCxnSpPr>
+          <p:cNvPr id="49" name="Connecteur droit 48">
+            <a:extLst>
+              <a:ext uri="{FF2B5EF4-FFF2-40B4-BE49-F238E27FC236}">
+                <a16:creationId xmlns:a16="http://schemas.microsoft.com/office/drawing/2014/main" id="{5D00314B-F9FC-F845-8506-E6EF91785A91}"/>
+              </a:ext>
+            </a:extLst>
+          </p:cNvPr>
+          <p:cNvCxnSpPr/>
+          <p:nvPr/>
+        </p:nvCxnSpPr>
+        <p:spPr>
+          <a:xfrm flipV="1">
+            <a:off x="3623731" y="1767283"/>
+            <a:ext cx="364788" cy="488328"/>
+          </a:xfrm>
+          <a:prstGeom prst="line">
+            <a:avLst/>
+          </a:prstGeom>
+        </p:spPr>
+        <p:style>
+          <a:lnRef idx="1">
+            <a:schemeClr val="accent1"/>
+          </a:lnRef>
+          <a:fillRef idx="0">
+            <a:schemeClr val="accent1"/>
+          </a:fillRef>
+          <a:effectRef idx="0">
+            <a:schemeClr val="accent1"/>
+          </a:effectRef>
+          <a:fontRef idx="minor">
+            <a:schemeClr val="tx1"/>
+          </a:fontRef>
+        </p:style>
+      </p:cxnSp>
+      <p:cxnSp>
+        <p:nvCxnSpPr>
+          <p:cNvPr id="50" name="Connecteur droit 49">
+            <a:extLst>
+              <a:ext uri="{FF2B5EF4-FFF2-40B4-BE49-F238E27FC236}">
+                <a16:creationId xmlns:a16="http://schemas.microsoft.com/office/drawing/2014/main" id="{F075F300-A443-E543-AE4C-F916BB9A05C7}"/>
+              </a:ext>
+            </a:extLst>
+          </p:cNvPr>
+          <p:cNvCxnSpPr/>
+          <p:nvPr/>
+        </p:nvCxnSpPr>
+        <p:spPr>
+          <a:xfrm flipV="1">
+            <a:off x="3834300" y="1781231"/>
+            <a:ext cx="364788" cy="488328"/>
+          </a:xfrm>
+          <a:prstGeom prst="line">
+            <a:avLst/>
+          </a:prstGeom>
+        </p:spPr>
+        <p:style>
+          <a:lnRef idx="1">
+            <a:schemeClr val="accent1"/>
+          </a:lnRef>
+          <a:fillRef idx="0">
+            <a:schemeClr val="accent1"/>
+          </a:fillRef>
+          <a:effectRef idx="0">
+            <a:schemeClr val="accent1"/>
+          </a:effectRef>
+          <a:fontRef idx="minor">
+            <a:schemeClr val="tx1"/>
+          </a:fontRef>
+        </p:style>
+      </p:cxnSp>
+      <p:cxnSp>
+        <p:nvCxnSpPr>
+          <p:cNvPr id="51" name="Connecteur droit 50">
+            <a:extLst>
+              <a:ext uri="{FF2B5EF4-FFF2-40B4-BE49-F238E27FC236}">
+                <a16:creationId xmlns:a16="http://schemas.microsoft.com/office/drawing/2014/main" id="{E658A706-71A6-3C40-A966-91FDD36D1E29}"/>
+              </a:ext>
+            </a:extLst>
+          </p:cNvPr>
+          <p:cNvCxnSpPr/>
+          <p:nvPr/>
+        </p:nvCxnSpPr>
+        <p:spPr>
+          <a:xfrm flipV="1">
+            <a:off x="4077002" y="1759817"/>
+            <a:ext cx="364788" cy="488328"/>
+          </a:xfrm>
+          <a:prstGeom prst="line">
+            <a:avLst/>
+          </a:prstGeom>
+        </p:spPr>
+        <p:style>
+          <a:lnRef idx="1">
+            <a:schemeClr val="accent1"/>
+          </a:lnRef>
+          <a:fillRef idx="0">
+            <a:schemeClr val="accent1"/>
+          </a:fillRef>
+          <a:effectRef idx="0">
+            <a:schemeClr val="accent1"/>
+          </a:effectRef>
+          <a:fontRef idx="minor">
+            <a:schemeClr val="tx1"/>
+          </a:fontRef>
+        </p:style>
+      </p:cxnSp>
+      <p:cxnSp>
+        <p:nvCxnSpPr>
+          <p:cNvPr id="52" name="Connecteur droit 51">
+            <a:extLst>
+              <a:ext uri="{FF2B5EF4-FFF2-40B4-BE49-F238E27FC236}">
+                <a16:creationId xmlns:a16="http://schemas.microsoft.com/office/drawing/2014/main" id="{8F0401A1-E61C-F340-A9E7-C0BD6B1E72B8}"/>
               </a:ext>
             </a:extLst>
           </p:cNvPr>
@@ -15672,9 +16501,1178 @@
           <p:nvPr/>
         </p:nvCxnSpPr>
         <p:spPr>
-          <a:xfrm>
-            <a:off x="2557849" y="2845980"/>
-            <a:ext cx="5295298" cy="0"/>
+          <a:xfrm flipV="1">
+            <a:off x="4209817" y="1957181"/>
+            <a:ext cx="276295" cy="389906"/>
+          </a:xfrm>
+          <a:prstGeom prst="line">
+            <a:avLst/>
+          </a:prstGeom>
+        </p:spPr>
+        <p:style>
+          <a:lnRef idx="1">
+            <a:schemeClr val="accent1"/>
+          </a:lnRef>
+          <a:fillRef idx="0">
+            <a:schemeClr val="accent1"/>
+          </a:fillRef>
+          <a:effectRef idx="0">
+            <a:schemeClr val="accent1"/>
+          </a:effectRef>
+          <a:fontRef idx="minor">
+            <a:schemeClr val="tx1"/>
+          </a:fontRef>
+        </p:style>
+      </p:cxnSp>
+      <p:cxnSp>
+        <p:nvCxnSpPr>
+          <p:cNvPr id="53" name="Connecteur droit 52">
+            <a:extLst>
+              <a:ext uri="{FF2B5EF4-FFF2-40B4-BE49-F238E27FC236}">
+                <a16:creationId xmlns:a16="http://schemas.microsoft.com/office/drawing/2014/main" id="{DB11649C-8C1B-1243-BE41-C4E9619349B7}"/>
+              </a:ext>
+            </a:extLst>
+          </p:cNvPr>
+          <p:cNvCxnSpPr>
+            <a:cxnSpLocks/>
+          </p:cNvCxnSpPr>
+          <p:nvPr/>
+        </p:nvCxnSpPr>
+        <p:spPr>
+          <a:xfrm rot="-660000" flipV="1">
+            <a:off x="2296915" y="1787596"/>
+            <a:ext cx="235044" cy="216000"/>
+          </a:xfrm>
+          <a:prstGeom prst="line">
+            <a:avLst/>
+          </a:prstGeom>
+        </p:spPr>
+        <p:style>
+          <a:lnRef idx="1">
+            <a:schemeClr val="accent1"/>
+          </a:lnRef>
+          <a:fillRef idx="0">
+            <a:schemeClr val="accent1"/>
+          </a:fillRef>
+          <a:effectRef idx="0">
+            <a:schemeClr val="accent1"/>
+          </a:effectRef>
+          <a:fontRef idx="minor">
+            <a:schemeClr val="tx1"/>
+          </a:fontRef>
+        </p:style>
+      </p:cxnSp>
+      <p:grpSp>
+        <p:nvGrpSpPr>
+          <p:cNvPr id="62" name="Groupe 61">
+            <a:extLst>
+              <a:ext uri="{FF2B5EF4-FFF2-40B4-BE49-F238E27FC236}">
+                <a16:creationId xmlns:a16="http://schemas.microsoft.com/office/drawing/2014/main" id="{B6443545-8D77-4246-9509-038EF70298FF}"/>
+              </a:ext>
+            </a:extLst>
+          </p:cNvPr>
+          <p:cNvGrpSpPr/>
+          <p:nvPr/>
+        </p:nvGrpSpPr>
+        <p:grpSpPr>
+          <a:xfrm>
+            <a:off x="5622029" y="1622419"/>
+            <a:ext cx="2189951" cy="295205"/>
+            <a:chOff x="2794099" y="1596978"/>
+            <a:chExt cx="1442880" cy="348739"/>
+          </a:xfrm>
+        </p:grpSpPr>
+        <p:cxnSp>
+          <p:nvCxnSpPr>
+            <p:cNvPr id="63" name="Connecteur droit 62">
+              <a:extLst>
+                <a:ext uri="{FF2B5EF4-FFF2-40B4-BE49-F238E27FC236}">
+                  <a16:creationId xmlns:a16="http://schemas.microsoft.com/office/drawing/2014/main" id="{94139947-5D93-4E49-AE04-6858F1E3C8D7}"/>
+                </a:ext>
+              </a:extLst>
+            </p:cNvPr>
+            <p:cNvCxnSpPr>
+              <a:cxnSpLocks/>
+            </p:cNvCxnSpPr>
+            <p:nvPr/>
+          </p:nvCxnSpPr>
+          <p:spPr>
+            <a:xfrm flipV="1">
+              <a:off x="2794099" y="1597305"/>
+              <a:ext cx="0" cy="348412"/>
+            </a:xfrm>
+            <a:prstGeom prst="line">
+              <a:avLst/>
+            </a:prstGeom>
+            <a:ln w="12700">
+              <a:solidFill>
+                <a:schemeClr val="tx1"/>
+              </a:solidFill>
+            </a:ln>
+          </p:spPr>
+          <p:style>
+            <a:lnRef idx="1">
+              <a:schemeClr val="dk1"/>
+            </a:lnRef>
+            <a:fillRef idx="0">
+              <a:schemeClr val="dk1"/>
+            </a:fillRef>
+            <a:effectRef idx="0">
+              <a:schemeClr val="dk1"/>
+            </a:effectRef>
+            <a:fontRef idx="minor">
+              <a:schemeClr val="tx1"/>
+            </a:fontRef>
+          </p:style>
+        </p:cxnSp>
+        <p:cxnSp>
+          <p:nvCxnSpPr>
+            <p:cNvPr id="64" name="Connecteur droit 63">
+              <a:extLst>
+                <a:ext uri="{FF2B5EF4-FFF2-40B4-BE49-F238E27FC236}">
+                  <a16:creationId xmlns:a16="http://schemas.microsoft.com/office/drawing/2014/main" id="{E43D1DF9-27DA-B040-8BA1-23176AC0A21A}"/>
+                </a:ext>
+              </a:extLst>
+            </p:cNvPr>
+            <p:cNvCxnSpPr>
+              <a:cxnSpLocks/>
+            </p:cNvCxnSpPr>
+            <p:nvPr/>
+          </p:nvCxnSpPr>
+          <p:spPr>
+            <a:xfrm flipV="1">
+              <a:off x="3268393" y="1597305"/>
+              <a:ext cx="0" cy="348412"/>
+            </a:xfrm>
+            <a:prstGeom prst="line">
+              <a:avLst/>
+            </a:prstGeom>
+            <a:ln w="12700">
+              <a:solidFill>
+                <a:schemeClr val="tx1"/>
+              </a:solidFill>
+            </a:ln>
+          </p:spPr>
+          <p:style>
+            <a:lnRef idx="1">
+              <a:schemeClr val="dk1"/>
+            </a:lnRef>
+            <a:fillRef idx="0">
+              <a:schemeClr val="dk1"/>
+            </a:fillRef>
+            <a:effectRef idx="0">
+              <a:schemeClr val="dk1"/>
+            </a:effectRef>
+            <a:fontRef idx="minor">
+              <a:schemeClr val="tx1"/>
+            </a:fontRef>
+          </p:style>
+        </p:cxnSp>
+        <p:cxnSp>
+          <p:nvCxnSpPr>
+            <p:cNvPr id="65" name="Connecteur droit 64">
+              <a:extLst>
+                <a:ext uri="{FF2B5EF4-FFF2-40B4-BE49-F238E27FC236}">
+                  <a16:creationId xmlns:a16="http://schemas.microsoft.com/office/drawing/2014/main" id="{74901D76-C7A5-C747-85C6-C738D8C1F207}"/>
+                </a:ext>
+              </a:extLst>
+            </p:cNvPr>
+            <p:cNvCxnSpPr>
+              <a:cxnSpLocks/>
+            </p:cNvCxnSpPr>
+            <p:nvPr/>
+          </p:nvCxnSpPr>
+          <p:spPr>
+            <a:xfrm flipV="1">
+              <a:off x="3760523" y="1596978"/>
+              <a:ext cx="0" cy="348412"/>
+            </a:xfrm>
+            <a:prstGeom prst="line">
+              <a:avLst/>
+            </a:prstGeom>
+            <a:ln w="12700">
+              <a:solidFill>
+                <a:schemeClr val="tx1"/>
+              </a:solidFill>
+            </a:ln>
+          </p:spPr>
+          <p:style>
+            <a:lnRef idx="1">
+              <a:schemeClr val="dk1"/>
+            </a:lnRef>
+            <a:fillRef idx="0">
+              <a:schemeClr val="dk1"/>
+            </a:fillRef>
+            <a:effectRef idx="0">
+              <a:schemeClr val="dk1"/>
+            </a:effectRef>
+            <a:fontRef idx="minor">
+              <a:schemeClr val="tx1"/>
+            </a:fontRef>
+          </p:style>
+        </p:cxnSp>
+        <p:cxnSp>
+          <p:nvCxnSpPr>
+            <p:cNvPr id="66" name="Connecteur droit 65">
+              <a:extLst>
+                <a:ext uri="{FF2B5EF4-FFF2-40B4-BE49-F238E27FC236}">
+                  <a16:creationId xmlns:a16="http://schemas.microsoft.com/office/drawing/2014/main" id="{F6C8DD12-ABA7-E344-A34A-15008C3488EE}"/>
+                </a:ext>
+              </a:extLst>
+            </p:cNvPr>
+            <p:cNvCxnSpPr>
+              <a:cxnSpLocks/>
+            </p:cNvCxnSpPr>
+            <p:nvPr/>
+          </p:nvCxnSpPr>
+          <p:spPr>
+            <a:xfrm flipV="1">
+              <a:off x="4236979" y="1597305"/>
+              <a:ext cx="0" cy="348412"/>
+            </a:xfrm>
+            <a:prstGeom prst="line">
+              <a:avLst/>
+            </a:prstGeom>
+            <a:ln w="12700">
+              <a:solidFill>
+                <a:schemeClr val="tx1"/>
+              </a:solidFill>
+            </a:ln>
+          </p:spPr>
+          <p:style>
+            <a:lnRef idx="1">
+              <a:schemeClr val="dk1"/>
+            </a:lnRef>
+            <a:fillRef idx="0">
+              <a:schemeClr val="dk1"/>
+            </a:fillRef>
+            <a:effectRef idx="0">
+              <a:schemeClr val="dk1"/>
+            </a:effectRef>
+            <a:fontRef idx="minor">
+              <a:schemeClr val="tx1"/>
+            </a:fontRef>
+          </p:style>
+        </p:cxnSp>
+      </p:grpSp>
+      <p:sp>
+        <p:nvSpPr>
+          <p:cNvPr id="67" name="ZoneTexte 66">
+            <a:extLst>
+              <a:ext uri="{FF2B5EF4-FFF2-40B4-BE49-F238E27FC236}">
+                <a16:creationId xmlns:a16="http://schemas.microsoft.com/office/drawing/2014/main" id="{9AB9C44D-20E4-6E41-AF7A-E8B42E849D53}"/>
+              </a:ext>
+            </a:extLst>
+          </p:cNvPr>
+          <p:cNvSpPr txBox="1"/>
+          <p:nvPr/>
+        </p:nvSpPr>
+        <p:spPr>
+          <a:xfrm>
+            <a:off x="344619" y="2112491"/>
+            <a:ext cx="1217000" cy="492443"/>
+          </a:xfrm>
+          <a:prstGeom prst="rect">
+            <a:avLst/>
+          </a:prstGeom>
+          <a:noFill/>
+        </p:spPr>
+        <p:txBody>
+          <a:bodyPr wrap="none" rtlCol="0">
+            <a:spAutoFit/>
+          </a:bodyPr>
+          <a:lstStyle/>
+          <a:p>
+            <a:pPr algn="ctr"/>
+            <a:r>
+              <a:rPr lang="fr-FR" sz="1300" i="1" dirty="0" err="1">
+                <a:solidFill>
+                  <a:schemeClr val="accent1">
+                    <a:lumMod val="75000"/>
+                  </a:schemeClr>
+                </a:solidFill>
+                <a:latin typeface="Arial" panose="020B0604020202020204" pitchFamily="34" charset="0"/>
+                <a:cs typeface="Arial" panose="020B0604020202020204" pitchFamily="34" charset="0"/>
+              </a:rPr>
+              <a:t>feature</a:t>
+            </a:r>
+            <a:r>
+              <a:rPr lang="fr-FR" sz="1300" i="1" dirty="0">
+                <a:solidFill>
+                  <a:schemeClr val="accent1">
+                    <a:lumMod val="75000"/>
+                  </a:schemeClr>
+                </a:solidFill>
+                <a:latin typeface="Arial" panose="020B0604020202020204" pitchFamily="34" charset="0"/>
+                <a:cs typeface="Arial" panose="020B0604020202020204" pitchFamily="34" charset="0"/>
+              </a:rPr>
+              <a:t> X</a:t>
+            </a:r>
+          </a:p>
+          <a:p>
+            <a:pPr algn="ctr"/>
+            <a:r>
+              <a:rPr lang="fr-FR" sz="1300" i="1" dirty="0">
+                <a:solidFill>
+                  <a:schemeClr val="accent1">
+                    <a:lumMod val="75000"/>
+                  </a:schemeClr>
+                </a:solidFill>
+                <a:latin typeface="Arial" panose="020B0604020202020204" pitchFamily="34" charset="0"/>
+                <a:cs typeface="Arial" panose="020B0604020202020204" pitchFamily="34" charset="0"/>
+              </a:rPr>
+              <a:t>(</a:t>
+            </a:r>
+            <a:r>
+              <a:rPr lang="fr-FR" sz="1300" i="1" dirty="0" err="1">
+                <a:solidFill>
+                  <a:schemeClr val="accent1">
+                    <a:lumMod val="75000"/>
+                  </a:schemeClr>
+                </a:solidFill>
+                <a:latin typeface="Arial" panose="020B0604020202020204" pitchFamily="34" charset="0"/>
+                <a:cs typeface="Arial" panose="020B0604020202020204" pitchFamily="34" charset="0"/>
+              </a:rPr>
+              <a:t>same</a:t>
+            </a:r>
+            <a:r>
+              <a:rPr lang="fr-FR" sz="1300" i="1" dirty="0">
+                <a:solidFill>
+                  <a:schemeClr val="accent1">
+                    <a:lumMod val="75000"/>
+                  </a:schemeClr>
+                </a:solidFill>
+                <a:latin typeface="Arial" panose="020B0604020202020204" pitchFamily="34" charset="0"/>
+                <a:cs typeface="Arial" panose="020B0604020202020204" pitchFamily="34" charset="0"/>
+              </a:rPr>
+              <a:t> </a:t>
+            </a:r>
+            <a:r>
+              <a:rPr lang="fr-FR" sz="1300" i="1" dirty="0" err="1">
+                <a:solidFill>
+                  <a:schemeClr val="accent1">
+                    <a:lumMod val="75000"/>
+                  </a:schemeClr>
+                </a:solidFill>
+                <a:latin typeface="Arial" panose="020B0604020202020204" pitchFamily="34" charset="0"/>
+                <a:cs typeface="Arial" panose="020B0604020202020204" pitchFamily="34" charset="0"/>
+              </a:rPr>
+              <a:t>strand</a:t>
+            </a:r>
+            <a:r>
+              <a:rPr lang="fr-FR" sz="1300" i="1" dirty="0">
+                <a:solidFill>
+                  <a:schemeClr val="accent1">
+                    <a:lumMod val="75000"/>
+                  </a:schemeClr>
+                </a:solidFill>
+                <a:latin typeface="Arial" panose="020B0604020202020204" pitchFamily="34" charset="0"/>
+                <a:cs typeface="Arial" panose="020B0604020202020204" pitchFamily="34" charset="0"/>
+              </a:rPr>
+              <a:t>)</a:t>
+            </a:r>
+          </a:p>
+        </p:txBody>
+      </p:sp>
+      <p:sp>
+        <p:nvSpPr>
+          <p:cNvPr id="68" name="ZoneTexte 67">
+            <a:extLst>
+              <a:ext uri="{FF2B5EF4-FFF2-40B4-BE49-F238E27FC236}">
+                <a16:creationId xmlns:a16="http://schemas.microsoft.com/office/drawing/2014/main" id="{0DA390C6-C8B9-CA4B-A215-01577723E62A}"/>
+              </a:ext>
+            </a:extLst>
+          </p:cNvPr>
+          <p:cNvSpPr txBox="1"/>
+          <p:nvPr/>
+        </p:nvSpPr>
+        <p:spPr>
+          <a:xfrm>
+            <a:off x="5635275" y="2555701"/>
+            <a:ext cx="3128161" cy="692497"/>
+          </a:xfrm>
+          <a:prstGeom prst="rect">
+            <a:avLst/>
+          </a:prstGeom>
+          <a:noFill/>
+        </p:spPr>
+        <p:txBody>
+          <a:bodyPr wrap="square" rtlCol="0">
+            <a:spAutoFit/>
+          </a:bodyPr>
+          <a:lstStyle/>
+          <a:p>
+            <a:pPr algn="ctr"/>
+            <a:r>
+              <a:rPr lang="fr-FR" sz="1300" i="1" dirty="0">
+                <a:latin typeface="Arial" panose="020B0604020202020204" pitchFamily="34" charset="0"/>
+                <a:cs typeface="Arial" panose="020B0604020202020204" pitchFamily="34" charset="0"/>
+              </a:rPr>
+              <a:t>ORF#2 </a:t>
+            </a:r>
+            <a:r>
+              <a:rPr lang="fr-FR" sz="1300" i="1" dirty="0" err="1">
+                <a:latin typeface="Arial" panose="020B0604020202020204" pitchFamily="34" charset="0"/>
+                <a:cs typeface="Arial" panose="020B0604020202020204" pitchFamily="34" charset="0"/>
+              </a:rPr>
+              <a:t>coverage</a:t>
+            </a:r>
+            <a:r>
+              <a:rPr lang="fr-FR" sz="1300" i="1" dirty="0">
+                <a:latin typeface="Arial" panose="020B0604020202020204" pitchFamily="34" charset="0"/>
+                <a:cs typeface="Arial" panose="020B0604020202020204" pitchFamily="34" charset="0"/>
+              </a:rPr>
+              <a:t> = 50%</a:t>
+            </a:r>
+          </a:p>
+          <a:p>
+            <a:pPr algn="ctr"/>
+            <a:r>
+              <a:rPr lang="fr-FR" sz="1300" i="1" dirty="0" err="1">
+                <a:latin typeface="Arial" panose="020B0604020202020204" pitchFamily="34" charset="0"/>
+                <a:cs typeface="Arial" panose="020B0604020202020204" pitchFamily="34" charset="0"/>
+              </a:rPr>
+              <a:t>feature</a:t>
+            </a:r>
+            <a:r>
+              <a:rPr lang="fr-FR" sz="1300" i="1" dirty="0">
+                <a:latin typeface="Arial" panose="020B0604020202020204" pitchFamily="34" charset="0"/>
+                <a:cs typeface="Arial" panose="020B0604020202020204" pitchFamily="34" charset="0"/>
+              </a:rPr>
+              <a:t> Y </a:t>
+            </a:r>
+            <a:r>
+              <a:rPr lang="fr-FR" sz="1300" i="1" dirty="0" err="1">
+                <a:latin typeface="Arial" panose="020B0604020202020204" pitchFamily="34" charset="0"/>
+                <a:cs typeface="Arial" panose="020B0604020202020204" pitchFamily="34" charset="0"/>
+              </a:rPr>
+              <a:t>coverage</a:t>
+            </a:r>
+            <a:r>
+              <a:rPr lang="fr-FR" sz="1300" i="1" dirty="0">
+                <a:latin typeface="Arial" panose="020B0604020202020204" pitchFamily="34" charset="0"/>
+                <a:cs typeface="Arial" panose="020B0604020202020204" pitchFamily="34" charset="0"/>
+              </a:rPr>
+              <a:t> = 100%</a:t>
+            </a:r>
+          </a:p>
+          <a:p>
+            <a:pPr algn="ctr"/>
+            <a:r>
+              <a:rPr lang="fr-FR" sz="1300" i="1" dirty="0">
+                <a:latin typeface="Arial" panose="020B0604020202020204" pitchFamily="34" charset="0"/>
+                <a:cs typeface="Arial" panose="020B0604020202020204" pitchFamily="34" charset="0"/>
+              </a:rPr>
+              <a:t>ORF#2 annotation: </a:t>
+            </a:r>
+            <a:r>
+              <a:rPr lang="fr-FR" sz="1300" i="1" dirty="0" err="1">
+                <a:latin typeface="Arial" panose="020B0604020202020204" pitchFamily="34" charset="0"/>
+                <a:cs typeface="Arial" panose="020B0604020202020204" pitchFamily="34" charset="0"/>
+              </a:rPr>
+              <a:t>nc_same_ovp</a:t>
+            </a:r>
+            <a:r>
+              <a:rPr lang="fr-FR" sz="1300" i="1" dirty="0">
+                <a:latin typeface="Arial" panose="020B0604020202020204" pitchFamily="34" charset="0"/>
+                <a:cs typeface="Arial" panose="020B0604020202020204" pitchFamily="34" charset="0"/>
+              </a:rPr>
+              <a:t>-Y</a:t>
+            </a:r>
+          </a:p>
+        </p:txBody>
+      </p:sp>
+      <p:sp>
+        <p:nvSpPr>
+          <p:cNvPr id="69" name="ZoneTexte 68">
+            <a:extLst>
+              <a:ext uri="{FF2B5EF4-FFF2-40B4-BE49-F238E27FC236}">
+                <a16:creationId xmlns:a16="http://schemas.microsoft.com/office/drawing/2014/main" id="{39145D99-197D-1148-AE12-1377DA6180C7}"/>
+              </a:ext>
+            </a:extLst>
+          </p:cNvPr>
+          <p:cNvSpPr txBox="1"/>
+          <p:nvPr/>
+        </p:nvSpPr>
+        <p:spPr>
+          <a:xfrm>
+            <a:off x="5185848" y="2112491"/>
+            <a:ext cx="1217000" cy="492443"/>
+          </a:xfrm>
+          <a:prstGeom prst="rect">
+            <a:avLst/>
+          </a:prstGeom>
+          <a:noFill/>
+        </p:spPr>
+        <p:txBody>
+          <a:bodyPr wrap="none" rtlCol="0">
+            <a:spAutoFit/>
+          </a:bodyPr>
+          <a:lstStyle/>
+          <a:p>
+            <a:pPr algn="ctr"/>
+            <a:r>
+              <a:rPr lang="fr-FR" sz="1300" i="1" dirty="0" err="1">
+                <a:solidFill>
+                  <a:srgbClr val="00B050"/>
+                </a:solidFill>
+                <a:latin typeface="Arial" panose="020B0604020202020204" pitchFamily="34" charset="0"/>
+                <a:cs typeface="Arial" panose="020B0604020202020204" pitchFamily="34" charset="0"/>
+              </a:rPr>
+              <a:t>feature</a:t>
+            </a:r>
+            <a:r>
+              <a:rPr lang="fr-FR" sz="1300" i="1" dirty="0">
+                <a:solidFill>
+                  <a:srgbClr val="00B050"/>
+                </a:solidFill>
+                <a:latin typeface="Arial" panose="020B0604020202020204" pitchFamily="34" charset="0"/>
+                <a:cs typeface="Arial" panose="020B0604020202020204" pitchFamily="34" charset="0"/>
+              </a:rPr>
+              <a:t> Y</a:t>
+            </a:r>
+          </a:p>
+          <a:p>
+            <a:pPr algn="ctr"/>
+            <a:r>
+              <a:rPr lang="fr-FR" sz="1300" i="1" dirty="0">
+                <a:solidFill>
+                  <a:srgbClr val="00B050"/>
+                </a:solidFill>
+                <a:latin typeface="Arial" panose="020B0604020202020204" pitchFamily="34" charset="0"/>
+                <a:cs typeface="Arial" panose="020B0604020202020204" pitchFamily="34" charset="0"/>
+              </a:rPr>
+              <a:t>(</a:t>
+            </a:r>
+            <a:r>
+              <a:rPr lang="fr-FR" sz="1300" i="1" dirty="0" err="1">
+                <a:solidFill>
+                  <a:srgbClr val="00B050"/>
+                </a:solidFill>
+                <a:latin typeface="Arial" panose="020B0604020202020204" pitchFamily="34" charset="0"/>
+                <a:cs typeface="Arial" panose="020B0604020202020204" pitchFamily="34" charset="0"/>
+              </a:rPr>
+              <a:t>same</a:t>
+            </a:r>
+            <a:r>
+              <a:rPr lang="fr-FR" sz="1300" i="1" dirty="0">
+                <a:solidFill>
+                  <a:srgbClr val="00B050"/>
+                </a:solidFill>
+                <a:latin typeface="Arial" panose="020B0604020202020204" pitchFamily="34" charset="0"/>
+                <a:cs typeface="Arial" panose="020B0604020202020204" pitchFamily="34" charset="0"/>
+              </a:rPr>
+              <a:t> </a:t>
+            </a:r>
+            <a:r>
+              <a:rPr lang="fr-FR" sz="1300" i="1" dirty="0" err="1">
+                <a:solidFill>
+                  <a:srgbClr val="00B050"/>
+                </a:solidFill>
+                <a:latin typeface="Arial" panose="020B0604020202020204" pitchFamily="34" charset="0"/>
+                <a:cs typeface="Arial" panose="020B0604020202020204" pitchFamily="34" charset="0"/>
+              </a:rPr>
+              <a:t>strand</a:t>
+            </a:r>
+            <a:r>
+              <a:rPr lang="fr-FR" sz="1300" i="1" dirty="0">
+                <a:solidFill>
+                  <a:srgbClr val="00B050"/>
+                </a:solidFill>
+                <a:latin typeface="Arial" panose="020B0604020202020204" pitchFamily="34" charset="0"/>
+                <a:cs typeface="Arial" panose="020B0604020202020204" pitchFamily="34" charset="0"/>
+              </a:rPr>
+              <a:t>)</a:t>
+            </a:r>
+          </a:p>
+        </p:txBody>
+      </p:sp>
+      <p:sp>
+        <p:nvSpPr>
+          <p:cNvPr id="70" name="ZoneTexte 69">
+            <a:extLst>
+              <a:ext uri="{FF2B5EF4-FFF2-40B4-BE49-F238E27FC236}">
+                <a16:creationId xmlns:a16="http://schemas.microsoft.com/office/drawing/2014/main" id="{8D2B3B51-7A98-6F46-A970-138FB154DA5D}"/>
+              </a:ext>
+            </a:extLst>
+          </p:cNvPr>
+          <p:cNvSpPr txBox="1"/>
+          <p:nvPr/>
+        </p:nvSpPr>
+        <p:spPr>
+          <a:xfrm>
+            <a:off x="3217778" y="1150887"/>
+            <a:ext cx="845103" cy="338554"/>
+          </a:xfrm>
+          <a:prstGeom prst="rect">
+            <a:avLst/>
+          </a:prstGeom>
+          <a:noFill/>
+        </p:spPr>
+        <p:txBody>
+          <a:bodyPr wrap="none" rtlCol="0">
+            <a:spAutoFit/>
+          </a:bodyPr>
+          <a:lstStyle/>
+          <a:p>
+            <a:r>
+              <a:rPr lang="fr-FR" sz="1600" dirty="0">
+                <a:latin typeface="Arial" panose="020B0604020202020204" pitchFamily="34" charset="0"/>
+                <a:cs typeface="Arial" panose="020B0604020202020204" pitchFamily="34" charset="0"/>
+              </a:rPr>
+              <a:t>ORF#1</a:t>
+            </a:r>
+          </a:p>
+        </p:txBody>
+      </p:sp>
+      <p:sp>
+        <p:nvSpPr>
+          <p:cNvPr id="71" name="ZoneTexte 70">
+            <a:extLst>
+              <a:ext uri="{FF2B5EF4-FFF2-40B4-BE49-F238E27FC236}">
+                <a16:creationId xmlns:a16="http://schemas.microsoft.com/office/drawing/2014/main" id="{2A629519-CD36-3542-A183-D1BAEDB70BF7}"/>
+              </a:ext>
+            </a:extLst>
+          </p:cNvPr>
+          <p:cNvSpPr txBox="1"/>
+          <p:nvPr/>
+        </p:nvSpPr>
+        <p:spPr>
+          <a:xfrm>
+            <a:off x="6301201" y="1150887"/>
+            <a:ext cx="845103" cy="338554"/>
+          </a:xfrm>
+          <a:prstGeom prst="rect">
+            <a:avLst/>
+          </a:prstGeom>
+          <a:noFill/>
+        </p:spPr>
+        <p:txBody>
+          <a:bodyPr wrap="none" rtlCol="0">
+            <a:spAutoFit/>
+          </a:bodyPr>
+          <a:lstStyle/>
+          <a:p>
+            <a:r>
+              <a:rPr lang="fr-FR" sz="1600" dirty="0">
+                <a:latin typeface="Arial" panose="020B0604020202020204" pitchFamily="34" charset="0"/>
+                <a:cs typeface="Arial" panose="020B0604020202020204" pitchFamily="34" charset="0"/>
+              </a:rPr>
+              <a:t>ORF#2</a:t>
+            </a:r>
+          </a:p>
+        </p:txBody>
+      </p:sp>
+      <p:cxnSp>
+        <p:nvCxnSpPr>
+          <p:cNvPr id="73" name="Connecteur droit 72">
+            <a:extLst>
+              <a:ext uri="{FF2B5EF4-FFF2-40B4-BE49-F238E27FC236}">
+                <a16:creationId xmlns:a16="http://schemas.microsoft.com/office/drawing/2014/main" id="{FAEEA8FD-4F99-8A44-BD92-B35FDB97470B}"/>
+              </a:ext>
+            </a:extLst>
+          </p:cNvPr>
+          <p:cNvCxnSpPr/>
+          <p:nvPr/>
+        </p:nvCxnSpPr>
+        <p:spPr>
+          <a:xfrm>
+            <a:off x="8172000" y="1786401"/>
+            <a:ext cx="0" cy="487413"/>
+          </a:xfrm>
+          <a:prstGeom prst="line">
+            <a:avLst/>
+          </a:prstGeom>
+          <a:ln w="19050">
+            <a:prstDash val="sysDot"/>
+          </a:ln>
+        </p:spPr>
+        <p:style>
+          <a:lnRef idx="1">
+            <a:schemeClr val="dk1"/>
+          </a:lnRef>
+          <a:fillRef idx="0">
+            <a:schemeClr val="dk1"/>
+          </a:fillRef>
+          <a:effectRef idx="0">
+            <a:schemeClr val="dk1"/>
+          </a:effectRef>
+          <a:fontRef idx="minor">
+            <a:schemeClr val="tx1"/>
+          </a:fontRef>
+        </p:style>
+      </p:cxnSp>
+      <p:cxnSp>
+        <p:nvCxnSpPr>
+          <p:cNvPr id="74" name="Connecteur droit 73">
+            <a:extLst>
+              <a:ext uri="{FF2B5EF4-FFF2-40B4-BE49-F238E27FC236}">
+                <a16:creationId xmlns:a16="http://schemas.microsoft.com/office/drawing/2014/main" id="{8EBCEFF5-11C7-9E45-8AC3-52D53126F826}"/>
+              </a:ext>
+            </a:extLst>
+          </p:cNvPr>
+          <p:cNvCxnSpPr/>
+          <p:nvPr/>
+        </p:nvCxnSpPr>
+        <p:spPr>
+          <a:xfrm>
+            <a:off x="6346800" y="1866652"/>
+            <a:ext cx="0" cy="487413"/>
+          </a:xfrm>
+          <a:prstGeom prst="line">
+            <a:avLst/>
+          </a:prstGeom>
+          <a:ln w="19050">
+            <a:prstDash val="sysDot"/>
+          </a:ln>
+        </p:spPr>
+        <p:style>
+          <a:lnRef idx="1">
+            <a:schemeClr val="dk1"/>
+          </a:lnRef>
+          <a:fillRef idx="0">
+            <a:schemeClr val="dk1"/>
+          </a:fillRef>
+          <a:effectRef idx="0">
+            <a:schemeClr val="dk1"/>
+          </a:effectRef>
+          <a:fontRef idx="minor">
+            <a:schemeClr val="tx1"/>
+          </a:fontRef>
+        </p:style>
+      </p:cxnSp>
+      <p:cxnSp>
+        <p:nvCxnSpPr>
+          <p:cNvPr id="75" name="Connecteur droit 74">
+            <a:extLst>
+              <a:ext uri="{FF2B5EF4-FFF2-40B4-BE49-F238E27FC236}">
+                <a16:creationId xmlns:a16="http://schemas.microsoft.com/office/drawing/2014/main" id="{102A35F0-771F-A249-A497-1A35D422457F}"/>
+              </a:ext>
+            </a:extLst>
+          </p:cNvPr>
+          <p:cNvCxnSpPr/>
+          <p:nvPr/>
+        </p:nvCxnSpPr>
+        <p:spPr>
+          <a:xfrm flipV="1">
+            <a:off x="6353304" y="1759584"/>
+            <a:ext cx="364788" cy="488328"/>
+          </a:xfrm>
+          <a:prstGeom prst="line">
+            <a:avLst/>
+          </a:prstGeom>
+          <a:ln>
+            <a:solidFill>
+              <a:srgbClr val="00B050"/>
+            </a:solidFill>
+          </a:ln>
+        </p:spPr>
+        <p:style>
+          <a:lnRef idx="1">
+            <a:schemeClr val="accent1"/>
+          </a:lnRef>
+          <a:fillRef idx="0">
+            <a:schemeClr val="accent1"/>
+          </a:fillRef>
+          <a:effectRef idx="0">
+            <a:schemeClr val="accent1"/>
+          </a:effectRef>
+          <a:fontRef idx="minor">
+            <a:schemeClr val="tx1"/>
+          </a:fontRef>
+        </p:style>
+      </p:cxnSp>
+      <p:cxnSp>
+        <p:nvCxnSpPr>
+          <p:cNvPr id="76" name="Connecteur droit 75">
+            <a:extLst>
+              <a:ext uri="{FF2B5EF4-FFF2-40B4-BE49-F238E27FC236}">
+                <a16:creationId xmlns:a16="http://schemas.microsoft.com/office/drawing/2014/main" id="{761D19AC-BF24-BD4E-A836-1E3260886B42}"/>
+              </a:ext>
+            </a:extLst>
+          </p:cNvPr>
+          <p:cNvCxnSpPr/>
+          <p:nvPr/>
+        </p:nvCxnSpPr>
+        <p:spPr>
+          <a:xfrm flipV="1">
+            <a:off x="6530160" y="1781983"/>
+            <a:ext cx="364788" cy="488328"/>
+          </a:xfrm>
+          <a:prstGeom prst="line">
+            <a:avLst/>
+          </a:prstGeom>
+          <a:ln>
+            <a:solidFill>
+              <a:srgbClr val="00B050"/>
+            </a:solidFill>
+          </a:ln>
+        </p:spPr>
+        <p:style>
+          <a:lnRef idx="1">
+            <a:schemeClr val="accent1"/>
+          </a:lnRef>
+          <a:fillRef idx="0">
+            <a:schemeClr val="accent1"/>
+          </a:fillRef>
+          <a:effectRef idx="0">
+            <a:schemeClr val="accent1"/>
+          </a:effectRef>
+          <a:fontRef idx="minor">
+            <a:schemeClr val="tx1"/>
+          </a:fontRef>
+        </p:style>
+      </p:cxnSp>
+      <p:cxnSp>
+        <p:nvCxnSpPr>
+          <p:cNvPr id="77" name="Connecteur droit 76">
+            <a:extLst>
+              <a:ext uri="{FF2B5EF4-FFF2-40B4-BE49-F238E27FC236}">
+                <a16:creationId xmlns:a16="http://schemas.microsoft.com/office/drawing/2014/main" id="{2DBD4F40-BD01-3C40-A259-CC67FF0CDD0E}"/>
+              </a:ext>
+            </a:extLst>
+          </p:cNvPr>
+          <p:cNvCxnSpPr/>
+          <p:nvPr/>
+        </p:nvCxnSpPr>
+        <p:spPr>
+          <a:xfrm flipV="1">
+            <a:off x="6740729" y="1795931"/>
+            <a:ext cx="364788" cy="488328"/>
+          </a:xfrm>
+          <a:prstGeom prst="line">
+            <a:avLst/>
+          </a:prstGeom>
+          <a:ln>
+            <a:solidFill>
+              <a:srgbClr val="00B050"/>
+            </a:solidFill>
+          </a:ln>
+        </p:spPr>
+        <p:style>
+          <a:lnRef idx="1">
+            <a:schemeClr val="accent1"/>
+          </a:lnRef>
+          <a:fillRef idx="0">
+            <a:schemeClr val="accent1"/>
+          </a:fillRef>
+          <a:effectRef idx="0">
+            <a:schemeClr val="accent1"/>
+          </a:effectRef>
+          <a:fontRef idx="minor">
+            <a:schemeClr val="tx1"/>
+          </a:fontRef>
+        </p:style>
+      </p:cxnSp>
+      <p:cxnSp>
+        <p:nvCxnSpPr>
+          <p:cNvPr id="78" name="Connecteur droit 77">
+            <a:extLst>
+              <a:ext uri="{FF2B5EF4-FFF2-40B4-BE49-F238E27FC236}">
+                <a16:creationId xmlns:a16="http://schemas.microsoft.com/office/drawing/2014/main" id="{40AC83B6-E2C5-3943-B167-243FACE8514C}"/>
+              </a:ext>
+            </a:extLst>
+          </p:cNvPr>
+          <p:cNvCxnSpPr/>
+          <p:nvPr/>
+        </p:nvCxnSpPr>
+        <p:spPr>
+          <a:xfrm flipV="1">
+            <a:off x="6971157" y="1786791"/>
+            <a:ext cx="364788" cy="488328"/>
+          </a:xfrm>
+          <a:prstGeom prst="line">
+            <a:avLst/>
+          </a:prstGeom>
+          <a:ln>
+            <a:solidFill>
+              <a:srgbClr val="00B050"/>
+            </a:solidFill>
+          </a:ln>
+        </p:spPr>
+        <p:style>
+          <a:lnRef idx="1">
+            <a:schemeClr val="accent1"/>
+          </a:lnRef>
+          <a:fillRef idx="0">
+            <a:schemeClr val="accent1"/>
+          </a:fillRef>
+          <a:effectRef idx="0">
+            <a:schemeClr val="accent1"/>
+          </a:effectRef>
+          <a:fontRef idx="minor">
+            <a:schemeClr val="tx1"/>
+          </a:fontRef>
+        </p:style>
+      </p:cxnSp>
+      <p:cxnSp>
+        <p:nvCxnSpPr>
+          <p:cNvPr id="79" name="Connecteur droit 78">
+            <a:extLst>
+              <a:ext uri="{FF2B5EF4-FFF2-40B4-BE49-F238E27FC236}">
+                <a16:creationId xmlns:a16="http://schemas.microsoft.com/office/drawing/2014/main" id="{23960E93-F67F-6847-B916-78D37C8C0556}"/>
+              </a:ext>
+            </a:extLst>
+          </p:cNvPr>
+          <p:cNvCxnSpPr/>
+          <p:nvPr/>
+        </p:nvCxnSpPr>
+        <p:spPr>
+          <a:xfrm flipV="1">
+            <a:off x="7179377" y="1782315"/>
+            <a:ext cx="364788" cy="488328"/>
+          </a:xfrm>
+          <a:prstGeom prst="line">
+            <a:avLst/>
+          </a:prstGeom>
+          <a:ln>
+            <a:solidFill>
+              <a:srgbClr val="00B050"/>
+            </a:solidFill>
+          </a:ln>
+        </p:spPr>
+        <p:style>
+          <a:lnRef idx="1">
+            <a:schemeClr val="accent1"/>
+          </a:lnRef>
+          <a:fillRef idx="0">
+            <a:schemeClr val="accent1"/>
+          </a:fillRef>
+          <a:effectRef idx="0">
+            <a:schemeClr val="accent1"/>
+          </a:effectRef>
+          <a:fontRef idx="minor">
+            <a:schemeClr val="tx1"/>
+          </a:fontRef>
+        </p:style>
+      </p:cxnSp>
+      <p:cxnSp>
+        <p:nvCxnSpPr>
+          <p:cNvPr id="80" name="Connecteur droit 79">
+            <a:extLst>
+              <a:ext uri="{FF2B5EF4-FFF2-40B4-BE49-F238E27FC236}">
+                <a16:creationId xmlns:a16="http://schemas.microsoft.com/office/drawing/2014/main" id="{65F10C7C-1C23-A24D-9791-DEECF326D7F6}"/>
+              </a:ext>
+            </a:extLst>
+          </p:cNvPr>
+          <p:cNvCxnSpPr/>
+          <p:nvPr/>
+        </p:nvCxnSpPr>
+        <p:spPr>
+          <a:xfrm flipV="1">
+            <a:off x="7402220" y="1783989"/>
+            <a:ext cx="364788" cy="488328"/>
+          </a:xfrm>
+          <a:prstGeom prst="line">
+            <a:avLst/>
+          </a:prstGeom>
+          <a:ln>
+            <a:solidFill>
+              <a:srgbClr val="00B050"/>
+            </a:solidFill>
+          </a:ln>
+        </p:spPr>
+        <p:style>
+          <a:lnRef idx="1">
+            <a:schemeClr val="accent1"/>
+          </a:lnRef>
+          <a:fillRef idx="0">
+            <a:schemeClr val="accent1"/>
+          </a:fillRef>
+          <a:effectRef idx="0">
+            <a:schemeClr val="accent1"/>
+          </a:effectRef>
+          <a:fontRef idx="minor">
+            <a:schemeClr val="tx1"/>
+          </a:fontRef>
+        </p:style>
+      </p:cxnSp>
+      <p:cxnSp>
+        <p:nvCxnSpPr>
+          <p:cNvPr id="81" name="Connecteur droit 80">
+            <a:extLst>
+              <a:ext uri="{FF2B5EF4-FFF2-40B4-BE49-F238E27FC236}">
+                <a16:creationId xmlns:a16="http://schemas.microsoft.com/office/drawing/2014/main" id="{C538492B-3A63-FD4B-89A3-484F024575F9}"/>
+              </a:ext>
+            </a:extLst>
+          </p:cNvPr>
+          <p:cNvCxnSpPr/>
+          <p:nvPr/>
+        </p:nvCxnSpPr>
+        <p:spPr>
+          <a:xfrm flipV="1">
+            <a:off x="7632648" y="1780986"/>
+            <a:ext cx="364788" cy="488328"/>
+          </a:xfrm>
+          <a:prstGeom prst="line">
+            <a:avLst/>
+          </a:prstGeom>
+          <a:ln>
+            <a:solidFill>
+              <a:srgbClr val="00B050"/>
+            </a:solidFill>
+          </a:ln>
+        </p:spPr>
+        <p:style>
+          <a:lnRef idx="1">
+            <a:schemeClr val="accent1"/>
+          </a:lnRef>
+          <a:fillRef idx="0">
+            <a:schemeClr val="accent1"/>
+          </a:fillRef>
+          <a:effectRef idx="0">
+            <a:schemeClr val="accent1"/>
+          </a:effectRef>
+          <a:fontRef idx="minor">
+            <a:schemeClr val="tx1"/>
+          </a:fontRef>
+        </p:style>
+      </p:cxnSp>
+      <p:cxnSp>
+        <p:nvCxnSpPr>
+          <p:cNvPr id="82" name="Connecteur droit 81">
+            <a:extLst>
+              <a:ext uri="{FF2B5EF4-FFF2-40B4-BE49-F238E27FC236}">
+                <a16:creationId xmlns:a16="http://schemas.microsoft.com/office/drawing/2014/main" id="{3EDB4097-AE43-CC44-9A03-97BEE86DFA24}"/>
+              </a:ext>
+            </a:extLst>
+          </p:cNvPr>
+          <p:cNvCxnSpPr/>
+          <p:nvPr/>
+        </p:nvCxnSpPr>
+        <p:spPr>
+          <a:xfrm flipV="1">
+            <a:off x="7806551" y="1827229"/>
+            <a:ext cx="364788" cy="488328"/>
+          </a:xfrm>
+          <a:prstGeom prst="line">
+            <a:avLst/>
+          </a:prstGeom>
+          <a:ln>
+            <a:solidFill>
+              <a:srgbClr val="00B050"/>
+            </a:solidFill>
+          </a:ln>
+        </p:spPr>
+        <p:style>
+          <a:lnRef idx="1">
+            <a:schemeClr val="accent1"/>
+          </a:lnRef>
+          <a:fillRef idx="0">
+            <a:schemeClr val="accent1"/>
+          </a:fillRef>
+          <a:effectRef idx="0">
+            <a:schemeClr val="accent1"/>
+          </a:effectRef>
+          <a:fontRef idx="minor">
+            <a:schemeClr val="tx1"/>
+          </a:fontRef>
+        </p:style>
+      </p:cxnSp>
+      <p:cxnSp>
+        <p:nvCxnSpPr>
+          <p:cNvPr id="83" name="Connecteur droit 82">
+            <a:extLst>
+              <a:ext uri="{FF2B5EF4-FFF2-40B4-BE49-F238E27FC236}">
+                <a16:creationId xmlns:a16="http://schemas.microsoft.com/office/drawing/2014/main" id="{B5C1B719-2A52-D549-BFFC-A01099F2BAC3}"/>
+              </a:ext>
+            </a:extLst>
+          </p:cNvPr>
+          <p:cNvCxnSpPr>
+            <a:cxnSpLocks/>
+          </p:cNvCxnSpPr>
+          <p:nvPr/>
+        </p:nvCxnSpPr>
+        <p:spPr>
+          <a:xfrm rot="-240000" flipV="1">
+            <a:off x="7921243" y="2085751"/>
+            <a:ext cx="258068" cy="297363"/>
+          </a:xfrm>
+          <a:prstGeom prst="line">
+            <a:avLst/>
+          </a:prstGeom>
+          <a:ln>
+            <a:solidFill>
+              <a:srgbClr val="00B050"/>
+            </a:solidFill>
+          </a:ln>
+        </p:spPr>
+        <p:style>
+          <a:lnRef idx="1">
+            <a:schemeClr val="accent1"/>
+          </a:lnRef>
+          <a:fillRef idx="0">
+            <a:schemeClr val="accent1"/>
+          </a:fillRef>
+          <a:effectRef idx="0">
+            <a:schemeClr val="accent1"/>
+          </a:effectRef>
+          <a:fontRef idx="minor">
+            <a:schemeClr val="tx1"/>
+          </a:fontRef>
+        </p:style>
+      </p:cxnSp>
+      <p:cxnSp>
+        <p:nvCxnSpPr>
+          <p:cNvPr id="85" name="Connecteur droit 84">
+            <a:extLst>
+              <a:ext uri="{FF2B5EF4-FFF2-40B4-BE49-F238E27FC236}">
+                <a16:creationId xmlns:a16="http://schemas.microsoft.com/office/drawing/2014/main" id="{27FCAA6E-9817-EC43-A5DE-291BCFB85E5D}"/>
+              </a:ext>
+            </a:extLst>
+          </p:cNvPr>
+          <p:cNvCxnSpPr>
+            <a:cxnSpLocks/>
+          </p:cNvCxnSpPr>
+          <p:nvPr/>
+        </p:nvCxnSpPr>
+        <p:spPr>
+          <a:xfrm flipV="1">
+            <a:off x="6354929" y="1790649"/>
+            <a:ext cx="125321" cy="166799"/>
+          </a:xfrm>
+          <a:prstGeom prst="line">
+            <a:avLst/>
+          </a:prstGeom>
+          <a:ln>
+            <a:solidFill>
+              <a:srgbClr val="00B050"/>
+            </a:solidFill>
+          </a:ln>
+        </p:spPr>
+        <p:style>
+          <a:lnRef idx="1">
+            <a:schemeClr val="accent1"/>
+          </a:lnRef>
+          <a:fillRef idx="0">
+            <a:schemeClr val="accent1"/>
+          </a:fillRef>
+          <a:effectRef idx="0">
+            <a:schemeClr val="accent1"/>
+          </a:effectRef>
+          <a:fontRef idx="minor">
+            <a:schemeClr val="tx1"/>
+          </a:fontRef>
+        </p:style>
+      </p:cxnSp>
+      <p:cxnSp>
+        <p:nvCxnSpPr>
+          <p:cNvPr id="4" name="Connecteur droit avec flèche 3">
+            <a:extLst>
+              <a:ext uri="{FF2B5EF4-FFF2-40B4-BE49-F238E27FC236}">
+                <a16:creationId xmlns:a16="http://schemas.microsoft.com/office/drawing/2014/main" id="{20E848B7-382D-7E45-8C8B-DE2C422E2BC2}"/>
+              </a:ext>
+            </a:extLst>
+          </p:cNvPr>
+          <p:cNvCxnSpPr>
+            <a:cxnSpLocks/>
+          </p:cNvCxnSpPr>
+          <p:nvPr/>
+        </p:nvCxnSpPr>
+        <p:spPr>
+          <a:xfrm>
+            <a:off x="1556951" y="1764292"/>
+            <a:ext cx="7379659" cy="0"/>
           </a:xfrm>
           <a:prstGeom prst="straightConnector1">
             <a:avLst/>
@@ -15704,350 +17702,30 @@
           </a:fontRef>
         </p:style>
       </p:cxnSp>
-      <p:cxnSp>
-        <p:nvCxnSpPr>
-          <p:cNvPr id="93" name="Connecteur droit avec flèche 92">
-            <a:extLst>
-              <a:ext uri="{FF2B5EF4-FFF2-40B4-BE49-F238E27FC236}">
-                <a16:creationId xmlns:a16="http://schemas.microsoft.com/office/drawing/2014/main" id="{229EAAD8-9233-7D49-9BC4-FBAD6030621A}"/>
-              </a:ext>
-            </a:extLst>
-          </p:cNvPr>
-          <p:cNvCxnSpPr>
-            <a:cxnSpLocks/>
-          </p:cNvCxnSpPr>
-          <p:nvPr/>
-        </p:nvCxnSpPr>
-        <p:spPr>
-          <a:xfrm>
-            <a:off x="2567495" y="1665436"/>
-            <a:ext cx="5295298" cy="0"/>
-          </a:xfrm>
-          <a:prstGeom prst="straightConnector1">
-            <a:avLst/>
-          </a:prstGeom>
-          <a:ln w="57150">
+      <p:sp>
+        <p:nvSpPr>
+          <p:cNvPr id="23" name="Rectangle 22">
+            <a:extLst>
+              <a:ext uri="{FF2B5EF4-FFF2-40B4-BE49-F238E27FC236}">
+                <a16:creationId xmlns:a16="http://schemas.microsoft.com/office/drawing/2014/main" id="{82DDEB2C-FE68-0D47-9869-8322A3A04128}"/>
+              </a:ext>
+            </a:extLst>
+          </p:cNvPr>
+          <p:cNvSpPr/>
+          <p:nvPr/>
+        </p:nvSpPr>
+        <p:spPr>
+          <a:xfrm>
+            <a:off x="1611529" y="2252620"/>
+            <a:ext cx="2879194" cy="148942"/>
+          </a:xfrm>
+          <a:prstGeom prst="rect">
+            <a:avLst/>
+          </a:prstGeom>
+          <a:ln>
             <a:solidFill>
-              <a:schemeClr val="tx1">
-                <a:lumMod val="50000"/>
-                <a:lumOff val="50000"/>
-              </a:schemeClr>
+              <a:schemeClr val="bg1"/>
             </a:solidFill>
-            <a:tailEnd type="triangle"/>
-          </a:ln>
-        </p:spPr>
-        <p:style>
-          <a:lnRef idx="1">
-            <a:schemeClr val="dk1"/>
-          </a:lnRef>
-          <a:fillRef idx="0">
-            <a:schemeClr val="dk1"/>
-          </a:fillRef>
-          <a:effectRef idx="0">
-            <a:schemeClr val="dk1"/>
-          </a:effectRef>
-          <a:fontRef idx="minor">
-            <a:schemeClr val="tx1"/>
-          </a:fontRef>
-        </p:style>
-      </p:cxnSp>
-      <p:cxnSp>
-        <p:nvCxnSpPr>
-          <p:cNvPr id="94" name="Connecteur droit avec flèche 93">
-            <a:extLst>
-              <a:ext uri="{FF2B5EF4-FFF2-40B4-BE49-F238E27FC236}">
-                <a16:creationId xmlns:a16="http://schemas.microsoft.com/office/drawing/2014/main" id="{F0D1FB43-B5A1-CB4D-84B3-5F0E40193E65}"/>
-              </a:ext>
-            </a:extLst>
-          </p:cNvPr>
-          <p:cNvCxnSpPr>
-            <a:cxnSpLocks/>
-          </p:cNvCxnSpPr>
-          <p:nvPr/>
-        </p:nvCxnSpPr>
-        <p:spPr>
-          <a:xfrm>
-            <a:off x="2557849" y="482293"/>
-            <a:ext cx="5295298" cy="0"/>
-          </a:xfrm>
-          <a:prstGeom prst="straightConnector1">
-            <a:avLst/>
-          </a:prstGeom>
-          <a:ln w="57150">
-            <a:solidFill>
-              <a:schemeClr val="tx1">
-                <a:lumMod val="50000"/>
-                <a:lumOff val="50000"/>
-              </a:schemeClr>
-            </a:solidFill>
-            <a:tailEnd type="triangle"/>
-          </a:ln>
-        </p:spPr>
-        <p:style>
-          <a:lnRef idx="1">
-            <a:schemeClr val="dk1"/>
-          </a:lnRef>
-          <a:fillRef idx="0">
-            <a:schemeClr val="dk1"/>
-          </a:fillRef>
-          <a:effectRef idx="0">
-            <a:schemeClr val="dk1"/>
-          </a:effectRef>
-          <a:fontRef idx="minor">
-            <a:schemeClr val="tx1"/>
-          </a:fontRef>
-        </p:style>
-      </p:cxnSp>
-      <p:cxnSp>
-        <p:nvCxnSpPr>
-          <p:cNvPr id="10" name="Connecteur droit 9">
-            <a:extLst>
-              <a:ext uri="{FF2B5EF4-FFF2-40B4-BE49-F238E27FC236}">
-                <a16:creationId xmlns:a16="http://schemas.microsoft.com/office/drawing/2014/main" id="{F9FFA24B-57E4-094A-A1E1-04F3ABFA90E5}"/>
-              </a:ext>
-            </a:extLst>
-          </p:cNvPr>
-          <p:cNvCxnSpPr>
-            <a:cxnSpLocks/>
-          </p:cNvCxnSpPr>
-          <p:nvPr/>
-        </p:nvCxnSpPr>
-        <p:spPr>
-          <a:xfrm>
-            <a:off x="4474450" y="189348"/>
-            <a:ext cx="0" cy="3052120"/>
-          </a:xfrm>
-          <a:prstGeom prst="line">
-            <a:avLst/>
-          </a:prstGeom>
-          <a:ln w="19050">
-            <a:prstDash val="sysDash"/>
-          </a:ln>
-        </p:spPr>
-        <p:style>
-          <a:lnRef idx="1">
-            <a:schemeClr val="dk1"/>
-          </a:lnRef>
-          <a:fillRef idx="0">
-            <a:schemeClr val="dk1"/>
-          </a:fillRef>
-          <a:effectRef idx="0">
-            <a:schemeClr val="dk1"/>
-          </a:effectRef>
-          <a:fontRef idx="minor">
-            <a:schemeClr val="tx1"/>
-          </a:fontRef>
-        </p:style>
-      </p:cxnSp>
-      <p:cxnSp>
-        <p:nvCxnSpPr>
-          <p:cNvPr id="15" name="Connecteur droit 14">
-            <a:extLst>
-              <a:ext uri="{FF2B5EF4-FFF2-40B4-BE49-F238E27FC236}">
-                <a16:creationId xmlns:a16="http://schemas.microsoft.com/office/drawing/2014/main" id="{BCCCC770-5D76-F94E-BE25-2F73D031974A}"/>
-              </a:ext>
-            </a:extLst>
-          </p:cNvPr>
-          <p:cNvCxnSpPr>
-            <a:cxnSpLocks/>
-          </p:cNvCxnSpPr>
-          <p:nvPr/>
-        </p:nvCxnSpPr>
-        <p:spPr>
-          <a:xfrm>
-            <a:off x="5462990" y="189348"/>
-            <a:ext cx="0" cy="3052120"/>
-          </a:xfrm>
-          <a:prstGeom prst="line">
-            <a:avLst/>
-          </a:prstGeom>
-          <a:ln w="19050">
-            <a:prstDash val="sysDash"/>
-          </a:ln>
-        </p:spPr>
-        <p:style>
-          <a:lnRef idx="1">
-            <a:schemeClr val="dk1"/>
-          </a:lnRef>
-          <a:fillRef idx="0">
-            <a:schemeClr val="dk1"/>
-          </a:fillRef>
-          <a:effectRef idx="0">
-            <a:schemeClr val="dk1"/>
-          </a:effectRef>
-          <a:fontRef idx="minor">
-            <a:schemeClr val="tx1"/>
-          </a:fontRef>
-        </p:style>
-      </p:cxnSp>
-      <p:cxnSp>
-        <p:nvCxnSpPr>
-          <p:cNvPr id="19" name="Connecteur droit avec flèche 18">
-            <a:extLst>
-              <a:ext uri="{FF2B5EF4-FFF2-40B4-BE49-F238E27FC236}">
-                <a16:creationId xmlns:a16="http://schemas.microsoft.com/office/drawing/2014/main" id="{87B21DFB-B952-CD43-9730-667994FF82C3}"/>
-              </a:ext>
-            </a:extLst>
-          </p:cNvPr>
-          <p:cNvCxnSpPr>
-            <a:cxnSpLocks/>
-          </p:cNvCxnSpPr>
-          <p:nvPr/>
-        </p:nvCxnSpPr>
-        <p:spPr>
-          <a:xfrm flipH="1">
-            <a:off x="2468261" y="4006822"/>
-            <a:ext cx="9125465" cy="0"/>
-          </a:xfrm>
-          <a:prstGeom prst="straightConnector1">
-            <a:avLst/>
-          </a:prstGeom>
-          <a:ln w="57150">
-            <a:solidFill>
-              <a:schemeClr val="accent1">
-                <a:lumMod val="60000"/>
-                <a:lumOff val="40000"/>
-              </a:schemeClr>
-            </a:solidFill>
-            <a:tailEnd type="triangle"/>
-          </a:ln>
-        </p:spPr>
-        <p:style>
-          <a:lnRef idx="1">
-            <a:schemeClr val="dk1"/>
-          </a:lnRef>
-          <a:fillRef idx="0">
-            <a:schemeClr val="dk1"/>
-          </a:fillRef>
-          <a:effectRef idx="0">
-            <a:schemeClr val="dk1"/>
-          </a:effectRef>
-          <a:fontRef idx="minor">
-            <a:schemeClr val="tx1"/>
-          </a:fontRef>
-        </p:style>
-      </p:cxnSp>
-      <p:cxnSp>
-        <p:nvCxnSpPr>
-          <p:cNvPr id="20" name="Connecteur droit avec flèche 19">
-            <a:extLst>
-              <a:ext uri="{FF2B5EF4-FFF2-40B4-BE49-F238E27FC236}">
-                <a16:creationId xmlns:a16="http://schemas.microsoft.com/office/drawing/2014/main" id="{D550F322-5FF6-164A-BD24-D6D9E32D62DA}"/>
-              </a:ext>
-            </a:extLst>
-          </p:cNvPr>
-          <p:cNvCxnSpPr>
-            <a:cxnSpLocks/>
-          </p:cNvCxnSpPr>
-          <p:nvPr/>
-        </p:nvCxnSpPr>
-        <p:spPr>
-          <a:xfrm flipH="1">
-            <a:off x="2468261" y="5196247"/>
-            <a:ext cx="9035880" cy="8969"/>
-          </a:xfrm>
-          <a:prstGeom prst="straightConnector1">
-            <a:avLst/>
-          </a:prstGeom>
-          <a:ln w="57150">
-            <a:solidFill>
-              <a:schemeClr val="accent1">
-                <a:lumMod val="60000"/>
-                <a:lumOff val="40000"/>
-              </a:schemeClr>
-            </a:solidFill>
-            <a:tailEnd type="triangle"/>
-          </a:ln>
-        </p:spPr>
-        <p:style>
-          <a:lnRef idx="1">
-            <a:schemeClr val="dk1"/>
-          </a:lnRef>
-          <a:fillRef idx="0">
-            <a:schemeClr val="dk1"/>
-          </a:fillRef>
-          <a:effectRef idx="0">
-            <a:schemeClr val="dk1"/>
-          </a:effectRef>
-          <a:fontRef idx="minor">
-            <a:schemeClr val="tx1"/>
-          </a:fontRef>
-        </p:style>
-      </p:cxnSp>
-      <p:cxnSp>
-        <p:nvCxnSpPr>
-          <p:cNvPr id="21" name="Connecteur droit avec flèche 20">
-            <a:extLst>
-              <a:ext uri="{FF2B5EF4-FFF2-40B4-BE49-F238E27FC236}">
-                <a16:creationId xmlns:a16="http://schemas.microsoft.com/office/drawing/2014/main" id="{C253016E-206F-0F45-AAC5-BE43FC5DCAD6}"/>
-              </a:ext>
-            </a:extLst>
-          </p:cNvPr>
-          <p:cNvCxnSpPr>
-            <a:cxnSpLocks/>
-          </p:cNvCxnSpPr>
-          <p:nvPr/>
-        </p:nvCxnSpPr>
-        <p:spPr>
-          <a:xfrm flipH="1">
-            <a:off x="2492975" y="6351242"/>
-            <a:ext cx="9035880" cy="0"/>
-          </a:xfrm>
-          <a:prstGeom prst="straightConnector1">
-            <a:avLst/>
-          </a:prstGeom>
-          <a:ln w="57150">
-            <a:solidFill>
-              <a:schemeClr val="accent1">
-                <a:lumMod val="60000"/>
-                <a:lumOff val="40000"/>
-              </a:schemeClr>
-            </a:solidFill>
-            <a:tailEnd type="triangle"/>
-          </a:ln>
-        </p:spPr>
-        <p:style>
-          <a:lnRef idx="1">
-            <a:schemeClr val="dk1"/>
-          </a:lnRef>
-          <a:fillRef idx="0">
-            <a:schemeClr val="dk1"/>
-          </a:fillRef>
-          <a:effectRef idx="0">
-            <a:schemeClr val="dk1"/>
-          </a:effectRef>
-          <a:fontRef idx="minor">
-            <a:schemeClr val="tx1"/>
-          </a:fontRef>
-        </p:style>
-      </p:cxnSp>
-      <p:sp>
-        <p:nvSpPr>
-          <p:cNvPr id="22" name="Rectangle 21">
-            <a:extLst>
-              <a:ext uri="{FF2B5EF4-FFF2-40B4-BE49-F238E27FC236}">
-                <a16:creationId xmlns:a16="http://schemas.microsoft.com/office/drawing/2014/main" id="{CC8D650A-350B-F343-ADF1-0973961FC84E}"/>
-              </a:ext>
-            </a:extLst>
-          </p:cNvPr>
-          <p:cNvSpPr/>
-          <p:nvPr/>
-        </p:nvSpPr>
-        <p:spPr>
-          <a:xfrm flipH="1">
-            <a:off x="9304637" y="4989470"/>
-            <a:ext cx="1859733" cy="397566"/>
-          </a:xfrm>
-          <a:prstGeom prst="rect">
-            <a:avLst/>
-          </a:prstGeom>
-          <a:solidFill>
-            <a:srgbClr val="FFA000">
-              <a:alpha val="69804"/>
-            </a:srgbClr>
-          </a:solidFill>
-          <a:ln>
-            <a:noFill/>
           </a:ln>
         </p:spPr>
         <p:style>
@@ -16077,1772 +17755,10 @@
       </p:sp>
       <p:sp>
         <p:nvSpPr>
-          <p:cNvPr id="46" name="ZoneTexte 45">
-            <a:extLst>
-              <a:ext uri="{FF2B5EF4-FFF2-40B4-BE49-F238E27FC236}">
-                <a16:creationId xmlns:a16="http://schemas.microsoft.com/office/drawing/2014/main" id="{F9568086-64B7-4F46-915B-8A7B1062A296}"/>
-              </a:ext>
-            </a:extLst>
-          </p:cNvPr>
-          <p:cNvSpPr txBox="1"/>
-          <p:nvPr/>
-        </p:nvSpPr>
-        <p:spPr>
-          <a:xfrm>
-            <a:off x="3631709" y="2539059"/>
-            <a:ext cx="461986" cy="646331"/>
-          </a:xfrm>
-          <a:prstGeom prst="rect">
-            <a:avLst/>
-          </a:prstGeom>
-          <a:noFill/>
-        </p:spPr>
-        <p:txBody>
-          <a:bodyPr wrap="none" rtlCol="0">
-            <a:spAutoFit/>
-          </a:bodyPr>
-          <a:lstStyle/>
-          <a:p>
-            <a:r>
-              <a:rPr lang="fr-FR" sz="3600" dirty="0">
-                <a:solidFill>
-                  <a:srgbClr val="FF0000"/>
-                </a:solidFill>
-                <a:latin typeface="Courier" pitchFamily="2" charset="0"/>
-              </a:rPr>
-              <a:t>*</a:t>
-            </a:r>
-          </a:p>
-        </p:txBody>
-      </p:sp>
-      <p:sp>
-        <p:nvSpPr>
-          <p:cNvPr id="47" name="ZoneTexte 46">
-            <a:extLst>
-              <a:ext uri="{FF2B5EF4-FFF2-40B4-BE49-F238E27FC236}">
-                <a16:creationId xmlns:a16="http://schemas.microsoft.com/office/drawing/2014/main" id="{4811FA8D-5AB8-5246-A485-EB54BF9A50F5}"/>
-              </a:ext>
-            </a:extLst>
-          </p:cNvPr>
-          <p:cNvSpPr txBox="1"/>
-          <p:nvPr/>
-        </p:nvSpPr>
-        <p:spPr>
-          <a:xfrm>
-            <a:off x="5580212" y="2547350"/>
-            <a:ext cx="461986" cy="646331"/>
-          </a:xfrm>
-          <a:prstGeom prst="rect">
-            <a:avLst/>
-          </a:prstGeom>
-          <a:noFill/>
-        </p:spPr>
-        <p:txBody>
-          <a:bodyPr wrap="none" rtlCol="0">
-            <a:spAutoFit/>
-          </a:bodyPr>
-          <a:lstStyle/>
-          <a:p>
-            <a:r>
-              <a:rPr lang="fr-FR" sz="3600" dirty="0">
-                <a:solidFill>
-                  <a:srgbClr val="FF0000"/>
-                </a:solidFill>
-                <a:latin typeface="Courier" pitchFamily="2" charset="0"/>
-              </a:rPr>
-              <a:t>*</a:t>
-            </a:r>
-          </a:p>
-        </p:txBody>
-      </p:sp>
-      <p:sp>
-        <p:nvSpPr>
-          <p:cNvPr id="48" name="ZoneTexte 47">
-            <a:extLst>
-              <a:ext uri="{FF2B5EF4-FFF2-40B4-BE49-F238E27FC236}">
-                <a16:creationId xmlns:a16="http://schemas.microsoft.com/office/drawing/2014/main" id="{00537AB6-65ED-2C43-B218-F9A47AA20ACD}"/>
-              </a:ext>
-            </a:extLst>
-          </p:cNvPr>
-          <p:cNvSpPr txBox="1"/>
-          <p:nvPr/>
-        </p:nvSpPr>
-        <p:spPr>
-          <a:xfrm>
-            <a:off x="3883474" y="1355076"/>
-            <a:ext cx="461986" cy="646331"/>
-          </a:xfrm>
-          <a:prstGeom prst="rect">
-            <a:avLst/>
-          </a:prstGeom>
-          <a:noFill/>
-        </p:spPr>
-        <p:txBody>
-          <a:bodyPr wrap="none" rtlCol="0">
-            <a:spAutoFit/>
-          </a:bodyPr>
-          <a:lstStyle/>
-          <a:p>
-            <a:r>
-              <a:rPr lang="fr-FR" sz="3600" dirty="0">
-                <a:solidFill>
-                  <a:srgbClr val="FF0000"/>
-                </a:solidFill>
-                <a:latin typeface="Courier" pitchFamily="2" charset="0"/>
-              </a:rPr>
-              <a:t>*</a:t>
-            </a:r>
-          </a:p>
-        </p:txBody>
-      </p:sp>
-      <p:sp>
-        <p:nvSpPr>
-          <p:cNvPr id="49" name="ZoneTexte 48">
-            <a:extLst>
-              <a:ext uri="{FF2B5EF4-FFF2-40B4-BE49-F238E27FC236}">
-                <a16:creationId xmlns:a16="http://schemas.microsoft.com/office/drawing/2014/main" id="{ED12C677-481B-C64E-96B2-36C035CD6B76}"/>
-              </a:ext>
-            </a:extLst>
-          </p:cNvPr>
-          <p:cNvSpPr txBox="1"/>
-          <p:nvPr/>
-        </p:nvSpPr>
-        <p:spPr>
-          <a:xfrm>
-            <a:off x="4385936" y="1349852"/>
-            <a:ext cx="461986" cy="646331"/>
-          </a:xfrm>
-          <a:prstGeom prst="rect">
-            <a:avLst/>
-          </a:prstGeom>
-          <a:noFill/>
-        </p:spPr>
-        <p:txBody>
-          <a:bodyPr wrap="none" rtlCol="0">
-            <a:spAutoFit/>
-          </a:bodyPr>
-          <a:lstStyle/>
-          <a:p>
-            <a:r>
-              <a:rPr lang="fr-FR" sz="3600" dirty="0">
-                <a:solidFill>
-                  <a:srgbClr val="FF0000"/>
-                </a:solidFill>
-                <a:latin typeface="Courier" pitchFamily="2" charset="0"/>
-              </a:rPr>
-              <a:t>*</a:t>
-            </a:r>
-          </a:p>
-        </p:txBody>
-      </p:sp>
-      <p:sp>
-        <p:nvSpPr>
-          <p:cNvPr id="50" name="ZoneTexte 49">
-            <a:extLst>
-              <a:ext uri="{FF2B5EF4-FFF2-40B4-BE49-F238E27FC236}">
-                <a16:creationId xmlns:a16="http://schemas.microsoft.com/office/drawing/2014/main" id="{666B542B-FD1C-E24B-9BD6-33F976296224}"/>
-              </a:ext>
-            </a:extLst>
-          </p:cNvPr>
-          <p:cNvSpPr txBox="1"/>
-          <p:nvPr/>
-        </p:nvSpPr>
-        <p:spPr>
-          <a:xfrm>
-            <a:off x="5399940" y="1365473"/>
-            <a:ext cx="461986" cy="646331"/>
-          </a:xfrm>
-          <a:prstGeom prst="rect">
-            <a:avLst/>
-          </a:prstGeom>
-          <a:noFill/>
-        </p:spPr>
-        <p:txBody>
-          <a:bodyPr wrap="none" rtlCol="0">
-            <a:spAutoFit/>
-          </a:bodyPr>
-          <a:lstStyle/>
-          <a:p>
-            <a:r>
-              <a:rPr lang="fr-FR" sz="3600" dirty="0">
-                <a:solidFill>
-                  <a:srgbClr val="FF0000"/>
-                </a:solidFill>
-                <a:latin typeface="Courier" pitchFamily="2" charset="0"/>
-              </a:rPr>
-              <a:t>*</a:t>
-            </a:r>
-          </a:p>
-        </p:txBody>
-      </p:sp>
-      <p:sp>
-        <p:nvSpPr>
-          <p:cNvPr id="51" name="ZoneTexte 50">
-            <a:extLst>
-              <a:ext uri="{FF2B5EF4-FFF2-40B4-BE49-F238E27FC236}">
-                <a16:creationId xmlns:a16="http://schemas.microsoft.com/office/drawing/2014/main" id="{6A355F55-BF69-D246-8043-7831496A0CB9}"/>
-              </a:ext>
-            </a:extLst>
-          </p:cNvPr>
-          <p:cNvSpPr txBox="1"/>
-          <p:nvPr/>
-        </p:nvSpPr>
-        <p:spPr>
-          <a:xfrm>
-            <a:off x="3454679" y="168106"/>
-            <a:ext cx="461986" cy="646331"/>
-          </a:xfrm>
-          <a:prstGeom prst="rect">
-            <a:avLst/>
-          </a:prstGeom>
-          <a:noFill/>
-        </p:spPr>
-        <p:txBody>
-          <a:bodyPr wrap="none" rtlCol="0">
-            <a:spAutoFit/>
-          </a:bodyPr>
-          <a:lstStyle/>
-          <a:p>
-            <a:r>
-              <a:rPr lang="fr-FR" sz="3600" dirty="0">
-                <a:solidFill>
-                  <a:srgbClr val="FF0000"/>
-                </a:solidFill>
-                <a:latin typeface="Courier" pitchFamily="2" charset="0"/>
-              </a:rPr>
-              <a:t>*</a:t>
-            </a:r>
-          </a:p>
-        </p:txBody>
-      </p:sp>
-      <p:sp>
-        <p:nvSpPr>
-          <p:cNvPr id="52" name="ZoneTexte 51">
-            <a:extLst>
-              <a:ext uri="{FF2B5EF4-FFF2-40B4-BE49-F238E27FC236}">
-                <a16:creationId xmlns:a16="http://schemas.microsoft.com/office/drawing/2014/main" id="{D157DDEC-5DCB-864D-B71F-DC18A9B0AAE0}"/>
-              </a:ext>
-            </a:extLst>
-          </p:cNvPr>
-          <p:cNvSpPr txBox="1"/>
-          <p:nvPr/>
-        </p:nvSpPr>
-        <p:spPr>
-          <a:xfrm>
-            <a:off x="6315382" y="181028"/>
-            <a:ext cx="461986" cy="646331"/>
-          </a:xfrm>
-          <a:prstGeom prst="rect">
-            <a:avLst/>
-          </a:prstGeom>
-          <a:noFill/>
-        </p:spPr>
-        <p:txBody>
-          <a:bodyPr wrap="none" rtlCol="0">
-            <a:spAutoFit/>
-          </a:bodyPr>
-          <a:lstStyle/>
-          <a:p>
-            <a:r>
-              <a:rPr lang="fr-FR" sz="3600" dirty="0">
-                <a:solidFill>
-                  <a:srgbClr val="FF0000"/>
-                </a:solidFill>
-                <a:latin typeface="Courier" pitchFamily="2" charset="0"/>
-              </a:rPr>
-              <a:t>*</a:t>
-            </a:r>
-          </a:p>
-        </p:txBody>
-      </p:sp>
-      <p:sp>
-        <p:nvSpPr>
-          <p:cNvPr id="53" name="ZoneTexte 52">
-            <a:extLst>
-              <a:ext uri="{FF2B5EF4-FFF2-40B4-BE49-F238E27FC236}">
-                <a16:creationId xmlns:a16="http://schemas.microsoft.com/office/drawing/2014/main" id="{BD8CAF12-17B5-A94D-A352-FDA45C7FD77E}"/>
-              </a:ext>
-            </a:extLst>
-          </p:cNvPr>
-          <p:cNvSpPr txBox="1"/>
-          <p:nvPr/>
-        </p:nvSpPr>
-        <p:spPr>
-          <a:xfrm>
-            <a:off x="7314427" y="184147"/>
-            <a:ext cx="461986" cy="646331"/>
-          </a:xfrm>
-          <a:prstGeom prst="rect">
-            <a:avLst/>
-          </a:prstGeom>
-          <a:noFill/>
-        </p:spPr>
-        <p:txBody>
-          <a:bodyPr wrap="none" rtlCol="0">
-            <a:spAutoFit/>
-          </a:bodyPr>
-          <a:lstStyle/>
-          <a:p>
-            <a:r>
-              <a:rPr lang="fr-FR" sz="3600" dirty="0">
-                <a:solidFill>
-                  <a:srgbClr val="FF0000"/>
-                </a:solidFill>
-                <a:latin typeface="Courier" pitchFamily="2" charset="0"/>
-              </a:rPr>
-              <a:t>*</a:t>
-            </a:r>
-          </a:p>
-        </p:txBody>
-      </p:sp>
-      <p:sp>
-        <p:nvSpPr>
-          <p:cNvPr id="54" name="ZoneTexte 53">
-            <a:extLst>
-              <a:ext uri="{FF2B5EF4-FFF2-40B4-BE49-F238E27FC236}">
-                <a16:creationId xmlns:a16="http://schemas.microsoft.com/office/drawing/2014/main" id="{54841A6F-05CE-9E42-8080-FEF02654EEA0}"/>
-              </a:ext>
-            </a:extLst>
-          </p:cNvPr>
-          <p:cNvSpPr txBox="1"/>
-          <p:nvPr/>
-        </p:nvSpPr>
-        <p:spPr>
-          <a:xfrm>
-            <a:off x="4506987" y="221609"/>
-            <a:ext cx="461986" cy="646331"/>
-          </a:xfrm>
-          <a:prstGeom prst="rect">
-            <a:avLst/>
-          </a:prstGeom>
-          <a:noFill/>
-        </p:spPr>
-        <p:txBody>
-          <a:bodyPr wrap="none" rtlCol="0">
-            <a:spAutoFit/>
-          </a:bodyPr>
-          <a:lstStyle/>
-          <a:p>
-            <a:r>
-              <a:rPr lang="fr-FR" sz="3600" dirty="0">
-                <a:solidFill>
-                  <a:srgbClr val="FF0000"/>
-                </a:solidFill>
-                <a:latin typeface="Courier" pitchFamily="2" charset="0"/>
-              </a:rPr>
-              <a:t>*</a:t>
-            </a:r>
-          </a:p>
-        </p:txBody>
-      </p:sp>
-      <p:sp>
-        <p:nvSpPr>
-          <p:cNvPr id="55" name="ZoneTexte 54">
-            <a:extLst>
-              <a:ext uri="{FF2B5EF4-FFF2-40B4-BE49-F238E27FC236}">
-                <a16:creationId xmlns:a16="http://schemas.microsoft.com/office/drawing/2014/main" id="{96E5E37E-F6CD-D249-B4A2-EAD9F147C7CA}"/>
-              </a:ext>
-            </a:extLst>
-          </p:cNvPr>
-          <p:cNvSpPr txBox="1"/>
-          <p:nvPr/>
-        </p:nvSpPr>
-        <p:spPr>
-          <a:xfrm>
-            <a:off x="8898977" y="164986"/>
-            <a:ext cx="461986" cy="646331"/>
-          </a:xfrm>
-          <a:prstGeom prst="rect">
-            <a:avLst/>
-          </a:prstGeom>
-          <a:noFill/>
-        </p:spPr>
-        <p:txBody>
-          <a:bodyPr wrap="none" rtlCol="0">
-            <a:spAutoFit/>
-          </a:bodyPr>
-          <a:lstStyle/>
-          <a:p>
-            <a:r>
-              <a:rPr lang="fr-FR" sz="3600" dirty="0">
-                <a:solidFill>
-                  <a:srgbClr val="FF0000"/>
-                </a:solidFill>
-                <a:latin typeface="Courier" pitchFamily="2" charset="0"/>
-              </a:rPr>
-              <a:t>*</a:t>
-            </a:r>
-          </a:p>
-        </p:txBody>
-      </p:sp>
-      <p:sp>
-        <p:nvSpPr>
-          <p:cNvPr id="56" name="ZoneTexte 55">
-            <a:extLst>
-              <a:ext uri="{FF2B5EF4-FFF2-40B4-BE49-F238E27FC236}">
-                <a16:creationId xmlns:a16="http://schemas.microsoft.com/office/drawing/2014/main" id="{AF13032F-7095-2B47-8FFE-36539EAB7205}"/>
-              </a:ext>
-            </a:extLst>
-          </p:cNvPr>
-          <p:cNvSpPr txBox="1"/>
-          <p:nvPr/>
-        </p:nvSpPr>
-        <p:spPr>
-          <a:xfrm>
-            <a:off x="9778265" y="171142"/>
-            <a:ext cx="461986" cy="646331"/>
-          </a:xfrm>
-          <a:prstGeom prst="rect">
-            <a:avLst/>
-          </a:prstGeom>
-          <a:noFill/>
-        </p:spPr>
-        <p:txBody>
-          <a:bodyPr wrap="none" rtlCol="0">
-            <a:spAutoFit/>
-          </a:bodyPr>
-          <a:lstStyle/>
-          <a:p>
-            <a:r>
-              <a:rPr lang="fr-FR" sz="3600" dirty="0">
-                <a:solidFill>
-                  <a:srgbClr val="FF0000"/>
-                </a:solidFill>
-                <a:latin typeface="Courier" pitchFamily="2" charset="0"/>
-              </a:rPr>
-              <a:t>*</a:t>
-            </a:r>
-          </a:p>
-        </p:txBody>
-      </p:sp>
-      <p:sp>
-        <p:nvSpPr>
-          <p:cNvPr id="57" name="ZoneTexte 56">
-            <a:extLst>
-              <a:ext uri="{FF2B5EF4-FFF2-40B4-BE49-F238E27FC236}">
-                <a16:creationId xmlns:a16="http://schemas.microsoft.com/office/drawing/2014/main" id="{C281C55A-9F6E-8C49-B934-86E13E5F36E5}"/>
-              </a:ext>
-            </a:extLst>
-          </p:cNvPr>
-          <p:cNvSpPr txBox="1"/>
-          <p:nvPr/>
-        </p:nvSpPr>
-        <p:spPr>
-          <a:xfrm>
-            <a:off x="10931485" y="164985"/>
-            <a:ext cx="461986" cy="646331"/>
-          </a:xfrm>
-          <a:prstGeom prst="rect">
-            <a:avLst/>
-          </a:prstGeom>
-          <a:noFill/>
-        </p:spPr>
-        <p:txBody>
-          <a:bodyPr wrap="none" rtlCol="0">
-            <a:spAutoFit/>
-          </a:bodyPr>
-          <a:lstStyle/>
-          <a:p>
-            <a:r>
-              <a:rPr lang="fr-FR" sz="3600" dirty="0">
-                <a:solidFill>
-                  <a:srgbClr val="FF0000"/>
-                </a:solidFill>
-                <a:latin typeface="Courier" pitchFamily="2" charset="0"/>
-              </a:rPr>
-              <a:t>*</a:t>
-            </a:r>
-          </a:p>
-        </p:txBody>
-      </p:sp>
-      <p:sp>
-        <p:nvSpPr>
-          <p:cNvPr id="58" name="ZoneTexte 57">
-            <a:extLst>
-              <a:ext uri="{FF2B5EF4-FFF2-40B4-BE49-F238E27FC236}">
-                <a16:creationId xmlns:a16="http://schemas.microsoft.com/office/drawing/2014/main" id="{573DD3B8-D860-1D45-B3C9-7DA2EA1793DA}"/>
-              </a:ext>
-            </a:extLst>
-          </p:cNvPr>
-          <p:cNvSpPr txBox="1"/>
-          <p:nvPr/>
-        </p:nvSpPr>
-        <p:spPr>
-          <a:xfrm>
-            <a:off x="8392594" y="1370857"/>
-            <a:ext cx="461986" cy="646331"/>
-          </a:xfrm>
-          <a:prstGeom prst="rect">
-            <a:avLst/>
-          </a:prstGeom>
-          <a:noFill/>
-        </p:spPr>
-        <p:txBody>
-          <a:bodyPr wrap="none" rtlCol="0">
-            <a:spAutoFit/>
-          </a:bodyPr>
-          <a:lstStyle/>
-          <a:p>
-            <a:r>
-              <a:rPr lang="fr-FR" sz="3600" dirty="0">
-                <a:solidFill>
-                  <a:srgbClr val="FF0000"/>
-                </a:solidFill>
-                <a:latin typeface="Courier" pitchFamily="2" charset="0"/>
-              </a:rPr>
-              <a:t>*</a:t>
-            </a:r>
-          </a:p>
-        </p:txBody>
-      </p:sp>
-      <p:sp>
-        <p:nvSpPr>
-          <p:cNvPr id="59" name="ZoneTexte 58">
-            <a:extLst>
-              <a:ext uri="{FF2B5EF4-FFF2-40B4-BE49-F238E27FC236}">
-                <a16:creationId xmlns:a16="http://schemas.microsoft.com/office/drawing/2014/main" id="{634850CD-4992-2242-990C-6FFDE77ACBFB}"/>
-              </a:ext>
-            </a:extLst>
-          </p:cNvPr>
-          <p:cNvSpPr txBox="1"/>
-          <p:nvPr/>
-        </p:nvSpPr>
-        <p:spPr>
-          <a:xfrm>
-            <a:off x="9235379" y="1374649"/>
-            <a:ext cx="461986" cy="646331"/>
-          </a:xfrm>
-          <a:prstGeom prst="rect">
-            <a:avLst/>
-          </a:prstGeom>
-          <a:noFill/>
-        </p:spPr>
-        <p:txBody>
-          <a:bodyPr wrap="none" rtlCol="0">
-            <a:spAutoFit/>
-          </a:bodyPr>
-          <a:lstStyle/>
-          <a:p>
-            <a:r>
-              <a:rPr lang="fr-FR" sz="3600" dirty="0">
-                <a:solidFill>
-                  <a:srgbClr val="FF0000"/>
-                </a:solidFill>
-                <a:latin typeface="Courier" pitchFamily="2" charset="0"/>
-              </a:rPr>
-              <a:t>*</a:t>
-            </a:r>
-          </a:p>
-        </p:txBody>
-      </p:sp>
-      <p:sp>
-        <p:nvSpPr>
-          <p:cNvPr id="60" name="ZoneTexte 59">
-            <a:extLst>
-              <a:ext uri="{FF2B5EF4-FFF2-40B4-BE49-F238E27FC236}">
-                <a16:creationId xmlns:a16="http://schemas.microsoft.com/office/drawing/2014/main" id="{0CCCFDF0-A209-A54E-89E3-B00605FF0942}"/>
-              </a:ext>
-            </a:extLst>
-          </p:cNvPr>
-          <p:cNvSpPr txBox="1"/>
-          <p:nvPr/>
-        </p:nvSpPr>
-        <p:spPr>
-          <a:xfrm>
-            <a:off x="10576849" y="1368364"/>
-            <a:ext cx="461986" cy="646331"/>
-          </a:xfrm>
-          <a:prstGeom prst="rect">
-            <a:avLst/>
-          </a:prstGeom>
-          <a:noFill/>
-        </p:spPr>
-        <p:txBody>
-          <a:bodyPr wrap="none" rtlCol="0">
-            <a:spAutoFit/>
-          </a:bodyPr>
-          <a:lstStyle/>
-          <a:p>
-            <a:r>
-              <a:rPr lang="fr-FR" sz="3600" dirty="0">
-                <a:solidFill>
-                  <a:srgbClr val="FF0000"/>
-                </a:solidFill>
-                <a:latin typeface="Courier" pitchFamily="2" charset="0"/>
-              </a:rPr>
-              <a:t>*</a:t>
-            </a:r>
-          </a:p>
-        </p:txBody>
-      </p:sp>
-      <p:sp>
-        <p:nvSpPr>
-          <p:cNvPr id="61" name="ZoneTexte 60">
-            <a:extLst>
-              <a:ext uri="{FF2B5EF4-FFF2-40B4-BE49-F238E27FC236}">
-                <a16:creationId xmlns:a16="http://schemas.microsoft.com/office/drawing/2014/main" id="{90B299CD-7F30-0142-880B-AEC66020CB18}"/>
-              </a:ext>
-            </a:extLst>
-          </p:cNvPr>
-          <p:cNvSpPr txBox="1"/>
-          <p:nvPr/>
-        </p:nvSpPr>
-        <p:spPr>
-          <a:xfrm>
-            <a:off x="7853147" y="1354363"/>
-            <a:ext cx="461986" cy="646331"/>
-          </a:xfrm>
-          <a:prstGeom prst="rect">
-            <a:avLst/>
-          </a:prstGeom>
-          <a:noFill/>
-        </p:spPr>
-        <p:txBody>
-          <a:bodyPr wrap="none" rtlCol="0">
-            <a:spAutoFit/>
-          </a:bodyPr>
-          <a:lstStyle/>
-          <a:p>
-            <a:r>
-              <a:rPr lang="fr-FR" sz="3600" dirty="0">
-                <a:solidFill>
-                  <a:srgbClr val="FF0000"/>
-                </a:solidFill>
-                <a:latin typeface="Courier" pitchFamily="2" charset="0"/>
-              </a:rPr>
-              <a:t>*</a:t>
-            </a:r>
-          </a:p>
-        </p:txBody>
-      </p:sp>
-      <p:sp>
-        <p:nvSpPr>
-          <p:cNvPr id="63" name="ZoneTexte 62">
-            <a:extLst>
-              <a:ext uri="{FF2B5EF4-FFF2-40B4-BE49-F238E27FC236}">
-                <a16:creationId xmlns:a16="http://schemas.microsoft.com/office/drawing/2014/main" id="{CF9B3790-9867-2A46-81A9-6EEDD608F680}"/>
-              </a:ext>
-            </a:extLst>
-          </p:cNvPr>
-          <p:cNvSpPr txBox="1"/>
-          <p:nvPr/>
-        </p:nvSpPr>
-        <p:spPr>
-          <a:xfrm>
-            <a:off x="8326078" y="2552397"/>
-            <a:ext cx="461986" cy="646331"/>
-          </a:xfrm>
-          <a:prstGeom prst="rect">
-            <a:avLst/>
-          </a:prstGeom>
-          <a:noFill/>
-        </p:spPr>
-        <p:txBody>
-          <a:bodyPr wrap="none" rtlCol="0">
-            <a:spAutoFit/>
-          </a:bodyPr>
-          <a:lstStyle/>
-          <a:p>
-            <a:r>
-              <a:rPr lang="fr-FR" sz="3600" dirty="0">
-                <a:solidFill>
-                  <a:srgbClr val="FF0000"/>
-                </a:solidFill>
-                <a:latin typeface="Courier" pitchFamily="2" charset="0"/>
-              </a:rPr>
-              <a:t>*</a:t>
-            </a:r>
-          </a:p>
-        </p:txBody>
-      </p:sp>
-      <p:sp>
-        <p:nvSpPr>
-          <p:cNvPr id="64" name="ZoneTexte 63">
-            <a:extLst>
-              <a:ext uri="{FF2B5EF4-FFF2-40B4-BE49-F238E27FC236}">
-                <a16:creationId xmlns:a16="http://schemas.microsoft.com/office/drawing/2014/main" id="{0DCB6D05-5993-B74C-A7C2-4F0B17357091}"/>
-              </a:ext>
-            </a:extLst>
-          </p:cNvPr>
-          <p:cNvSpPr txBox="1"/>
-          <p:nvPr/>
-        </p:nvSpPr>
-        <p:spPr>
-          <a:xfrm>
-            <a:off x="6943846" y="2537369"/>
-            <a:ext cx="461986" cy="646331"/>
-          </a:xfrm>
-          <a:prstGeom prst="rect">
-            <a:avLst/>
-          </a:prstGeom>
-          <a:noFill/>
-        </p:spPr>
-        <p:txBody>
-          <a:bodyPr wrap="none" rtlCol="0">
-            <a:spAutoFit/>
-          </a:bodyPr>
-          <a:lstStyle/>
-          <a:p>
-            <a:r>
-              <a:rPr lang="fr-FR" sz="3600" dirty="0">
-                <a:solidFill>
-                  <a:srgbClr val="FF0000"/>
-                </a:solidFill>
-                <a:latin typeface="Courier" pitchFamily="2" charset="0"/>
-              </a:rPr>
-              <a:t>*</a:t>
-            </a:r>
-          </a:p>
-        </p:txBody>
-      </p:sp>
-      <p:sp>
-        <p:nvSpPr>
-          <p:cNvPr id="67" name="ZoneTexte 66">
-            <a:extLst>
-              <a:ext uri="{FF2B5EF4-FFF2-40B4-BE49-F238E27FC236}">
-                <a16:creationId xmlns:a16="http://schemas.microsoft.com/office/drawing/2014/main" id="{5AA797C4-F640-014B-9B50-AB5C82B9A82D}"/>
-              </a:ext>
-            </a:extLst>
-          </p:cNvPr>
-          <p:cNvSpPr txBox="1"/>
-          <p:nvPr/>
-        </p:nvSpPr>
-        <p:spPr>
-          <a:xfrm>
-            <a:off x="9398678" y="2556444"/>
-            <a:ext cx="461986" cy="646331"/>
-          </a:xfrm>
-          <a:prstGeom prst="rect">
-            <a:avLst/>
-          </a:prstGeom>
-          <a:noFill/>
-        </p:spPr>
-        <p:txBody>
-          <a:bodyPr wrap="none" rtlCol="0">
-            <a:spAutoFit/>
-          </a:bodyPr>
-          <a:lstStyle/>
-          <a:p>
-            <a:r>
-              <a:rPr lang="fr-FR" sz="3600" dirty="0">
-                <a:solidFill>
-                  <a:srgbClr val="FF0000"/>
-                </a:solidFill>
-                <a:latin typeface="Courier" pitchFamily="2" charset="0"/>
-              </a:rPr>
-              <a:t>*</a:t>
-            </a:r>
-          </a:p>
-        </p:txBody>
-      </p:sp>
-      <p:sp>
-        <p:nvSpPr>
-          <p:cNvPr id="68" name="ZoneTexte 67">
-            <a:extLst>
-              <a:ext uri="{FF2B5EF4-FFF2-40B4-BE49-F238E27FC236}">
-                <a16:creationId xmlns:a16="http://schemas.microsoft.com/office/drawing/2014/main" id="{BFD90FF2-74E5-084D-B1C1-E8403DAD07C4}"/>
-              </a:ext>
-            </a:extLst>
-          </p:cNvPr>
-          <p:cNvSpPr txBox="1"/>
-          <p:nvPr/>
-        </p:nvSpPr>
-        <p:spPr>
-          <a:xfrm>
-            <a:off x="10345856" y="2548223"/>
-            <a:ext cx="461986" cy="646331"/>
-          </a:xfrm>
-          <a:prstGeom prst="rect">
-            <a:avLst/>
-          </a:prstGeom>
-          <a:noFill/>
-        </p:spPr>
-        <p:txBody>
-          <a:bodyPr wrap="none" rtlCol="0">
-            <a:spAutoFit/>
-          </a:bodyPr>
-          <a:lstStyle/>
-          <a:p>
-            <a:r>
-              <a:rPr lang="fr-FR" sz="3600" dirty="0">
-                <a:solidFill>
-                  <a:srgbClr val="FF0000"/>
-                </a:solidFill>
-                <a:latin typeface="Courier" pitchFamily="2" charset="0"/>
-              </a:rPr>
-              <a:t>*</a:t>
-            </a:r>
-          </a:p>
-        </p:txBody>
-      </p:sp>
-      <p:sp>
-        <p:nvSpPr>
-          <p:cNvPr id="69" name="ZoneTexte 68">
-            <a:extLst>
-              <a:ext uri="{FF2B5EF4-FFF2-40B4-BE49-F238E27FC236}">
-                <a16:creationId xmlns:a16="http://schemas.microsoft.com/office/drawing/2014/main" id="{57CC775C-3D8E-2342-9D0C-D35ADFA47840}"/>
-              </a:ext>
-            </a:extLst>
-          </p:cNvPr>
-          <p:cNvSpPr txBox="1"/>
-          <p:nvPr/>
-        </p:nvSpPr>
-        <p:spPr>
-          <a:xfrm>
-            <a:off x="6239921" y="3696610"/>
-            <a:ext cx="461986" cy="646331"/>
-          </a:xfrm>
-          <a:prstGeom prst="rect">
-            <a:avLst/>
-          </a:prstGeom>
-          <a:noFill/>
-        </p:spPr>
-        <p:txBody>
-          <a:bodyPr wrap="none" rtlCol="0">
-            <a:spAutoFit/>
-          </a:bodyPr>
-          <a:lstStyle/>
-          <a:p>
-            <a:r>
-              <a:rPr lang="fr-FR" sz="3600" dirty="0">
-                <a:solidFill>
-                  <a:srgbClr val="FF0000"/>
-                </a:solidFill>
-                <a:latin typeface="Courier" pitchFamily="2" charset="0"/>
-              </a:rPr>
-              <a:t>*</a:t>
-            </a:r>
-          </a:p>
-        </p:txBody>
-      </p:sp>
-      <p:sp>
-        <p:nvSpPr>
-          <p:cNvPr id="72" name="ZoneTexte 71">
-            <a:extLst>
-              <a:ext uri="{FF2B5EF4-FFF2-40B4-BE49-F238E27FC236}">
-                <a16:creationId xmlns:a16="http://schemas.microsoft.com/office/drawing/2014/main" id="{1EA84EC0-2356-D048-8649-F689731F61E9}"/>
-              </a:ext>
-            </a:extLst>
-          </p:cNvPr>
-          <p:cNvSpPr txBox="1"/>
-          <p:nvPr/>
-        </p:nvSpPr>
-        <p:spPr>
-          <a:xfrm>
-            <a:off x="6886733" y="1376045"/>
-            <a:ext cx="461986" cy="646331"/>
-          </a:xfrm>
-          <a:prstGeom prst="rect">
-            <a:avLst/>
-          </a:prstGeom>
-          <a:noFill/>
-        </p:spPr>
-        <p:txBody>
-          <a:bodyPr wrap="none" rtlCol="0">
-            <a:spAutoFit/>
-          </a:bodyPr>
-          <a:lstStyle/>
-          <a:p>
-            <a:r>
-              <a:rPr lang="fr-FR" sz="3600" dirty="0">
-                <a:solidFill>
-                  <a:srgbClr val="FF0000"/>
-                </a:solidFill>
-                <a:latin typeface="Courier" pitchFamily="2" charset="0"/>
-              </a:rPr>
-              <a:t>*</a:t>
-            </a:r>
-          </a:p>
-        </p:txBody>
-      </p:sp>
-      <p:sp>
-        <p:nvSpPr>
-          <p:cNvPr id="73" name="ZoneTexte 72">
-            <a:extLst>
-              <a:ext uri="{FF2B5EF4-FFF2-40B4-BE49-F238E27FC236}">
-                <a16:creationId xmlns:a16="http://schemas.microsoft.com/office/drawing/2014/main" id="{E91B2C9C-49C4-104B-927C-F50821D352D9}"/>
-              </a:ext>
-            </a:extLst>
-          </p:cNvPr>
-          <p:cNvSpPr txBox="1"/>
-          <p:nvPr/>
-        </p:nvSpPr>
-        <p:spPr>
-          <a:xfrm>
-            <a:off x="4910065" y="4891437"/>
-            <a:ext cx="461986" cy="646331"/>
-          </a:xfrm>
-          <a:prstGeom prst="rect">
-            <a:avLst/>
-          </a:prstGeom>
-          <a:noFill/>
-        </p:spPr>
-        <p:txBody>
-          <a:bodyPr wrap="none" rtlCol="0">
-            <a:spAutoFit/>
-          </a:bodyPr>
-          <a:lstStyle/>
-          <a:p>
-            <a:r>
-              <a:rPr lang="fr-FR" sz="3600" dirty="0">
-                <a:solidFill>
-                  <a:srgbClr val="FF0000"/>
-                </a:solidFill>
-                <a:latin typeface="Courier" pitchFamily="2" charset="0"/>
-              </a:rPr>
-              <a:t>*</a:t>
-            </a:r>
-          </a:p>
-        </p:txBody>
-      </p:sp>
-      <p:sp>
-        <p:nvSpPr>
-          <p:cNvPr id="75" name="ZoneTexte 74">
-            <a:extLst>
-              <a:ext uri="{FF2B5EF4-FFF2-40B4-BE49-F238E27FC236}">
-                <a16:creationId xmlns:a16="http://schemas.microsoft.com/office/drawing/2014/main" id="{295B93C1-9516-5947-BC70-D546FA4AFC45}"/>
-              </a:ext>
-            </a:extLst>
-          </p:cNvPr>
-          <p:cNvSpPr txBox="1"/>
-          <p:nvPr/>
-        </p:nvSpPr>
-        <p:spPr>
-          <a:xfrm>
-            <a:off x="6683841" y="4881456"/>
-            <a:ext cx="461986" cy="646331"/>
-          </a:xfrm>
-          <a:prstGeom prst="rect">
-            <a:avLst/>
-          </a:prstGeom>
-          <a:noFill/>
-        </p:spPr>
-        <p:txBody>
-          <a:bodyPr wrap="none" rtlCol="0">
-            <a:spAutoFit/>
-          </a:bodyPr>
-          <a:lstStyle/>
-          <a:p>
-            <a:r>
-              <a:rPr lang="fr-FR" sz="3600" dirty="0">
-                <a:solidFill>
-                  <a:srgbClr val="FF0000"/>
-                </a:solidFill>
-                <a:latin typeface="Courier" pitchFamily="2" charset="0"/>
-              </a:rPr>
-              <a:t>*</a:t>
-            </a:r>
-          </a:p>
-        </p:txBody>
-      </p:sp>
-      <p:sp>
-        <p:nvSpPr>
-          <p:cNvPr id="76" name="ZoneTexte 75">
-            <a:extLst>
-              <a:ext uri="{FF2B5EF4-FFF2-40B4-BE49-F238E27FC236}">
-                <a16:creationId xmlns:a16="http://schemas.microsoft.com/office/drawing/2014/main" id="{E29A2DAB-D674-4B4F-B83F-2D577448F19C}"/>
-              </a:ext>
-            </a:extLst>
-          </p:cNvPr>
-          <p:cNvSpPr txBox="1"/>
-          <p:nvPr/>
-        </p:nvSpPr>
-        <p:spPr>
-          <a:xfrm>
-            <a:off x="9031502" y="4902066"/>
-            <a:ext cx="461986" cy="646331"/>
-          </a:xfrm>
-          <a:prstGeom prst="rect">
-            <a:avLst/>
-          </a:prstGeom>
-          <a:noFill/>
-        </p:spPr>
-        <p:txBody>
-          <a:bodyPr wrap="none" rtlCol="0">
-            <a:spAutoFit/>
-          </a:bodyPr>
-          <a:lstStyle/>
-          <a:p>
-            <a:r>
-              <a:rPr lang="fr-FR" sz="3600" dirty="0">
-                <a:solidFill>
-                  <a:srgbClr val="FF0000"/>
-                </a:solidFill>
-                <a:latin typeface="Courier" pitchFamily="2" charset="0"/>
-              </a:rPr>
-              <a:t>*</a:t>
-            </a:r>
-          </a:p>
-        </p:txBody>
-      </p:sp>
-      <p:sp>
-        <p:nvSpPr>
-          <p:cNvPr id="78" name="ZoneTexte 77">
-            <a:extLst>
-              <a:ext uri="{FF2B5EF4-FFF2-40B4-BE49-F238E27FC236}">
-                <a16:creationId xmlns:a16="http://schemas.microsoft.com/office/drawing/2014/main" id="{B4F1EE3E-C9D9-994F-951A-F42004D9F6F8}"/>
-              </a:ext>
-            </a:extLst>
-          </p:cNvPr>
-          <p:cNvSpPr txBox="1"/>
-          <p:nvPr/>
-        </p:nvSpPr>
-        <p:spPr>
-          <a:xfrm>
-            <a:off x="11300297" y="4902066"/>
-            <a:ext cx="461986" cy="646331"/>
-          </a:xfrm>
-          <a:prstGeom prst="rect">
-            <a:avLst/>
-          </a:prstGeom>
-          <a:noFill/>
-        </p:spPr>
-        <p:txBody>
-          <a:bodyPr wrap="none" rtlCol="0">
-            <a:spAutoFit/>
-          </a:bodyPr>
-          <a:lstStyle/>
-          <a:p>
-            <a:r>
-              <a:rPr lang="fr-FR" sz="3600" dirty="0">
-                <a:solidFill>
-                  <a:srgbClr val="FF0000"/>
-                </a:solidFill>
-                <a:latin typeface="Courier" pitchFamily="2" charset="0"/>
-              </a:rPr>
-              <a:t>*</a:t>
-            </a:r>
-          </a:p>
-        </p:txBody>
-      </p:sp>
-      <p:sp>
-        <p:nvSpPr>
-          <p:cNvPr id="79" name="ZoneTexte 78">
-            <a:extLst>
-              <a:ext uri="{FF2B5EF4-FFF2-40B4-BE49-F238E27FC236}">
-                <a16:creationId xmlns:a16="http://schemas.microsoft.com/office/drawing/2014/main" id="{3B080AD1-65BF-7241-8D48-E1B68936909F}"/>
-              </a:ext>
-            </a:extLst>
-          </p:cNvPr>
-          <p:cNvSpPr txBox="1"/>
-          <p:nvPr/>
-        </p:nvSpPr>
-        <p:spPr>
-          <a:xfrm>
-            <a:off x="5116821" y="3691940"/>
-            <a:ext cx="461986" cy="646331"/>
-          </a:xfrm>
-          <a:prstGeom prst="rect">
-            <a:avLst/>
-          </a:prstGeom>
-          <a:noFill/>
-        </p:spPr>
-        <p:txBody>
-          <a:bodyPr wrap="none" rtlCol="0">
-            <a:spAutoFit/>
-          </a:bodyPr>
-          <a:lstStyle/>
-          <a:p>
-            <a:r>
-              <a:rPr lang="fr-FR" sz="3600" dirty="0">
-                <a:solidFill>
-                  <a:srgbClr val="FF0000"/>
-                </a:solidFill>
-                <a:latin typeface="Courier" pitchFamily="2" charset="0"/>
-              </a:rPr>
-              <a:t>*</a:t>
-            </a:r>
-          </a:p>
-        </p:txBody>
-      </p:sp>
-      <p:sp>
-        <p:nvSpPr>
-          <p:cNvPr id="80" name="ZoneTexte 79">
-            <a:extLst>
-              <a:ext uri="{FF2B5EF4-FFF2-40B4-BE49-F238E27FC236}">
-                <a16:creationId xmlns:a16="http://schemas.microsoft.com/office/drawing/2014/main" id="{9DE29A50-0D2F-3340-B181-5E877E633CE0}"/>
-              </a:ext>
-            </a:extLst>
-          </p:cNvPr>
-          <p:cNvSpPr txBox="1"/>
-          <p:nvPr/>
-        </p:nvSpPr>
-        <p:spPr>
-          <a:xfrm>
-            <a:off x="3768553" y="3684252"/>
-            <a:ext cx="461986" cy="646331"/>
-          </a:xfrm>
-          <a:prstGeom prst="rect">
-            <a:avLst/>
-          </a:prstGeom>
-          <a:noFill/>
-        </p:spPr>
-        <p:txBody>
-          <a:bodyPr wrap="none" rtlCol="0">
-            <a:spAutoFit/>
-          </a:bodyPr>
-          <a:lstStyle/>
-          <a:p>
-            <a:r>
-              <a:rPr lang="fr-FR" sz="3600" dirty="0">
-                <a:solidFill>
-                  <a:srgbClr val="FF0000"/>
-                </a:solidFill>
-                <a:latin typeface="Courier" pitchFamily="2" charset="0"/>
-              </a:rPr>
-              <a:t>*</a:t>
-            </a:r>
-          </a:p>
-        </p:txBody>
-      </p:sp>
-      <p:sp>
-        <p:nvSpPr>
-          <p:cNvPr id="81" name="ZoneTexte 80">
-            <a:extLst>
-              <a:ext uri="{FF2B5EF4-FFF2-40B4-BE49-F238E27FC236}">
-                <a16:creationId xmlns:a16="http://schemas.microsoft.com/office/drawing/2014/main" id="{BC99ADA8-F153-AF4E-9878-59DC9CA08BF1}"/>
-              </a:ext>
-            </a:extLst>
-          </p:cNvPr>
-          <p:cNvSpPr txBox="1"/>
-          <p:nvPr/>
-        </p:nvSpPr>
-        <p:spPr>
-          <a:xfrm>
-            <a:off x="3610045" y="6050835"/>
-            <a:ext cx="461986" cy="646331"/>
-          </a:xfrm>
-          <a:prstGeom prst="rect">
-            <a:avLst/>
-          </a:prstGeom>
-          <a:noFill/>
-        </p:spPr>
-        <p:txBody>
-          <a:bodyPr wrap="none" rtlCol="0">
-            <a:spAutoFit/>
-          </a:bodyPr>
-          <a:lstStyle/>
-          <a:p>
-            <a:r>
-              <a:rPr lang="fr-FR" sz="3600" dirty="0">
-                <a:solidFill>
-                  <a:srgbClr val="FF0000"/>
-                </a:solidFill>
-                <a:latin typeface="Courier" pitchFamily="2" charset="0"/>
-              </a:rPr>
-              <a:t>*</a:t>
-            </a:r>
-          </a:p>
-        </p:txBody>
-      </p:sp>
-      <p:sp>
-        <p:nvSpPr>
-          <p:cNvPr id="82" name="ZoneTexte 81">
-            <a:extLst>
-              <a:ext uri="{FF2B5EF4-FFF2-40B4-BE49-F238E27FC236}">
-                <a16:creationId xmlns:a16="http://schemas.microsoft.com/office/drawing/2014/main" id="{662F18BA-73FA-FB4F-9A7F-8896A46440A6}"/>
-              </a:ext>
-            </a:extLst>
-          </p:cNvPr>
-          <p:cNvSpPr txBox="1"/>
-          <p:nvPr/>
-        </p:nvSpPr>
-        <p:spPr>
-          <a:xfrm>
-            <a:off x="5419320" y="6053864"/>
-            <a:ext cx="461986" cy="646331"/>
-          </a:xfrm>
-          <a:prstGeom prst="rect">
-            <a:avLst/>
-          </a:prstGeom>
-          <a:noFill/>
-        </p:spPr>
-        <p:txBody>
-          <a:bodyPr wrap="none" rtlCol="0">
-            <a:spAutoFit/>
-          </a:bodyPr>
-          <a:lstStyle/>
-          <a:p>
-            <a:r>
-              <a:rPr lang="fr-FR" sz="3600" dirty="0">
-                <a:solidFill>
-                  <a:srgbClr val="FF0000"/>
-                </a:solidFill>
-                <a:latin typeface="Courier" pitchFamily="2" charset="0"/>
-              </a:rPr>
-              <a:t>*</a:t>
-            </a:r>
-          </a:p>
-        </p:txBody>
-      </p:sp>
-      <p:sp>
-        <p:nvSpPr>
-          <p:cNvPr id="83" name="ZoneTexte 82">
-            <a:extLst>
-              <a:ext uri="{FF2B5EF4-FFF2-40B4-BE49-F238E27FC236}">
-                <a16:creationId xmlns:a16="http://schemas.microsoft.com/office/drawing/2014/main" id="{9A59E493-B7F6-F34E-9085-C4E780404337}"/>
-              </a:ext>
-            </a:extLst>
-          </p:cNvPr>
-          <p:cNvSpPr txBox="1"/>
-          <p:nvPr/>
-        </p:nvSpPr>
-        <p:spPr>
-          <a:xfrm>
-            <a:off x="6193754" y="6058363"/>
-            <a:ext cx="461986" cy="646331"/>
-          </a:xfrm>
-          <a:prstGeom prst="rect">
-            <a:avLst/>
-          </a:prstGeom>
-          <a:noFill/>
-        </p:spPr>
-        <p:txBody>
-          <a:bodyPr wrap="none" rtlCol="0">
-            <a:spAutoFit/>
-          </a:bodyPr>
-          <a:lstStyle/>
-          <a:p>
-            <a:r>
-              <a:rPr lang="fr-FR" sz="3600" dirty="0">
-                <a:solidFill>
-                  <a:srgbClr val="FF0000"/>
-                </a:solidFill>
-                <a:latin typeface="Courier" pitchFamily="2" charset="0"/>
-              </a:rPr>
-              <a:t>*</a:t>
-            </a:r>
-          </a:p>
-        </p:txBody>
-      </p:sp>
-      <p:sp>
-        <p:nvSpPr>
-          <p:cNvPr id="87" name="ZoneTexte 86">
-            <a:extLst>
-              <a:ext uri="{FF2B5EF4-FFF2-40B4-BE49-F238E27FC236}">
-                <a16:creationId xmlns:a16="http://schemas.microsoft.com/office/drawing/2014/main" id="{F44ACC06-900E-F04E-8E5F-60F8D2FC9D07}"/>
-              </a:ext>
-            </a:extLst>
-          </p:cNvPr>
-          <p:cNvSpPr txBox="1"/>
-          <p:nvPr/>
-        </p:nvSpPr>
-        <p:spPr>
-          <a:xfrm>
-            <a:off x="9363075" y="6047476"/>
-            <a:ext cx="461986" cy="646331"/>
-          </a:xfrm>
-          <a:prstGeom prst="rect">
-            <a:avLst/>
-          </a:prstGeom>
-          <a:noFill/>
-        </p:spPr>
-        <p:txBody>
-          <a:bodyPr wrap="none" rtlCol="0">
-            <a:spAutoFit/>
-          </a:bodyPr>
-          <a:lstStyle/>
-          <a:p>
-            <a:r>
-              <a:rPr lang="fr-FR" sz="3600" dirty="0">
-                <a:solidFill>
-                  <a:srgbClr val="FF0000"/>
-                </a:solidFill>
-                <a:latin typeface="Courier" pitchFamily="2" charset="0"/>
-              </a:rPr>
-              <a:t>*</a:t>
-            </a:r>
-          </a:p>
-        </p:txBody>
-      </p:sp>
-      <p:sp>
-        <p:nvSpPr>
-          <p:cNvPr id="88" name="ZoneTexte 87">
-            <a:extLst>
-              <a:ext uri="{FF2B5EF4-FFF2-40B4-BE49-F238E27FC236}">
-                <a16:creationId xmlns:a16="http://schemas.microsoft.com/office/drawing/2014/main" id="{DBBECF51-EC9E-2B40-B816-978A4E495B18}"/>
-              </a:ext>
-            </a:extLst>
-          </p:cNvPr>
-          <p:cNvSpPr txBox="1"/>
-          <p:nvPr/>
-        </p:nvSpPr>
-        <p:spPr>
-          <a:xfrm>
-            <a:off x="10190612" y="6053863"/>
-            <a:ext cx="461986" cy="646331"/>
-          </a:xfrm>
-          <a:prstGeom prst="rect">
-            <a:avLst/>
-          </a:prstGeom>
-          <a:noFill/>
-        </p:spPr>
-        <p:txBody>
-          <a:bodyPr wrap="none" rtlCol="0">
-            <a:spAutoFit/>
-          </a:bodyPr>
-          <a:lstStyle/>
-          <a:p>
-            <a:r>
-              <a:rPr lang="fr-FR" sz="3600" dirty="0">
-                <a:solidFill>
-                  <a:srgbClr val="FF0000"/>
-                </a:solidFill>
-                <a:latin typeface="Courier" pitchFamily="2" charset="0"/>
-              </a:rPr>
-              <a:t>*</a:t>
-            </a:r>
-          </a:p>
-        </p:txBody>
-      </p:sp>
-      <p:sp>
-        <p:nvSpPr>
-          <p:cNvPr id="89" name="ZoneTexte 88">
-            <a:extLst>
-              <a:ext uri="{FF2B5EF4-FFF2-40B4-BE49-F238E27FC236}">
-                <a16:creationId xmlns:a16="http://schemas.microsoft.com/office/drawing/2014/main" id="{6224F034-3F19-4046-94E8-346F8FE73FC1}"/>
-              </a:ext>
-            </a:extLst>
-          </p:cNvPr>
-          <p:cNvSpPr txBox="1"/>
-          <p:nvPr/>
-        </p:nvSpPr>
-        <p:spPr>
-          <a:xfrm>
-            <a:off x="9623873" y="3698618"/>
-            <a:ext cx="461986" cy="646331"/>
-          </a:xfrm>
-          <a:prstGeom prst="rect">
-            <a:avLst/>
-          </a:prstGeom>
-          <a:noFill/>
-        </p:spPr>
-        <p:txBody>
-          <a:bodyPr wrap="none" rtlCol="0">
-            <a:spAutoFit/>
-          </a:bodyPr>
-          <a:lstStyle/>
-          <a:p>
-            <a:r>
-              <a:rPr lang="fr-FR" sz="3600" dirty="0">
-                <a:solidFill>
-                  <a:srgbClr val="FF0000"/>
-                </a:solidFill>
-                <a:latin typeface="Courier" pitchFamily="2" charset="0"/>
-              </a:rPr>
-              <a:t>*</a:t>
-            </a:r>
-          </a:p>
-        </p:txBody>
-      </p:sp>
-      <p:sp>
-        <p:nvSpPr>
-          <p:cNvPr id="90" name="ZoneTexte 89">
-            <a:extLst>
-              <a:ext uri="{FF2B5EF4-FFF2-40B4-BE49-F238E27FC236}">
-                <a16:creationId xmlns:a16="http://schemas.microsoft.com/office/drawing/2014/main" id="{448F9C7B-3423-194B-A96A-CE3EDCABD15A}"/>
-              </a:ext>
-            </a:extLst>
-          </p:cNvPr>
-          <p:cNvSpPr txBox="1"/>
-          <p:nvPr/>
-        </p:nvSpPr>
-        <p:spPr>
-          <a:xfrm>
-            <a:off x="10245560" y="3690766"/>
-            <a:ext cx="461986" cy="646331"/>
-          </a:xfrm>
-          <a:prstGeom prst="rect">
-            <a:avLst/>
-          </a:prstGeom>
-          <a:noFill/>
-        </p:spPr>
-        <p:txBody>
-          <a:bodyPr wrap="none" rtlCol="0">
-            <a:spAutoFit/>
-          </a:bodyPr>
-          <a:lstStyle/>
-          <a:p>
-            <a:r>
-              <a:rPr lang="fr-FR" sz="3600" dirty="0">
-                <a:solidFill>
-                  <a:srgbClr val="FF0000"/>
-                </a:solidFill>
-                <a:latin typeface="Courier" pitchFamily="2" charset="0"/>
-              </a:rPr>
-              <a:t>*</a:t>
-            </a:r>
-          </a:p>
-        </p:txBody>
-      </p:sp>
-      <p:sp>
-        <p:nvSpPr>
-          <p:cNvPr id="91" name="ZoneTexte 90">
-            <a:extLst>
-              <a:ext uri="{FF2B5EF4-FFF2-40B4-BE49-F238E27FC236}">
-                <a16:creationId xmlns:a16="http://schemas.microsoft.com/office/drawing/2014/main" id="{19245547-513B-634F-BB62-FC6076A6A9C3}"/>
-              </a:ext>
-            </a:extLst>
-          </p:cNvPr>
-          <p:cNvSpPr txBox="1"/>
-          <p:nvPr/>
-        </p:nvSpPr>
-        <p:spPr>
-          <a:xfrm>
-            <a:off x="10948732" y="3684926"/>
-            <a:ext cx="461986" cy="646331"/>
-          </a:xfrm>
-          <a:prstGeom prst="rect">
-            <a:avLst/>
-          </a:prstGeom>
-          <a:noFill/>
-        </p:spPr>
-        <p:txBody>
-          <a:bodyPr wrap="none" rtlCol="0">
-            <a:spAutoFit/>
-          </a:bodyPr>
-          <a:lstStyle/>
-          <a:p>
-            <a:r>
-              <a:rPr lang="fr-FR" sz="3600" dirty="0">
-                <a:solidFill>
-                  <a:srgbClr val="FF0000"/>
-                </a:solidFill>
-                <a:latin typeface="Courier" pitchFamily="2" charset="0"/>
-              </a:rPr>
-              <a:t>*</a:t>
-            </a:r>
-          </a:p>
-        </p:txBody>
-      </p:sp>
-      <p:sp>
-        <p:nvSpPr>
-          <p:cNvPr id="100" name="ZoneTexte 99">
-            <a:extLst>
-              <a:ext uri="{FF2B5EF4-FFF2-40B4-BE49-F238E27FC236}">
-                <a16:creationId xmlns:a16="http://schemas.microsoft.com/office/drawing/2014/main" id="{D7733EDE-A5F3-A64B-B12C-0CDCD01DEB45}"/>
-              </a:ext>
-            </a:extLst>
-          </p:cNvPr>
-          <p:cNvSpPr txBox="1"/>
-          <p:nvPr/>
-        </p:nvSpPr>
-        <p:spPr>
-          <a:xfrm>
-            <a:off x="2660902" y="2533701"/>
-            <a:ext cx="461986" cy="646331"/>
-          </a:xfrm>
-          <a:prstGeom prst="rect">
-            <a:avLst/>
-          </a:prstGeom>
-          <a:noFill/>
-        </p:spPr>
-        <p:txBody>
-          <a:bodyPr wrap="none" rtlCol="0">
-            <a:spAutoFit/>
-          </a:bodyPr>
-          <a:lstStyle/>
-          <a:p>
-            <a:r>
-              <a:rPr lang="fr-FR" sz="3600" dirty="0">
-                <a:solidFill>
-                  <a:srgbClr val="FF0000"/>
-                </a:solidFill>
-                <a:latin typeface="Courier" pitchFamily="2" charset="0"/>
-              </a:rPr>
-              <a:t>*</a:t>
-            </a:r>
-          </a:p>
-        </p:txBody>
-      </p:sp>
-      <p:sp>
-        <p:nvSpPr>
-          <p:cNvPr id="101" name="ZoneTexte 100">
-            <a:extLst>
-              <a:ext uri="{FF2B5EF4-FFF2-40B4-BE49-F238E27FC236}">
-                <a16:creationId xmlns:a16="http://schemas.microsoft.com/office/drawing/2014/main" id="{8C983614-78F0-A143-97B8-205140CFB88C}"/>
-              </a:ext>
-            </a:extLst>
-          </p:cNvPr>
-          <p:cNvSpPr txBox="1"/>
-          <p:nvPr/>
-        </p:nvSpPr>
-        <p:spPr>
-          <a:xfrm>
-            <a:off x="4568217" y="2538494"/>
-            <a:ext cx="461986" cy="646331"/>
-          </a:xfrm>
-          <a:prstGeom prst="rect">
-            <a:avLst/>
-          </a:prstGeom>
-          <a:noFill/>
-        </p:spPr>
-        <p:txBody>
-          <a:bodyPr wrap="none" rtlCol="0">
-            <a:spAutoFit/>
-          </a:bodyPr>
-          <a:lstStyle/>
-          <a:p>
-            <a:r>
-              <a:rPr lang="fr-FR" sz="3600" dirty="0">
-                <a:solidFill>
-                  <a:srgbClr val="FF0000"/>
-                </a:solidFill>
-                <a:latin typeface="Courier" pitchFamily="2" charset="0"/>
-              </a:rPr>
-              <a:t>*</a:t>
-            </a:r>
-          </a:p>
-        </p:txBody>
-      </p:sp>
-      <p:sp>
-        <p:nvSpPr>
-          <p:cNvPr id="103" name="ZoneTexte 102">
-            <a:extLst>
-              <a:ext uri="{FF2B5EF4-FFF2-40B4-BE49-F238E27FC236}">
-                <a16:creationId xmlns:a16="http://schemas.microsoft.com/office/drawing/2014/main" id="{E80A2F31-9BE0-3945-BA1E-FADCB60532E9}"/>
-              </a:ext>
-            </a:extLst>
-          </p:cNvPr>
-          <p:cNvSpPr txBox="1"/>
-          <p:nvPr/>
-        </p:nvSpPr>
-        <p:spPr>
-          <a:xfrm>
-            <a:off x="2617241" y="6053863"/>
-            <a:ext cx="461986" cy="646331"/>
-          </a:xfrm>
-          <a:prstGeom prst="rect">
-            <a:avLst/>
-          </a:prstGeom>
-          <a:noFill/>
-        </p:spPr>
-        <p:txBody>
-          <a:bodyPr wrap="none" rtlCol="0">
-            <a:spAutoFit/>
-          </a:bodyPr>
-          <a:lstStyle/>
-          <a:p>
-            <a:r>
-              <a:rPr lang="fr-FR" sz="3600" dirty="0">
-                <a:solidFill>
-                  <a:srgbClr val="FF0000"/>
-                </a:solidFill>
-                <a:latin typeface="Courier" pitchFamily="2" charset="0"/>
-              </a:rPr>
-              <a:t>*</a:t>
-            </a:r>
-          </a:p>
-        </p:txBody>
-      </p:sp>
-      <p:sp>
-        <p:nvSpPr>
-          <p:cNvPr id="105" name="ZoneTexte 104">
-            <a:extLst>
-              <a:ext uri="{FF2B5EF4-FFF2-40B4-BE49-F238E27FC236}">
-                <a16:creationId xmlns:a16="http://schemas.microsoft.com/office/drawing/2014/main" id="{15F36ADF-A81C-4C47-8FB3-F31A5CED6C56}"/>
-              </a:ext>
-            </a:extLst>
-          </p:cNvPr>
-          <p:cNvSpPr txBox="1"/>
-          <p:nvPr/>
-        </p:nvSpPr>
-        <p:spPr>
-          <a:xfrm>
-            <a:off x="2989866" y="4899643"/>
-            <a:ext cx="461986" cy="646331"/>
-          </a:xfrm>
-          <a:prstGeom prst="rect">
-            <a:avLst/>
-          </a:prstGeom>
-          <a:noFill/>
-        </p:spPr>
-        <p:txBody>
-          <a:bodyPr wrap="none" rtlCol="0">
-            <a:spAutoFit/>
-          </a:bodyPr>
-          <a:lstStyle/>
-          <a:p>
-            <a:r>
-              <a:rPr lang="fr-FR" sz="3600" dirty="0">
-                <a:solidFill>
-                  <a:srgbClr val="FF0000"/>
-                </a:solidFill>
-                <a:latin typeface="Courier" pitchFamily="2" charset="0"/>
-              </a:rPr>
-              <a:t>*</a:t>
-            </a:r>
-          </a:p>
-        </p:txBody>
-      </p:sp>
-      <p:sp>
-        <p:nvSpPr>
-          <p:cNvPr id="106" name="ZoneTexte 105">
-            <a:extLst>
-              <a:ext uri="{FF2B5EF4-FFF2-40B4-BE49-F238E27FC236}">
-                <a16:creationId xmlns:a16="http://schemas.microsoft.com/office/drawing/2014/main" id="{95C9331F-3703-184E-BF78-E44FCB1FE30D}"/>
-              </a:ext>
-            </a:extLst>
-          </p:cNvPr>
-          <p:cNvSpPr txBox="1"/>
-          <p:nvPr/>
-        </p:nvSpPr>
-        <p:spPr>
-          <a:xfrm>
-            <a:off x="2660902" y="3716057"/>
-            <a:ext cx="461986" cy="646331"/>
-          </a:xfrm>
-          <a:prstGeom prst="rect">
-            <a:avLst/>
-          </a:prstGeom>
-          <a:noFill/>
-        </p:spPr>
-        <p:txBody>
-          <a:bodyPr wrap="none" rtlCol="0">
-            <a:spAutoFit/>
-          </a:bodyPr>
-          <a:lstStyle/>
-          <a:p>
-            <a:r>
-              <a:rPr lang="fr-FR" sz="3600" dirty="0">
-                <a:solidFill>
-                  <a:srgbClr val="FF0000"/>
-                </a:solidFill>
-                <a:latin typeface="Courier" pitchFamily="2" charset="0"/>
-              </a:rPr>
-              <a:t>*</a:t>
-            </a:r>
-          </a:p>
-        </p:txBody>
-      </p:sp>
-      <p:sp>
-        <p:nvSpPr>
-          <p:cNvPr id="107" name="ZoneTexte 106">
-            <a:extLst>
-              <a:ext uri="{FF2B5EF4-FFF2-40B4-BE49-F238E27FC236}">
-                <a16:creationId xmlns:a16="http://schemas.microsoft.com/office/drawing/2014/main" id="{53B1DDD8-09E9-BE43-ACB9-02A4DF075AFB}"/>
-              </a:ext>
-            </a:extLst>
-          </p:cNvPr>
-          <p:cNvSpPr txBox="1"/>
-          <p:nvPr/>
-        </p:nvSpPr>
-        <p:spPr>
-          <a:xfrm>
-            <a:off x="2494383" y="177726"/>
-            <a:ext cx="461986" cy="646331"/>
-          </a:xfrm>
-          <a:prstGeom prst="rect">
-            <a:avLst/>
-          </a:prstGeom>
-          <a:noFill/>
-        </p:spPr>
-        <p:txBody>
-          <a:bodyPr wrap="none" rtlCol="0">
-            <a:spAutoFit/>
-          </a:bodyPr>
-          <a:lstStyle/>
-          <a:p>
-            <a:r>
-              <a:rPr lang="fr-FR" sz="3600" dirty="0">
-                <a:solidFill>
-                  <a:srgbClr val="FF0000"/>
-                </a:solidFill>
-                <a:latin typeface="Courier" pitchFamily="2" charset="0"/>
-              </a:rPr>
-              <a:t>*</a:t>
-            </a:r>
-          </a:p>
-        </p:txBody>
-      </p:sp>
-      <p:sp>
-        <p:nvSpPr>
-          <p:cNvPr id="108" name="ZoneTexte 107">
-            <a:extLst>
-              <a:ext uri="{FF2B5EF4-FFF2-40B4-BE49-F238E27FC236}">
-                <a16:creationId xmlns:a16="http://schemas.microsoft.com/office/drawing/2014/main" id="{2858BB4C-36B5-3A47-8C66-9A0B1F55ACF0}"/>
-              </a:ext>
-            </a:extLst>
-          </p:cNvPr>
-          <p:cNvSpPr txBox="1"/>
-          <p:nvPr/>
-        </p:nvSpPr>
-        <p:spPr>
-          <a:xfrm>
-            <a:off x="2793103" y="1342271"/>
-            <a:ext cx="461986" cy="646331"/>
-          </a:xfrm>
-          <a:prstGeom prst="rect">
-            <a:avLst/>
-          </a:prstGeom>
-          <a:noFill/>
-        </p:spPr>
-        <p:txBody>
-          <a:bodyPr wrap="none" rtlCol="0">
-            <a:spAutoFit/>
-          </a:bodyPr>
-          <a:lstStyle/>
-          <a:p>
-            <a:r>
-              <a:rPr lang="fr-FR" sz="3600" dirty="0">
-                <a:solidFill>
-                  <a:srgbClr val="FF0000"/>
-                </a:solidFill>
-                <a:latin typeface="Courier" pitchFamily="2" charset="0"/>
-              </a:rPr>
-              <a:t>*</a:t>
-            </a:r>
-          </a:p>
-        </p:txBody>
-      </p:sp>
-      <p:sp>
-        <p:nvSpPr>
-          <p:cNvPr id="110" name="ZoneTexte 109">
-            <a:extLst>
-              <a:ext uri="{FF2B5EF4-FFF2-40B4-BE49-F238E27FC236}">
-                <a16:creationId xmlns:a16="http://schemas.microsoft.com/office/drawing/2014/main" id="{1A42107D-2BB2-7347-94DF-29ED2B00445B}"/>
-              </a:ext>
-            </a:extLst>
-          </p:cNvPr>
-          <p:cNvSpPr txBox="1"/>
-          <p:nvPr/>
-        </p:nvSpPr>
-        <p:spPr>
-          <a:xfrm rot="16200000">
-            <a:off x="3890296" y="896853"/>
-            <a:ext cx="793807" cy="307777"/>
-          </a:xfrm>
-          <a:prstGeom prst="rect">
-            <a:avLst/>
-          </a:prstGeom>
-          <a:noFill/>
-        </p:spPr>
-        <p:txBody>
-          <a:bodyPr wrap="none" rtlCol="0">
-            <a:spAutoFit/>
-          </a:bodyPr>
-          <a:lstStyle/>
-          <a:p>
-            <a:r>
-              <a:rPr lang="fr-FR" sz="1400" dirty="0" err="1">
-                <a:latin typeface="Arial" panose="020B0604020202020204" pitchFamily="34" charset="0"/>
-                <a:cs typeface="Arial" panose="020B0604020202020204" pitchFamily="34" charset="0"/>
-              </a:rPr>
-              <a:t>lncRNA</a:t>
-            </a:r>
-            <a:endParaRPr lang="fr-FR" sz="1400" dirty="0">
-              <a:latin typeface="Arial" panose="020B0604020202020204" pitchFamily="34" charset="0"/>
-              <a:cs typeface="Arial" panose="020B0604020202020204" pitchFamily="34" charset="0"/>
-            </a:endParaRPr>
-          </a:p>
-        </p:txBody>
-      </p:sp>
-      <p:sp>
-        <p:nvSpPr>
-          <p:cNvPr id="111" name="Rectangle 110">
-            <a:extLst>
-              <a:ext uri="{FF2B5EF4-FFF2-40B4-BE49-F238E27FC236}">
-                <a16:creationId xmlns:a16="http://schemas.microsoft.com/office/drawing/2014/main" id="{43F077E7-9582-0346-B012-CB54FBD1824C}"/>
+          <p:cNvPr id="72" name="Rectangle 71">
+            <a:extLst>
+              <a:ext uri="{FF2B5EF4-FFF2-40B4-BE49-F238E27FC236}">
+                <a16:creationId xmlns:a16="http://schemas.microsoft.com/office/drawing/2014/main" id="{E3DC9ABC-FD15-4F43-BC02-EA2465976AFD}"/>
               </a:ext>
             </a:extLst>
           </p:cNvPr>
@@ -17851,21 +17767,19 @@
         </p:nvSpPr>
         <p:spPr>
           <a:xfrm>
-            <a:off x="4503199" y="200561"/>
-            <a:ext cx="945607" cy="3007502"/>
+            <a:off x="6336000" y="2264269"/>
+            <a:ext cx="1841476" cy="153525"/>
           </a:xfrm>
           <a:prstGeom prst="rect">
             <a:avLst/>
           </a:prstGeom>
           <a:solidFill>
-            <a:schemeClr val="accent6">
-              <a:lumMod val="40000"/>
-              <a:lumOff val="60000"/>
-              <a:alpha val="46000"/>
-            </a:schemeClr>
+            <a:srgbClr val="00B050"/>
           </a:solidFill>
           <a:ln>
-            <a:noFill/>
+            <a:solidFill>
+              <a:schemeClr val="bg1"/>
+            </a:solidFill>
           </a:ln>
         </p:spPr>
         <p:style>
@@ -17895,777 +17809,160 @@
       </p:sp>
       <p:sp>
         <p:nvSpPr>
-          <p:cNvPr id="113" name="ZoneTexte 112">
-            <a:extLst>
-              <a:ext uri="{FF2B5EF4-FFF2-40B4-BE49-F238E27FC236}">
-                <a16:creationId xmlns:a16="http://schemas.microsoft.com/office/drawing/2014/main" id="{CAFDBF04-BDD4-A74E-8403-C494724EB78F}"/>
-              </a:ext>
-            </a:extLst>
-          </p:cNvPr>
-          <p:cNvSpPr txBox="1"/>
-          <p:nvPr/>
-        </p:nvSpPr>
-        <p:spPr>
-          <a:xfrm>
-            <a:off x="9912215" y="5027395"/>
-            <a:ext cx="564578" cy="307777"/>
-          </a:xfrm>
-          <a:prstGeom prst="rect">
-            <a:avLst/>
-          </a:prstGeom>
-          <a:noFill/>
-        </p:spPr>
-        <p:txBody>
-          <a:bodyPr wrap="none" rtlCol="0">
-            <a:spAutoFit/>
-          </a:bodyPr>
-          <a:lstStyle/>
-          <a:p>
-            <a:r>
-              <a:rPr lang="fr-FR" sz="1400" dirty="0">
-                <a:latin typeface="Arial" panose="020B0604020202020204" pitchFamily="34" charset="0"/>
-                <a:cs typeface="Arial" panose="020B0604020202020204" pitchFamily="34" charset="0"/>
-              </a:rPr>
-              <a:t>CDS</a:t>
-            </a:r>
-          </a:p>
-        </p:txBody>
-      </p:sp>
-      <p:sp>
-        <p:nvSpPr>
-          <p:cNvPr id="117" name="Accolade fermante 116">
-            <a:extLst>
-              <a:ext uri="{FF2B5EF4-FFF2-40B4-BE49-F238E27FC236}">
-                <a16:creationId xmlns:a16="http://schemas.microsoft.com/office/drawing/2014/main" id="{73FC8487-1DFA-E94A-B9A8-F2045503BB3C}"/>
-              </a:ext>
-            </a:extLst>
-          </p:cNvPr>
-          <p:cNvSpPr/>
-          <p:nvPr/>
-        </p:nvSpPr>
-        <p:spPr>
-          <a:xfrm rot="5400000">
-            <a:off x="8522473" y="380291"/>
-            <a:ext cx="302422" cy="945608"/>
-          </a:xfrm>
-          <a:prstGeom prst="rightBrace">
-            <a:avLst>
-              <a:gd name="adj1" fmla="val 36934"/>
-              <a:gd name="adj2" fmla="val 50000"/>
-            </a:avLst>
-          </a:prstGeom>
-        </p:spPr>
-        <p:style>
-          <a:lnRef idx="1">
-            <a:schemeClr val="dk1"/>
-          </a:lnRef>
-          <a:fillRef idx="0">
-            <a:schemeClr val="dk1"/>
-          </a:fillRef>
-          <a:effectRef idx="0">
-            <a:schemeClr val="dk1"/>
-          </a:effectRef>
-          <a:fontRef idx="minor">
-            <a:schemeClr val="tx1"/>
-          </a:fontRef>
-        </p:style>
-        <p:txBody>
-          <a:bodyPr rtlCol="0" anchor="ctr"/>
-          <a:lstStyle/>
-          <a:p>
-            <a:pPr algn="ctr"/>
-            <a:endParaRPr lang="fr-FR"/>
-          </a:p>
-        </p:txBody>
-      </p:sp>
-      <p:sp>
-        <p:nvSpPr>
-          <p:cNvPr id="118" name="ZoneTexte 117">
-            <a:extLst>
-              <a:ext uri="{FF2B5EF4-FFF2-40B4-BE49-F238E27FC236}">
-                <a16:creationId xmlns:a16="http://schemas.microsoft.com/office/drawing/2014/main" id="{B2FC6C3A-96A4-0D43-864F-558EFD3B4A29}"/>
-              </a:ext>
-            </a:extLst>
-          </p:cNvPr>
-          <p:cNvSpPr txBox="1"/>
-          <p:nvPr/>
-        </p:nvSpPr>
-        <p:spPr>
-          <a:xfrm>
-            <a:off x="8117683" y="995603"/>
-            <a:ext cx="2696316" cy="307777"/>
-          </a:xfrm>
-          <a:prstGeom prst="rect">
-            <a:avLst/>
-          </a:prstGeom>
-          <a:noFill/>
-        </p:spPr>
-        <p:txBody>
-          <a:bodyPr wrap="none" rtlCol="0">
-            <a:spAutoFit/>
-          </a:bodyPr>
-          <a:lstStyle/>
-          <a:p>
-            <a:r>
-              <a:rPr lang="fr-FR" sz="1400" dirty="0">
-                <a:latin typeface="Arial" panose="020B0604020202020204" pitchFamily="34" charset="0"/>
-                <a:cs typeface="Arial" panose="020B0604020202020204" pitchFamily="34" charset="0"/>
-              </a:rPr>
-              <a:t>ORF </a:t>
-            </a:r>
-            <a:r>
-              <a:rPr lang="fr-FR" sz="1400" i="1" dirty="0" err="1">
-                <a:latin typeface="Arial" panose="020B0604020202020204" pitchFamily="34" charset="0"/>
-                <a:cs typeface="Arial" panose="020B0604020202020204" pitchFamily="34" charset="0"/>
-              </a:rPr>
-              <a:t>nc_same_ovp_lncRNA</a:t>
-            </a:r>
-            <a:r>
-              <a:rPr lang="fr-FR" sz="1400" i="1" dirty="0">
-                <a:latin typeface="Arial" panose="020B0604020202020204" pitchFamily="34" charset="0"/>
-                <a:cs typeface="Arial" panose="020B0604020202020204" pitchFamily="34" charset="0"/>
-              </a:rPr>
-              <a:t> (3)</a:t>
-            </a:r>
-          </a:p>
-        </p:txBody>
-      </p:sp>
-      <p:sp>
-        <p:nvSpPr>
-          <p:cNvPr id="119" name="ZoneTexte 118">
-            <a:extLst>
-              <a:ext uri="{FF2B5EF4-FFF2-40B4-BE49-F238E27FC236}">
-                <a16:creationId xmlns:a16="http://schemas.microsoft.com/office/drawing/2014/main" id="{832F3199-A037-8F4B-A8F8-03DBA33C649E}"/>
-              </a:ext>
-            </a:extLst>
-          </p:cNvPr>
-          <p:cNvSpPr txBox="1"/>
-          <p:nvPr/>
-        </p:nvSpPr>
-        <p:spPr>
-          <a:xfrm>
-            <a:off x="8176053" y="4498546"/>
-            <a:ext cx="2507161" cy="307777"/>
-          </a:xfrm>
-          <a:prstGeom prst="rect">
-            <a:avLst/>
-          </a:prstGeom>
-          <a:noFill/>
-        </p:spPr>
-        <p:txBody>
-          <a:bodyPr wrap="none" rtlCol="0">
-            <a:spAutoFit/>
-          </a:bodyPr>
-          <a:lstStyle/>
-          <a:p>
-            <a:r>
-              <a:rPr lang="fr-FR" sz="1400" dirty="0">
-                <a:latin typeface="Arial" panose="020B0604020202020204" pitchFamily="34" charset="0"/>
-                <a:cs typeface="Arial" panose="020B0604020202020204" pitchFamily="34" charset="0"/>
-              </a:rPr>
-              <a:t>ORF </a:t>
-            </a:r>
-            <a:r>
-              <a:rPr lang="fr-FR" sz="1400" i="1" dirty="0" err="1">
-                <a:latin typeface="Arial" panose="020B0604020202020204" pitchFamily="34" charset="0"/>
-                <a:cs typeface="Arial" panose="020B0604020202020204" pitchFamily="34" charset="0"/>
-              </a:rPr>
-              <a:t>nc_same_ovp_tRNA</a:t>
-            </a:r>
-            <a:r>
-              <a:rPr lang="fr-FR" sz="1400" i="1" dirty="0">
-                <a:latin typeface="Arial" panose="020B0604020202020204" pitchFamily="34" charset="0"/>
-                <a:cs typeface="Arial" panose="020B0604020202020204" pitchFamily="34" charset="0"/>
-              </a:rPr>
-              <a:t> (3)</a:t>
-            </a:r>
-          </a:p>
-        </p:txBody>
-      </p:sp>
-      <p:sp>
-        <p:nvSpPr>
-          <p:cNvPr id="125" name="Accolade fermante 124">
-            <a:extLst>
-              <a:ext uri="{FF2B5EF4-FFF2-40B4-BE49-F238E27FC236}">
-                <a16:creationId xmlns:a16="http://schemas.microsoft.com/office/drawing/2014/main" id="{6FD736A2-C9D3-D04A-8D66-DFA0D3621DB8}"/>
-              </a:ext>
-            </a:extLst>
-          </p:cNvPr>
-          <p:cNvSpPr/>
-          <p:nvPr/>
-        </p:nvSpPr>
-        <p:spPr>
-          <a:xfrm rot="5400000">
-            <a:off x="4965258" y="1458088"/>
-            <a:ext cx="302422" cy="1079928"/>
-          </a:xfrm>
-          <a:prstGeom prst="rightBrace">
-            <a:avLst>
-              <a:gd name="adj1" fmla="val 36934"/>
-              <a:gd name="adj2" fmla="val 50000"/>
-            </a:avLst>
-          </a:prstGeom>
-          <a:ln w="15875"/>
-        </p:spPr>
-        <p:style>
-          <a:lnRef idx="1">
-            <a:schemeClr val="dk1"/>
-          </a:lnRef>
-          <a:fillRef idx="0">
-            <a:schemeClr val="dk1"/>
-          </a:fillRef>
-          <a:effectRef idx="0">
-            <a:schemeClr val="dk1"/>
-          </a:effectRef>
-          <a:fontRef idx="minor">
-            <a:schemeClr val="tx1"/>
-          </a:fontRef>
-        </p:style>
-        <p:txBody>
-          <a:bodyPr rtlCol="0" anchor="ctr"/>
-          <a:lstStyle/>
-          <a:p>
-            <a:pPr algn="ctr"/>
-            <a:endParaRPr lang="fr-FR"/>
-          </a:p>
-        </p:txBody>
-      </p:sp>
-      <p:sp>
-        <p:nvSpPr>
-          <p:cNvPr id="126" name="ZoneTexte 125">
-            <a:extLst>
-              <a:ext uri="{FF2B5EF4-FFF2-40B4-BE49-F238E27FC236}">
-                <a16:creationId xmlns:a16="http://schemas.microsoft.com/office/drawing/2014/main" id="{A36550C5-F885-0148-9622-85EBDC27BB3E}"/>
-              </a:ext>
-            </a:extLst>
-          </p:cNvPr>
-          <p:cNvSpPr txBox="1"/>
-          <p:nvPr/>
-        </p:nvSpPr>
-        <p:spPr>
-          <a:xfrm>
-            <a:off x="4661416" y="2183901"/>
-            <a:ext cx="2754024" cy="307777"/>
-          </a:xfrm>
-          <a:prstGeom prst="rect">
-            <a:avLst/>
-          </a:prstGeom>
-          <a:noFill/>
-        </p:spPr>
-        <p:txBody>
-          <a:bodyPr wrap="none" rtlCol="0">
-            <a:spAutoFit/>
-          </a:bodyPr>
-          <a:lstStyle/>
-          <a:p>
-            <a:r>
-              <a:rPr lang="fr-FR" sz="1400" b="1" dirty="0">
-                <a:latin typeface="Arial" panose="020B0604020202020204" pitchFamily="34" charset="0"/>
-                <a:cs typeface="Arial" panose="020B0604020202020204" pitchFamily="34" charset="0"/>
-              </a:rPr>
-              <a:t>ORF  </a:t>
-            </a:r>
-            <a:r>
-              <a:rPr lang="fr-FR" sz="1400" b="1" i="1" dirty="0" err="1">
-                <a:latin typeface="Arial" panose="020B0604020202020204" pitchFamily="34" charset="0"/>
-                <a:cs typeface="Arial" panose="020B0604020202020204" pitchFamily="34" charset="0"/>
-              </a:rPr>
-              <a:t>nc_same_ovp_lnRNA</a:t>
-            </a:r>
-            <a:r>
-              <a:rPr lang="fr-FR" sz="1400" b="1" i="1" dirty="0">
-                <a:latin typeface="Arial" panose="020B0604020202020204" pitchFamily="34" charset="0"/>
-                <a:cs typeface="Arial" panose="020B0604020202020204" pitchFamily="34" charset="0"/>
-              </a:rPr>
-              <a:t> (3)</a:t>
-            </a:r>
-          </a:p>
-        </p:txBody>
-      </p:sp>
-      <p:sp>
-        <p:nvSpPr>
-          <p:cNvPr id="129" name="Accolade fermante 128">
-            <a:extLst>
-              <a:ext uri="{FF2B5EF4-FFF2-40B4-BE49-F238E27FC236}">
-                <a16:creationId xmlns:a16="http://schemas.microsoft.com/office/drawing/2014/main" id="{F139F93F-5A35-7A4C-91C3-06CD3A75F73B}"/>
-              </a:ext>
-            </a:extLst>
-          </p:cNvPr>
-          <p:cNvSpPr/>
-          <p:nvPr/>
-        </p:nvSpPr>
-        <p:spPr>
-          <a:xfrm rot="5400000">
-            <a:off x="9977715" y="1315879"/>
-            <a:ext cx="302422" cy="1357832"/>
-          </a:xfrm>
-          <a:prstGeom prst="rightBrace">
-            <a:avLst>
-              <a:gd name="adj1" fmla="val 36934"/>
-              <a:gd name="adj2" fmla="val 50000"/>
-            </a:avLst>
-          </a:prstGeom>
-        </p:spPr>
-        <p:style>
-          <a:lnRef idx="1">
-            <a:schemeClr val="dk1"/>
-          </a:lnRef>
-          <a:fillRef idx="0">
-            <a:schemeClr val="dk1"/>
-          </a:fillRef>
-          <a:effectRef idx="0">
-            <a:schemeClr val="dk1"/>
-          </a:effectRef>
-          <a:fontRef idx="minor">
-            <a:schemeClr val="tx1"/>
-          </a:fontRef>
-        </p:style>
-        <p:txBody>
-          <a:bodyPr rtlCol="0" anchor="ctr"/>
-          <a:lstStyle/>
-          <a:p>
-            <a:pPr algn="ctr"/>
-            <a:endParaRPr lang="fr-FR"/>
-          </a:p>
-        </p:txBody>
-      </p:sp>
-      <p:sp>
-        <p:nvSpPr>
-          <p:cNvPr id="130" name="ZoneTexte 129">
-            <a:extLst>
-              <a:ext uri="{FF2B5EF4-FFF2-40B4-BE49-F238E27FC236}">
-                <a16:creationId xmlns:a16="http://schemas.microsoft.com/office/drawing/2014/main" id="{BF529B4B-6F99-2341-8C4D-210C1F410AEC}"/>
-              </a:ext>
-            </a:extLst>
-          </p:cNvPr>
-          <p:cNvSpPr txBox="1"/>
-          <p:nvPr/>
-        </p:nvSpPr>
-        <p:spPr>
-          <a:xfrm>
-            <a:off x="9335479" y="2211396"/>
-            <a:ext cx="2334293" cy="307777"/>
-          </a:xfrm>
-          <a:prstGeom prst="rect">
-            <a:avLst/>
-          </a:prstGeom>
-          <a:noFill/>
-        </p:spPr>
-        <p:txBody>
-          <a:bodyPr wrap="none" rtlCol="0">
-            <a:spAutoFit/>
-          </a:bodyPr>
-          <a:lstStyle/>
-          <a:p>
-            <a:r>
-              <a:rPr lang="fr-FR" sz="1400" dirty="0">
-                <a:latin typeface="Arial" panose="020B0604020202020204" pitchFamily="34" charset="0"/>
-                <a:cs typeface="Arial" panose="020B0604020202020204" pitchFamily="34" charset="0"/>
-              </a:rPr>
-              <a:t>ORF </a:t>
-            </a:r>
-            <a:r>
-              <a:rPr lang="fr-FR" sz="1400" i="1" dirty="0" err="1">
-                <a:latin typeface="Arial" panose="020B0604020202020204" pitchFamily="34" charset="0"/>
-                <a:cs typeface="Arial" panose="020B0604020202020204" pitchFamily="34" charset="0"/>
-              </a:rPr>
-              <a:t>nc_opp_ovp_CDS</a:t>
-            </a:r>
-            <a:r>
-              <a:rPr lang="fr-FR" sz="1400" i="1" dirty="0">
-                <a:latin typeface="Arial" panose="020B0604020202020204" pitchFamily="34" charset="0"/>
-                <a:cs typeface="Arial" panose="020B0604020202020204" pitchFamily="34" charset="0"/>
-              </a:rPr>
-              <a:t> (4)</a:t>
-            </a:r>
-          </a:p>
-        </p:txBody>
-      </p:sp>
-      <p:sp>
-        <p:nvSpPr>
-          <p:cNvPr id="131" name="Accolade fermante 130">
-            <a:extLst>
-              <a:ext uri="{FF2B5EF4-FFF2-40B4-BE49-F238E27FC236}">
-                <a16:creationId xmlns:a16="http://schemas.microsoft.com/office/drawing/2014/main" id="{72B7784D-E708-1C40-A3CB-CE3951227885}"/>
-              </a:ext>
-            </a:extLst>
-          </p:cNvPr>
-          <p:cNvSpPr/>
-          <p:nvPr/>
-        </p:nvSpPr>
-        <p:spPr>
-          <a:xfrm rot="5400000">
-            <a:off x="10263341" y="4481588"/>
-            <a:ext cx="302422" cy="2358347"/>
-          </a:xfrm>
-          <a:prstGeom prst="rightBrace">
-            <a:avLst>
-              <a:gd name="adj1" fmla="val 36934"/>
-              <a:gd name="adj2" fmla="val 50000"/>
-            </a:avLst>
-          </a:prstGeom>
-        </p:spPr>
-        <p:style>
-          <a:lnRef idx="1">
-            <a:schemeClr val="dk1"/>
-          </a:lnRef>
-          <a:fillRef idx="0">
-            <a:schemeClr val="dk1"/>
-          </a:fillRef>
-          <a:effectRef idx="0">
-            <a:schemeClr val="dk1"/>
-          </a:effectRef>
-          <a:fontRef idx="minor">
-            <a:schemeClr val="tx1"/>
-          </a:fontRef>
-        </p:style>
-        <p:txBody>
-          <a:bodyPr rtlCol="0" anchor="ctr"/>
-          <a:lstStyle/>
-          <a:p>
-            <a:pPr algn="ctr"/>
-            <a:endParaRPr lang="fr-FR"/>
-          </a:p>
-        </p:txBody>
-      </p:sp>
-      <p:sp>
-        <p:nvSpPr>
-          <p:cNvPr id="132" name="ZoneTexte 131">
-            <a:extLst>
-              <a:ext uri="{FF2B5EF4-FFF2-40B4-BE49-F238E27FC236}">
-                <a16:creationId xmlns:a16="http://schemas.microsoft.com/office/drawing/2014/main" id="{7093E4D4-E11F-6449-897E-A36B8A48FF7E}"/>
-              </a:ext>
-            </a:extLst>
-          </p:cNvPr>
-          <p:cNvSpPr txBox="1"/>
-          <p:nvPr/>
-        </p:nvSpPr>
-        <p:spPr>
-          <a:xfrm>
-            <a:off x="9898829" y="5811908"/>
-            <a:ext cx="1449436" cy="307777"/>
-          </a:xfrm>
-          <a:prstGeom prst="rect">
-            <a:avLst/>
-          </a:prstGeom>
-          <a:noFill/>
-        </p:spPr>
-        <p:txBody>
-          <a:bodyPr wrap="none" rtlCol="0">
-            <a:spAutoFit/>
-          </a:bodyPr>
-          <a:lstStyle/>
-          <a:p>
-            <a:r>
-              <a:rPr lang="fr-FR" sz="1400" dirty="0">
-                <a:latin typeface="Arial" panose="020B0604020202020204" pitchFamily="34" charset="0"/>
-                <a:cs typeface="Arial" panose="020B0604020202020204" pitchFamily="34" charset="0"/>
-              </a:rPr>
-              <a:t>ORF </a:t>
-            </a:r>
-            <a:r>
-              <a:rPr lang="fr-FR" sz="1400" i="1" dirty="0" err="1">
-                <a:latin typeface="Arial" panose="020B0604020202020204" pitchFamily="34" charset="0"/>
-                <a:cs typeface="Arial" panose="020B0604020202020204" pitchFamily="34" charset="0"/>
-              </a:rPr>
-              <a:t>c_CDS</a:t>
-            </a:r>
-            <a:r>
-              <a:rPr lang="fr-FR" sz="1400" i="1" dirty="0">
-                <a:latin typeface="Arial" panose="020B0604020202020204" pitchFamily="34" charset="0"/>
-                <a:cs typeface="Arial" panose="020B0604020202020204" pitchFamily="34" charset="0"/>
-              </a:rPr>
-              <a:t> (1)</a:t>
-            </a:r>
-          </a:p>
-        </p:txBody>
-      </p:sp>
-      <p:sp>
-        <p:nvSpPr>
-          <p:cNvPr id="133" name="ZoneTexte 132">
-            <a:extLst>
-              <a:ext uri="{FF2B5EF4-FFF2-40B4-BE49-F238E27FC236}">
-                <a16:creationId xmlns:a16="http://schemas.microsoft.com/office/drawing/2014/main" id="{CAAD6D49-8971-9C4E-BB0E-9EF2A32A192D}"/>
-              </a:ext>
-            </a:extLst>
-          </p:cNvPr>
-          <p:cNvSpPr txBox="1"/>
-          <p:nvPr/>
-        </p:nvSpPr>
-        <p:spPr>
-          <a:xfrm>
-            <a:off x="5502088" y="4899459"/>
-            <a:ext cx="461986" cy="646331"/>
-          </a:xfrm>
-          <a:prstGeom prst="rect">
-            <a:avLst/>
-          </a:prstGeom>
-          <a:noFill/>
-        </p:spPr>
-        <p:txBody>
-          <a:bodyPr wrap="none" rtlCol="0">
-            <a:spAutoFit/>
-          </a:bodyPr>
-          <a:lstStyle/>
-          <a:p>
-            <a:r>
-              <a:rPr lang="fr-FR" sz="3600" dirty="0">
-                <a:solidFill>
-                  <a:srgbClr val="FF0000"/>
-                </a:solidFill>
-                <a:latin typeface="Courier" pitchFamily="2" charset="0"/>
-              </a:rPr>
-              <a:t>*</a:t>
-            </a:r>
-          </a:p>
-        </p:txBody>
-      </p:sp>
-      <p:sp>
-        <p:nvSpPr>
-          <p:cNvPr id="134" name="ZoneTexte 133">
-            <a:extLst>
-              <a:ext uri="{FF2B5EF4-FFF2-40B4-BE49-F238E27FC236}">
-                <a16:creationId xmlns:a16="http://schemas.microsoft.com/office/drawing/2014/main" id="{FE1E4669-7379-4940-BB44-C67192B51990}"/>
-              </a:ext>
-            </a:extLst>
-          </p:cNvPr>
-          <p:cNvSpPr txBox="1"/>
-          <p:nvPr/>
-        </p:nvSpPr>
-        <p:spPr>
-          <a:xfrm>
-            <a:off x="6410322" y="6050343"/>
-            <a:ext cx="461986" cy="646331"/>
-          </a:xfrm>
-          <a:prstGeom prst="rect">
-            <a:avLst/>
-          </a:prstGeom>
-          <a:noFill/>
-        </p:spPr>
-        <p:txBody>
-          <a:bodyPr wrap="none" rtlCol="0">
-            <a:spAutoFit/>
-          </a:bodyPr>
-          <a:lstStyle/>
-          <a:p>
-            <a:r>
-              <a:rPr lang="fr-FR" sz="3600" dirty="0">
-                <a:solidFill>
-                  <a:srgbClr val="FF0000"/>
-                </a:solidFill>
-                <a:latin typeface="Courier" pitchFamily="2" charset="0"/>
-              </a:rPr>
-              <a:t>*</a:t>
-            </a:r>
-          </a:p>
-        </p:txBody>
-      </p:sp>
-      <p:sp>
-        <p:nvSpPr>
-          <p:cNvPr id="135" name="ZoneTexte 134">
-            <a:extLst>
-              <a:ext uri="{FF2B5EF4-FFF2-40B4-BE49-F238E27FC236}">
-                <a16:creationId xmlns:a16="http://schemas.microsoft.com/office/drawing/2014/main" id="{F43A22EF-D6F0-4849-AC42-2B5CD95816FD}"/>
-              </a:ext>
-            </a:extLst>
-          </p:cNvPr>
-          <p:cNvSpPr txBox="1"/>
-          <p:nvPr/>
-        </p:nvSpPr>
-        <p:spPr>
-          <a:xfrm>
-            <a:off x="6867520" y="6047479"/>
-            <a:ext cx="461986" cy="646331"/>
-          </a:xfrm>
-          <a:prstGeom prst="rect">
-            <a:avLst/>
-          </a:prstGeom>
-          <a:noFill/>
-        </p:spPr>
-        <p:txBody>
-          <a:bodyPr wrap="none" rtlCol="0">
-            <a:spAutoFit/>
-          </a:bodyPr>
-          <a:lstStyle/>
-          <a:p>
-            <a:r>
-              <a:rPr lang="fr-FR" sz="3600" dirty="0">
-                <a:solidFill>
-                  <a:srgbClr val="FF0000"/>
-                </a:solidFill>
-                <a:latin typeface="Courier" pitchFamily="2" charset="0"/>
-              </a:rPr>
-              <a:t>*</a:t>
-            </a:r>
-          </a:p>
-        </p:txBody>
-      </p:sp>
-      <p:sp>
-        <p:nvSpPr>
-          <p:cNvPr id="136" name="ZoneTexte 135">
-            <a:extLst>
-              <a:ext uri="{FF2B5EF4-FFF2-40B4-BE49-F238E27FC236}">
-                <a16:creationId xmlns:a16="http://schemas.microsoft.com/office/drawing/2014/main" id="{1D01E4B2-E6C1-CC47-BD5E-DD0A47C60628}"/>
-              </a:ext>
-            </a:extLst>
-          </p:cNvPr>
-          <p:cNvSpPr txBox="1"/>
-          <p:nvPr/>
-        </p:nvSpPr>
-        <p:spPr>
-          <a:xfrm>
-            <a:off x="6786415" y="3706808"/>
-            <a:ext cx="461986" cy="646331"/>
-          </a:xfrm>
-          <a:prstGeom prst="rect">
-            <a:avLst/>
-          </a:prstGeom>
-          <a:noFill/>
-        </p:spPr>
-        <p:txBody>
-          <a:bodyPr wrap="none" rtlCol="0">
-            <a:spAutoFit/>
-          </a:bodyPr>
-          <a:lstStyle/>
-          <a:p>
-            <a:r>
-              <a:rPr lang="fr-FR" sz="3600" dirty="0">
-                <a:solidFill>
-                  <a:srgbClr val="FF0000"/>
-                </a:solidFill>
-                <a:latin typeface="Courier" pitchFamily="2" charset="0"/>
-              </a:rPr>
-              <a:t>*</a:t>
-            </a:r>
-          </a:p>
-        </p:txBody>
-      </p:sp>
-      <p:sp>
-        <p:nvSpPr>
-          <p:cNvPr id="137" name="ZoneTexte 136">
-            <a:extLst>
-              <a:ext uri="{FF2B5EF4-FFF2-40B4-BE49-F238E27FC236}">
-                <a16:creationId xmlns:a16="http://schemas.microsoft.com/office/drawing/2014/main" id="{DAD225FB-5DF6-0440-AC36-AE9A45DD50DE}"/>
-              </a:ext>
-            </a:extLst>
-          </p:cNvPr>
-          <p:cNvSpPr txBox="1"/>
-          <p:nvPr/>
-        </p:nvSpPr>
-        <p:spPr>
-          <a:xfrm>
-            <a:off x="2881935" y="6056729"/>
-            <a:ext cx="461986" cy="646331"/>
-          </a:xfrm>
-          <a:prstGeom prst="rect">
-            <a:avLst/>
-          </a:prstGeom>
-          <a:noFill/>
-        </p:spPr>
-        <p:txBody>
-          <a:bodyPr wrap="none" rtlCol="0">
-            <a:spAutoFit/>
-          </a:bodyPr>
-          <a:lstStyle/>
-          <a:p>
-            <a:r>
-              <a:rPr lang="fr-FR" sz="3600" dirty="0">
-                <a:solidFill>
-                  <a:srgbClr val="FF0000"/>
-                </a:solidFill>
-                <a:latin typeface="Courier" pitchFamily="2" charset="0"/>
-              </a:rPr>
-              <a:t>*</a:t>
-            </a:r>
-          </a:p>
-        </p:txBody>
-      </p:sp>
-      <p:sp>
-        <p:nvSpPr>
-          <p:cNvPr id="138" name="ZoneTexte 137">
-            <a:extLst>
-              <a:ext uri="{FF2B5EF4-FFF2-40B4-BE49-F238E27FC236}">
-                <a16:creationId xmlns:a16="http://schemas.microsoft.com/office/drawing/2014/main" id="{171C112C-870F-0049-B2B7-C6BCBB4620B3}"/>
-              </a:ext>
-            </a:extLst>
-          </p:cNvPr>
-          <p:cNvSpPr txBox="1"/>
-          <p:nvPr/>
-        </p:nvSpPr>
-        <p:spPr>
-          <a:xfrm>
-            <a:off x="4862405" y="2541292"/>
-            <a:ext cx="461986" cy="646331"/>
-          </a:xfrm>
-          <a:prstGeom prst="rect">
-            <a:avLst/>
-          </a:prstGeom>
-          <a:noFill/>
-        </p:spPr>
-        <p:txBody>
-          <a:bodyPr wrap="none" rtlCol="0">
-            <a:spAutoFit/>
-          </a:bodyPr>
-          <a:lstStyle/>
-          <a:p>
-            <a:r>
-              <a:rPr lang="fr-FR" sz="3600" dirty="0">
-                <a:solidFill>
-                  <a:srgbClr val="FF0000"/>
-                </a:solidFill>
-                <a:latin typeface="Courier" pitchFamily="2" charset="0"/>
-              </a:rPr>
-              <a:t>*</a:t>
-            </a:r>
-          </a:p>
-        </p:txBody>
-      </p:sp>
-      <p:sp>
-        <p:nvSpPr>
-          <p:cNvPr id="140" name="ZoneTexte 139">
-            <a:extLst>
-              <a:ext uri="{FF2B5EF4-FFF2-40B4-BE49-F238E27FC236}">
-                <a16:creationId xmlns:a16="http://schemas.microsoft.com/office/drawing/2014/main" id="{9090E586-129D-6947-9952-A55A1880DA8C}"/>
-              </a:ext>
-            </a:extLst>
-          </p:cNvPr>
-          <p:cNvSpPr txBox="1"/>
-          <p:nvPr/>
-        </p:nvSpPr>
-        <p:spPr>
-          <a:xfrm>
-            <a:off x="6639933" y="181393"/>
-            <a:ext cx="461986" cy="646331"/>
-          </a:xfrm>
-          <a:prstGeom prst="rect">
-            <a:avLst/>
-          </a:prstGeom>
-          <a:noFill/>
-        </p:spPr>
-        <p:txBody>
-          <a:bodyPr wrap="none" rtlCol="0">
-            <a:spAutoFit/>
-          </a:bodyPr>
-          <a:lstStyle/>
-          <a:p>
-            <a:r>
-              <a:rPr lang="fr-FR" sz="3600" dirty="0">
-                <a:solidFill>
-                  <a:srgbClr val="FF0000"/>
-                </a:solidFill>
-                <a:latin typeface="Courier" pitchFamily="2" charset="0"/>
-              </a:rPr>
-              <a:t>*</a:t>
-            </a:r>
-          </a:p>
-        </p:txBody>
-      </p:sp>
+          <p:cNvPr id="6" name="ZoneTexte 5">
+            <a:extLst>
+              <a:ext uri="{FF2B5EF4-FFF2-40B4-BE49-F238E27FC236}">
+                <a16:creationId xmlns:a16="http://schemas.microsoft.com/office/drawing/2014/main" id="{77875185-9ADE-034C-9E59-390B867E903B}"/>
+              </a:ext>
+            </a:extLst>
+          </p:cNvPr>
+          <p:cNvSpPr txBox="1"/>
+          <p:nvPr/>
+        </p:nvSpPr>
+        <p:spPr>
+          <a:xfrm>
+            <a:off x="4805235" y="1457192"/>
+            <a:ext cx="461986" cy="646331"/>
+          </a:xfrm>
+          <a:prstGeom prst="rect">
+            <a:avLst/>
+          </a:prstGeom>
+          <a:noFill/>
+        </p:spPr>
+        <p:txBody>
+          <a:bodyPr wrap="none" rtlCol="0">
+            <a:spAutoFit/>
+          </a:bodyPr>
+          <a:lstStyle/>
+          <a:p>
+            <a:r>
+              <a:rPr lang="fr-FR" sz="3600" dirty="0">
+                <a:solidFill>
+                  <a:srgbClr val="FF0000"/>
+                </a:solidFill>
+                <a:latin typeface="Courier" pitchFamily="2" charset="0"/>
+              </a:rPr>
+              <a:t>*</a:t>
+            </a:r>
+          </a:p>
+        </p:txBody>
+      </p:sp>
+      <p:sp>
+        <p:nvSpPr>
+          <p:cNvPr id="7" name="ZoneTexte 6">
+            <a:extLst>
+              <a:ext uri="{FF2B5EF4-FFF2-40B4-BE49-F238E27FC236}">
+                <a16:creationId xmlns:a16="http://schemas.microsoft.com/office/drawing/2014/main" id="{B7E98A32-39B9-444B-BEE8-CEACDCFF0DD1}"/>
+              </a:ext>
+            </a:extLst>
+          </p:cNvPr>
+          <p:cNvSpPr txBox="1"/>
+          <p:nvPr/>
+        </p:nvSpPr>
+        <p:spPr>
+          <a:xfrm>
+            <a:off x="8212126" y="1470007"/>
+            <a:ext cx="461986" cy="646331"/>
+          </a:xfrm>
+          <a:prstGeom prst="rect">
+            <a:avLst/>
+          </a:prstGeom>
+          <a:noFill/>
+        </p:spPr>
+        <p:txBody>
+          <a:bodyPr wrap="none" rtlCol="0">
+            <a:spAutoFit/>
+          </a:bodyPr>
+          <a:lstStyle/>
+          <a:p>
+            <a:r>
+              <a:rPr lang="fr-FR" sz="3600" dirty="0">
+                <a:solidFill>
+                  <a:srgbClr val="FF0000"/>
+                </a:solidFill>
+                <a:latin typeface="Courier" pitchFamily="2" charset="0"/>
+              </a:rPr>
+              <a:t>*</a:t>
+            </a:r>
+          </a:p>
+        </p:txBody>
+      </p:sp>
+      <p:sp>
+        <p:nvSpPr>
+          <p:cNvPr id="8" name="ZoneTexte 7">
+            <a:extLst>
+              <a:ext uri="{FF2B5EF4-FFF2-40B4-BE49-F238E27FC236}">
+                <a16:creationId xmlns:a16="http://schemas.microsoft.com/office/drawing/2014/main" id="{A320CB39-BF7E-B94C-9283-DEE1CF30B797}"/>
+              </a:ext>
+            </a:extLst>
+          </p:cNvPr>
+          <p:cNvSpPr txBox="1"/>
+          <p:nvPr/>
+        </p:nvSpPr>
+        <p:spPr>
+          <a:xfrm>
+            <a:off x="2101120" y="1464370"/>
+            <a:ext cx="461986" cy="646331"/>
+          </a:xfrm>
+          <a:prstGeom prst="rect">
+            <a:avLst/>
+          </a:prstGeom>
+          <a:noFill/>
+        </p:spPr>
+        <p:txBody>
+          <a:bodyPr wrap="none" rtlCol="0">
+            <a:spAutoFit/>
+          </a:bodyPr>
+          <a:lstStyle/>
+          <a:p>
+            <a:r>
+              <a:rPr lang="fr-FR" sz="3600" dirty="0">
+                <a:solidFill>
+                  <a:srgbClr val="FF0000"/>
+                </a:solidFill>
+                <a:latin typeface="Courier" pitchFamily="2" charset="0"/>
+              </a:rPr>
+              <a:t>*</a:t>
+            </a:r>
+          </a:p>
+        </p:txBody>
+      </p:sp>
+    </p:spTree>
+    <p:extLst>
+      <p:ext uri="{BB962C8B-B14F-4D97-AF65-F5344CB8AC3E}">
+        <p14:creationId xmlns:p14="http://schemas.microsoft.com/office/powerpoint/2010/main" val="1541946244"/>
+      </p:ext>
+    </p:extLst>
+  </p:cSld>
+  <p:clrMapOvr>
+    <a:masterClrMapping/>
+  </p:clrMapOvr>
+</p:sld>
+</file>
+
+<file path=ppt/slides/slide7.xml><?xml version="1.0" encoding="utf-8"?>
+<p:sld xmlns:a="http://schemas.openxmlformats.org/drawingml/2006/main" xmlns:r="http://schemas.openxmlformats.org/officeDocument/2006/relationships" xmlns:p="http://schemas.openxmlformats.org/presentationml/2006/main">
+  <p:cSld>
+    <p:spTree>
+      <p:nvGrpSpPr>
+        <p:cNvPr id="1" name=""/>
+        <p:cNvGrpSpPr/>
+        <p:nvPr/>
+      </p:nvGrpSpPr>
+      <p:grpSpPr>
+        <a:xfrm>
+          <a:off x="0" y="0"/>
+          <a:ext cx="0" cy="0"/>
+          <a:chOff x="0" y="0"/>
+          <a:chExt cx="0" cy="0"/>
+        </a:xfrm>
+      </p:grpSpPr>
       <p:cxnSp>
         <p:nvCxnSpPr>
-          <p:cNvPr id="98" name="Connecteur droit 97">
-            <a:extLst>
-              <a:ext uri="{FF2B5EF4-FFF2-40B4-BE49-F238E27FC236}">
-                <a16:creationId xmlns:a16="http://schemas.microsoft.com/office/drawing/2014/main" id="{A9F5682D-E2D0-E64E-B804-5D4F54062A05}"/>
+          <p:cNvPr id="92" name="Connecteur droit avec flèche 91">
+            <a:extLst>
+              <a:ext uri="{FF2B5EF4-FFF2-40B4-BE49-F238E27FC236}">
+                <a16:creationId xmlns:a16="http://schemas.microsoft.com/office/drawing/2014/main" id="{67E0A0E2-962E-A14E-8272-8D55BDDF888E}"/>
               </a:ext>
             </a:extLst>
           </p:cNvPr>
@@ -18675,15 +17972,21 @@
           <p:nvPr/>
         </p:nvCxnSpPr>
         <p:spPr>
-          <a:xfrm flipH="1">
-            <a:off x="5197529" y="3626358"/>
-            <a:ext cx="0" cy="3052120"/>
-          </a:xfrm>
-          <a:prstGeom prst="line">
-            <a:avLst/>
-          </a:prstGeom>
-          <a:ln w="19050">
-            <a:prstDash val="sysDash"/>
+          <a:xfrm>
+            <a:off x="2557849" y="2845980"/>
+            <a:ext cx="5295298" cy="0"/>
+          </a:xfrm>
+          <a:prstGeom prst="straightConnector1">
+            <a:avLst/>
+          </a:prstGeom>
+          <a:ln w="57150">
+            <a:solidFill>
+              <a:schemeClr val="tx1">
+                <a:lumMod val="50000"/>
+                <a:lumOff val="50000"/>
+              </a:schemeClr>
+            </a:solidFill>
+            <a:tailEnd type="triangle"/>
           </a:ln>
         </p:spPr>
         <p:style>
@@ -18703,10 +18006,10 @@
       </p:cxnSp>
       <p:cxnSp>
         <p:nvCxnSpPr>
-          <p:cNvPr id="99" name="Connecteur droit 98">
-            <a:extLst>
-              <a:ext uri="{FF2B5EF4-FFF2-40B4-BE49-F238E27FC236}">
-                <a16:creationId xmlns:a16="http://schemas.microsoft.com/office/drawing/2014/main" id="{FAF1F5C7-7C0D-D042-83A9-F33D2B2392FE}"/>
+          <p:cNvPr id="93" name="Connecteur droit avec flèche 92">
+            <a:extLst>
+              <a:ext uri="{FF2B5EF4-FFF2-40B4-BE49-F238E27FC236}">
+                <a16:creationId xmlns:a16="http://schemas.microsoft.com/office/drawing/2014/main" id="{229EAAD8-9233-7D49-9BC4-FBAD6030621A}"/>
               </a:ext>
             </a:extLst>
           </p:cNvPr>
@@ -18716,15 +18019,21 @@
           <p:nvPr/>
         </p:nvCxnSpPr>
         <p:spPr>
-          <a:xfrm flipH="1">
-            <a:off x="4736209" y="3626358"/>
-            <a:ext cx="0" cy="3052120"/>
-          </a:xfrm>
-          <a:prstGeom prst="line">
-            <a:avLst/>
-          </a:prstGeom>
-          <a:ln w="19050">
-            <a:prstDash val="sysDash"/>
+          <a:xfrm>
+            <a:off x="2567495" y="1665436"/>
+            <a:ext cx="5295298" cy="0"/>
+          </a:xfrm>
+          <a:prstGeom prst="straightConnector1">
+            <a:avLst/>
+          </a:prstGeom>
+          <a:ln w="57150">
+            <a:solidFill>
+              <a:schemeClr val="tx1">
+                <a:lumMod val="50000"/>
+                <a:lumOff val="50000"/>
+              </a:schemeClr>
+            </a:solidFill>
+            <a:tailEnd type="triangle"/>
           </a:ln>
         </p:spPr>
         <p:style>
@@ -18742,174 +18051,282 @@
           </a:fontRef>
         </p:style>
       </p:cxnSp>
-      <p:sp>
-        <p:nvSpPr>
-          <p:cNvPr id="141" name="ZoneTexte 140">
-            <a:extLst>
-              <a:ext uri="{FF2B5EF4-FFF2-40B4-BE49-F238E27FC236}">
-                <a16:creationId xmlns:a16="http://schemas.microsoft.com/office/drawing/2014/main" id="{946599AF-9FDC-B34E-8B0A-D834E4FA6378}"/>
-              </a:ext>
-            </a:extLst>
-          </p:cNvPr>
-          <p:cNvSpPr txBox="1"/>
-          <p:nvPr/>
-        </p:nvSpPr>
-        <p:spPr>
-          <a:xfrm>
-            <a:off x="4336180" y="3683656"/>
-            <a:ext cx="461986" cy="646331"/>
-          </a:xfrm>
-          <a:prstGeom prst="rect">
-            <a:avLst/>
-          </a:prstGeom>
-          <a:noFill/>
-        </p:spPr>
-        <p:txBody>
-          <a:bodyPr wrap="none" rtlCol="0">
-            <a:spAutoFit/>
-          </a:bodyPr>
-          <a:lstStyle/>
-          <a:p>
-            <a:r>
-              <a:rPr lang="fr-FR" sz="3600" dirty="0">
-                <a:solidFill>
-                  <a:srgbClr val="FF0000"/>
-                </a:solidFill>
-                <a:latin typeface="Courier" pitchFamily="2" charset="0"/>
-              </a:rPr>
-              <a:t>*</a:t>
-            </a:r>
-          </a:p>
-        </p:txBody>
-      </p:sp>
-      <p:sp>
-        <p:nvSpPr>
-          <p:cNvPr id="142" name="ZoneTexte 141">
-            <a:extLst>
-              <a:ext uri="{FF2B5EF4-FFF2-40B4-BE49-F238E27FC236}">
-                <a16:creationId xmlns:a16="http://schemas.microsoft.com/office/drawing/2014/main" id="{0186CE17-A000-4A44-A40F-3A22A65BE7BD}"/>
-              </a:ext>
-            </a:extLst>
-          </p:cNvPr>
-          <p:cNvSpPr txBox="1"/>
-          <p:nvPr/>
-        </p:nvSpPr>
-        <p:spPr>
-          <a:xfrm>
-            <a:off x="4359370" y="4892035"/>
-            <a:ext cx="461986" cy="646331"/>
-          </a:xfrm>
-          <a:prstGeom prst="rect">
-            <a:avLst/>
-          </a:prstGeom>
-          <a:noFill/>
-        </p:spPr>
-        <p:txBody>
-          <a:bodyPr wrap="none" rtlCol="0">
-            <a:spAutoFit/>
-          </a:bodyPr>
-          <a:lstStyle/>
-          <a:p>
-            <a:r>
-              <a:rPr lang="fr-FR" sz="3600" dirty="0">
-                <a:solidFill>
-                  <a:srgbClr val="FF0000"/>
-                </a:solidFill>
-                <a:latin typeface="Courier" pitchFamily="2" charset="0"/>
-              </a:rPr>
-              <a:t>*</a:t>
-            </a:r>
-          </a:p>
-        </p:txBody>
-      </p:sp>
-      <p:sp>
-        <p:nvSpPr>
-          <p:cNvPr id="144" name="ZoneTexte 143">
-            <a:extLst>
-              <a:ext uri="{FF2B5EF4-FFF2-40B4-BE49-F238E27FC236}">
-                <a16:creationId xmlns:a16="http://schemas.microsoft.com/office/drawing/2014/main" id="{F4951BA2-CF37-A543-960E-8A42C22D17F5}"/>
-              </a:ext>
-            </a:extLst>
-          </p:cNvPr>
-          <p:cNvSpPr txBox="1"/>
-          <p:nvPr/>
-        </p:nvSpPr>
-        <p:spPr>
-          <a:xfrm>
-            <a:off x="4325593" y="6046968"/>
-            <a:ext cx="461986" cy="646331"/>
-          </a:xfrm>
-          <a:prstGeom prst="rect">
-            <a:avLst/>
-          </a:prstGeom>
-          <a:noFill/>
-        </p:spPr>
-        <p:txBody>
-          <a:bodyPr wrap="none" rtlCol="0">
-            <a:spAutoFit/>
-          </a:bodyPr>
-          <a:lstStyle/>
-          <a:p>
-            <a:r>
-              <a:rPr lang="fr-FR" sz="3600" dirty="0">
-                <a:solidFill>
-                  <a:srgbClr val="FF0000"/>
-                </a:solidFill>
-                <a:latin typeface="Courier" pitchFamily="2" charset="0"/>
-              </a:rPr>
-              <a:t>*</a:t>
-            </a:r>
-          </a:p>
-        </p:txBody>
-      </p:sp>
-      <p:sp>
-        <p:nvSpPr>
-          <p:cNvPr id="146" name="ZoneTexte 145">
-            <a:extLst>
-              <a:ext uri="{FF2B5EF4-FFF2-40B4-BE49-F238E27FC236}">
-                <a16:creationId xmlns:a16="http://schemas.microsoft.com/office/drawing/2014/main" id="{0E1C95C2-C728-0A49-84F7-5A660B7547D1}"/>
-              </a:ext>
-            </a:extLst>
-          </p:cNvPr>
-          <p:cNvSpPr txBox="1"/>
-          <p:nvPr/>
-        </p:nvSpPr>
-        <p:spPr>
-          <a:xfrm rot="16200000">
-            <a:off x="4233110" y="4555439"/>
-            <a:ext cx="614271" cy="307777"/>
-          </a:xfrm>
-          <a:prstGeom prst="rect">
-            <a:avLst/>
-          </a:prstGeom>
-          <a:noFill/>
-        </p:spPr>
-        <p:txBody>
-          <a:bodyPr wrap="none" rtlCol="0">
-            <a:spAutoFit/>
-          </a:bodyPr>
-          <a:lstStyle/>
-          <a:p>
-            <a:r>
-              <a:rPr lang="fr-FR" sz="1400" dirty="0" err="1">
-                <a:latin typeface="Arial" panose="020B0604020202020204" pitchFamily="34" charset="0"/>
-                <a:cs typeface="Arial" panose="020B0604020202020204" pitchFamily="34" charset="0"/>
-              </a:rPr>
-              <a:t>tRNA</a:t>
-            </a:r>
-            <a:endParaRPr lang="fr-FR" sz="1400" dirty="0">
-              <a:latin typeface="Arial" panose="020B0604020202020204" pitchFamily="34" charset="0"/>
-              <a:cs typeface="Arial" panose="020B0604020202020204" pitchFamily="34" charset="0"/>
-            </a:endParaRPr>
-          </a:p>
-        </p:txBody>
-      </p:sp>
-      <p:sp>
-        <p:nvSpPr>
-          <p:cNvPr id="147" name="Rectangle 146">
-            <a:extLst>
-              <a:ext uri="{FF2B5EF4-FFF2-40B4-BE49-F238E27FC236}">
-                <a16:creationId xmlns:a16="http://schemas.microsoft.com/office/drawing/2014/main" id="{D3F1F0FC-5D37-6A49-B19E-69EE3B3F2237}"/>
+      <p:cxnSp>
+        <p:nvCxnSpPr>
+          <p:cNvPr id="94" name="Connecteur droit avec flèche 93">
+            <a:extLst>
+              <a:ext uri="{FF2B5EF4-FFF2-40B4-BE49-F238E27FC236}">
+                <a16:creationId xmlns:a16="http://schemas.microsoft.com/office/drawing/2014/main" id="{F0D1FB43-B5A1-CB4D-84B3-5F0E40193E65}"/>
+              </a:ext>
+            </a:extLst>
+          </p:cNvPr>
+          <p:cNvCxnSpPr>
+            <a:cxnSpLocks/>
+          </p:cNvCxnSpPr>
+          <p:nvPr/>
+        </p:nvCxnSpPr>
+        <p:spPr>
+          <a:xfrm>
+            <a:off x="2557849" y="482293"/>
+            <a:ext cx="5295298" cy="0"/>
+          </a:xfrm>
+          <a:prstGeom prst="straightConnector1">
+            <a:avLst/>
+          </a:prstGeom>
+          <a:ln w="57150">
+            <a:solidFill>
+              <a:schemeClr val="tx1">
+                <a:lumMod val="50000"/>
+                <a:lumOff val="50000"/>
+              </a:schemeClr>
+            </a:solidFill>
+            <a:tailEnd type="triangle"/>
+          </a:ln>
+        </p:spPr>
+        <p:style>
+          <a:lnRef idx="1">
+            <a:schemeClr val="dk1"/>
+          </a:lnRef>
+          <a:fillRef idx="0">
+            <a:schemeClr val="dk1"/>
+          </a:fillRef>
+          <a:effectRef idx="0">
+            <a:schemeClr val="dk1"/>
+          </a:effectRef>
+          <a:fontRef idx="minor">
+            <a:schemeClr val="tx1"/>
+          </a:fontRef>
+        </p:style>
+      </p:cxnSp>
+      <p:cxnSp>
+        <p:nvCxnSpPr>
+          <p:cNvPr id="10" name="Connecteur droit 9">
+            <a:extLst>
+              <a:ext uri="{FF2B5EF4-FFF2-40B4-BE49-F238E27FC236}">
+                <a16:creationId xmlns:a16="http://schemas.microsoft.com/office/drawing/2014/main" id="{F9FFA24B-57E4-094A-A1E1-04F3ABFA90E5}"/>
+              </a:ext>
+            </a:extLst>
+          </p:cNvPr>
+          <p:cNvCxnSpPr>
+            <a:cxnSpLocks/>
+          </p:cNvCxnSpPr>
+          <p:nvPr/>
+        </p:nvCxnSpPr>
+        <p:spPr>
+          <a:xfrm>
+            <a:off x="4474450" y="189348"/>
+            <a:ext cx="0" cy="3052120"/>
+          </a:xfrm>
+          <a:prstGeom prst="line">
+            <a:avLst/>
+          </a:prstGeom>
+          <a:ln w="19050">
+            <a:prstDash val="sysDash"/>
+          </a:ln>
+        </p:spPr>
+        <p:style>
+          <a:lnRef idx="1">
+            <a:schemeClr val="dk1"/>
+          </a:lnRef>
+          <a:fillRef idx="0">
+            <a:schemeClr val="dk1"/>
+          </a:fillRef>
+          <a:effectRef idx="0">
+            <a:schemeClr val="dk1"/>
+          </a:effectRef>
+          <a:fontRef idx="minor">
+            <a:schemeClr val="tx1"/>
+          </a:fontRef>
+        </p:style>
+      </p:cxnSp>
+      <p:cxnSp>
+        <p:nvCxnSpPr>
+          <p:cNvPr id="15" name="Connecteur droit 14">
+            <a:extLst>
+              <a:ext uri="{FF2B5EF4-FFF2-40B4-BE49-F238E27FC236}">
+                <a16:creationId xmlns:a16="http://schemas.microsoft.com/office/drawing/2014/main" id="{BCCCC770-5D76-F94E-BE25-2F73D031974A}"/>
+              </a:ext>
+            </a:extLst>
+          </p:cNvPr>
+          <p:cNvCxnSpPr>
+            <a:cxnSpLocks/>
+          </p:cNvCxnSpPr>
+          <p:nvPr/>
+        </p:nvCxnSpPr>
+        <p:spPr>
+          <a:xfrm>
+            <a:off x="5462990" y="189348"/>
+            <a:ext cx="0" cy="3052120"/>
+          </a:xfrm>
+          <a:prstGeom prst="line">
+            <a:avLst/>
+          </a:prstGeom>
+          <a:ln w="19050">
+            <a:prstDash val="sysDash"/>
+          </a:ln>
+        </p:spPr>
+        <p:style>
+          <a:lnRef idx="1">
+            <a:schemeClr val="dk1"/>
+          </a:lnRef>
+          <a:fillRef idx="0">
+            <a:schemeClr val="dk1"/>
+          </a:fillRef>
+          <a:effectRef idx="0">
+            <a:schemeClr val="dk1"/>
+          </a:effectRef>
+          <a:fontRef idx="minor">
+            <a:schemeClr val="tx1"/>
+          </a:fontRef>
+        </p:style>
+      </p:cxnSp>
+      <p:cxnSp>
+        <p:nvCxnSpPr>
+          <p:cNvPr id="19" name="Connecteur droit avec flèche 18">
+            <a:extLst>
+              <a:ext uri="{FF2B5EF4-FFF2-40B4-BE49-F238E27FC236}">
+                <a16:creationId xmlns:a16="http://schemas.microsoft.com/office/drawing/2014/main" id="{87B21DFB-B952-CD43-9730-667994FF82C3}"/>
+              </a:ext>
+            </a:extLst>
+          </p:cNvPr>
+          <p:cNvCxnSpPr>
+            <a:cxnSpLocks/>
+          </p:cNvCxnSpPr>
+          <p:nvPr/>
+        </p:nvCxnSpPr>
+        <p:spPr>
+          <a:xfrm flipH="1">
+            <a:off x="2468261" y="4006822"/>
+            <a:ext cx="9125465" cy="0"/>
+          </a:xfrm>
+          <a:prstGeom prst="straightConnector1">
+            <a:avLst/>
+          </a:prstGeom>
+          <a:ln w="57150">
+            <a:solidFill>
+              <a:schemeClr val="accent1">
+                <a:lumMod val="60000"/>
+                <a:lumOff val="40000"/>
+              </a:schemeClr>
+            </a:solidFill>
+            <a:tailEnd type="triangle"/>
+          </a:ln>
+        </p:spPr>
+        <p:style>
+          <a:lnRef idx="1">
+            <a:schemeClr val="dk1"/>
+          </a:lnRef>
+          <a:fillRef idx="0">
+            <a:schemeClr val="dk1"/>
+          </a:fillRef>
+          <a:effectRef idx="0">
+            <a:schemeClr val="dk1"/>
+          </a:effectRef>
+          <a:fontRef idx="minor">
+            <a:schemeClr val="tx1"/>
+          </a:fontRef>
+        </p:style>
+      </p:cxnSp>
+      <p:cxnSp>
+        <p:nvCxnSpPr>
+          <p:cNvPr id="20" name="Connecteur droit avec flèche 19">
+            <a:extLst>
+              <a:ext uri="{FF2B5EF4-FFF2-40B4-BE49-F238E27FC236}">
+                <a16:creationId xmlns:a16="http://schemas.microsoft.com/office/drawing/2014/main" id="{D550F322-5FF6-164A-BD24-D6D9E32D62DA}"/>
+              </a:ext>
+            </a:extLst>
+          </p:cNvPr>
+          <p:cNvCxnSpPr>
+            <a:cxnSpLocks/>
+          </p:cNvCxnSpPr>
+          <p:nvPr/>
+        </p:nvCxnSpPr>
+        <p:spPr>
+          <a:xfrm flipH="1">
+            <a:off x="2468261" y="5196247"/>
+            <a:ext cx="9035880" cy="8969"/>
+          </a:xfrm>
+          <a:prstGeom prst="straightConnector1">
+            <a:avLst/>
+          </a:prstGeom>
+          <a:ln w="57150">
+            <a:solidFill>
+              <a:schemeClr val="accent1">
+                <a:lumMod val="60000"/>
+                <a:lumOff val="40000"/>
+              </a:schemeClr>
+            </a:solidFill>
+            <a:tailEnd type="triangle"/>
+          </a:ln>
+        </p:spPr>
+        <p:style>
+          <a:lnRef idx="1">
+            <a:schemeClr val="dk1"/>
+          </a:lnRef>
+          <a:fillRef idx="0">
+            <a:schemeClr val="dk1"/>
+          </a:fillRef>
+          <a:effectRef idx="0">
+            <a:schemeClr val="dk1"/>
+          </a:effectRef>
+          <a:fontRef idx="minor">
+            <a:schemeClr val="tx1"/>
+          </a:fontRef>
+        </p:style>
+      </p:cxnSp>
+      <p:cxnSp>
+        <p:nvCxnSpPr>
+          <p:cNvPr id="21" name="Connecteur droit avec flèche 20">
+            <a:extLst>
+              <a:ext uri="{FF2B5EF4-FFF2-40B4-BE49-F238E27FC236}">
+                <a16:creationId xmlns:a16="http://schemas.microsoft.com/office/drawing/2014/main" id="{C253016E-206F-0F45-AAC5-BE43FC5DCAD6}"/>
+              </a:ext>
+            </a:extLst>
+          </p:cNvPr>
+          <p:cNvCxnSpPr>
+            <a:cxnSpLocks/>
+          </p:cNvCxnSpPr>
+          <p:nvPr/>
+        </p:nvCxnSpPr>
+        <p:spPr>
+          <a:xfrm flipH="1">
+            <a:off x="2492975" y="6351242"/>
+            <a:ext cx="9035880" cy="0"/>
+          </a:xfrm>
+          <a:prstGeom prst="straightConnector1">
+            <a:avLst/>
+          </a:prstGeom>
+          <a:ln w="57150">
+            <a:solidFill>
+              <a:schemeClr val="accent1">
+                <a:lumMod val="60000"/>
+                <a:lumOff val="40000"/>
+              </a:schemeClr>
+            </a:solidFill>
+            <a:tailEnd type="triangle"/>
+          </a:ln>
+        </p:spPr>
+        <p:style>
+          <a:lnRef idx="1">
+            <a:schemeClr val="dk1"/>
+          </a:lnRef>
+          <a:fillRef idx="0">
+            <a:schemeClr val="dk1"/>
+          </a:fillRef>
+          <a:effectRef idx="0">
+            <a:schemeClr val="dk1"/>
+          </a:effectRef>
+          <a:fontRef idx="minor">
+            <a:schemeClr val="tx1"/>
+          </a:fontRef>
+        </p:style>
+      </p:cxnSp>
+      <p:sp>
+        <p:nvSpPr>
+          <p:cNvPr id="22" name="Rectangle 21">
+            <a:extLst>
+              <a:ext uri="{FF2B5EF4-FFF2-40B4-BE49-F238E27FC236}">
+                <a16:creationId xmlns:a16="http://schemas.microsoft.com/office/drawing/2014/main" id="{CC8D650A-350B-F343-ADF1-0973961FC84E}"/>
               </a:ext>
             </a:extLst>
           </p:cNvPr>
@@ -18917,19 +18334,17 @@
           <p:nvPr/>
         </p:nvSpPr>
         <p:spPr>
-          <a:xfrm>
-            <a:off x="4762619" y="3618303"/>
-            <a:ext cx="424765" cy="3007502"/>
+          <a:xfrm flipH="1">
+            <a:off x="9304637" y="4989470"/>
+            <a:ext cx="1859733" cy="397566"/>
           </a:xfrm>
           <a:prstGeom prst="rect">
             <a:avLst/>
           </a:prstGeom>
           <a:solidFill>
-            <a:schemeClr val="accent6">
-              <a:lumMod val="40000"/>
-              <a:lumOff val="60000"/>
-              <a:alpha val="46000"/>
-            </a:schemeClr>
+            <a:srgbClr val="FFA000">
+              <a:alpha val="69804"/>
+            </a:srgbClr>
           </a:solidFill>
           <a:ln>
             <a:noFill/>
@@ -18956,116 +18371,1778 @@
           <a:lstStyle/>
           <a:p>
             <a:pPr algn="ctr"/>
-            <a:endParaRPr lang="fr-FR" dirty="0"/>
-          </a:p>
-        </p:txBody>
-      </p:sp>
-      <p:sp>
-        <p:nvSpPr>
-          <p:cNvPr id="149" name="Accolade fermante 148">
-            <a:extLst>
-              <a:ext uri="{FF2B5EF4-FFF2-40B4-BE49-F238E27FC236}">
-                <a16:creationId xmlns:a16="http://schemas.microsoft.com/office/drawing/2014/main" id="{2F568283-ECB5-8A42-B832-719EC1EA6008}"/>
-              </a:ext>
-            </a:extLst>
-          </p:cNvPr>
-          <p:cNvSpPr/>
-          <p:nvPr/>
-        </p:nvSpPr>
-        <p:spPr>
-          <a:xfrm rot="5400000">
-            <a:off x="4730733" y="5170540"/>
-            <a:ext cx="302422" cy="610879"/>
-          </a:xfrm>
-          <a:prstGeom prst="rightBrace">
-            <a:avLst>
-              <a:gd name="adj1" fmla="val 36934"/>
-              <a:gd name="adj2" fmla="val 50000"/>
-            </a:avLst>
-          </a:prstGeom>
-          <a:ln w="15875"/>
-        </p:spPr>
-        <p:style>
-          <a:lnRef idx="1">
-            <a:schemeClr val="dk1"/>
-          </a:lnRef>
-          <a:fillRef idx="0">
-            <a:schemeClr val="dk1"/>
-          </a:fillRef>
-          <a:effectRef idx="0">
-            <a:schemeClr val="dk1"/>
-          </a:effectRef>
-          <a:fontRef idx="minor">
-            <a:schemeClr val="tx1"/>
-          </a:fontRef>
-        </p:style>
-        <p:txBody>
-          <a:bodyPr rtlCol="0" anchor="ctr"/>
-          <a:lstStyle/>
-          <a:p>
-            <a:pPr algn="ctr"/>
             <a:endParaRPr lang="fr-FR"/>
           </a:p>
         </p:txBody>
       </p:sp>
       <p:sp>
         <p:nvSpPr>
-          <p:cNvPr id="150" name="ZoneTexte 149">
-            <a:extLst>
-              <a:ext uri="{FF2B5EF4-FFF2-40B4-BE49-F238E27FC236}">
-                <a16:creationId xmlns:a16="http://schemas.microsoft.com/office/drawing/2014/main" id="{A7EB708B-7DD6-D042-B192-92782F136A0E}"/>
-              </a:ext>
-            </a:extLst>
-          </p:cNvPr>
-          <p:cNvSpPr txBox="1"/>
-          <p:nvPr/>
-        </p:nvSpPr>
-        <p:spPr>
-          <a:xfrm>
-            <a:off x="4694708" y="5701537"/>
-            <a:ext cx="2704330" cy="307777"/>
-          </a:xfrm>
-          <a:prstGeom prst="rect">
-            <a:avLst/>
-          </a:prstGeom>
-          <a:noFill/>
-        </p:spPr>
-        <p:txBody>
-          <a:bodyPr wrap="none" rtlCol="0">
-            <a:spAutoFit/>
-          </a:bodyPr>
-          <a:lstStyle/>
-          <a:p>
-            <a:r>
-              <a:rPr lang="fr-FR" sz="1400" b="1" dirty="0">
+          <p:cNvPr id="46" name="ZoneTexte 45">
+            <a:extLst>
+              <a:ext uri="{FF2B5EF4-FFF2-40B4-BE49-F238E27FC236}">
+                <a16:creationId xmlns:a16="http://schemas.microsoft.com/office/drawing/2014/main" id="{F9568086-64B7-4F46-915B-8A7B1062A296}"/>
+              </a:ext>
+            </a:extLst>
+          </p:cNvPr>
+          <p:cNvSpPr txBox="1"/>
+          <p:nvPr/>
+        </p:nvSpPr>
+        <p:spPr>
+          <a:xfrm>
+            <a:off x="3631709" y="2539059"/>
+            <a:ext cx="461986" cy="646331"/>
+          </a:xfrm>
+          <a:prstGeom prst="rect">
+            <a:avLst/>
+          </a:prstGeom>
+          <a:noFill/>
+        </p:spPr>
+        <p:txBody>
+          <a:bodyPr wrap="none" rtlCol="0">
+            <a:spAutoFit/>
+          </a:bodyPr>
+          <a:lstStyle/>
+          <a:p>
+            <a:r>
+              <a:rPr lang="fr-FR" sz="3600" dirty="0">
+                <a:solidFill>
+                  <a:srgbClr val="FF0000"/>
+                </a:solidFill>
+                <a:latin typeface="Courier" pitchFamily="2" charset="0"/>
+              </a:rPr>
+              <a:t>*</a:t>
+            </a:r>
+          </a:p>
+        </p:txBody>
+      </p:sp>
+      <p:sp>
+        <p:nvSpPr>
+          <p:cNvPr id="47" name="ZoneTexte 46">
+            <a:extLst>
+              <a:ext uri="{FF2B5EF4-FFF2-40B4-BE49-F238E27FC236}">
+                <a16:creationId xmlns:a16="http://schemas.microsoft.com/office/drawing/2014/main" id="{4811FA8D-5AB8-5246-A485-EB54BF9A50F5}"/>
+              </a:ext>
+            </a:extLst>
+          </p:cNvPr>
+          <p:cNvSpPr txBox="1"/>
+          <p:nvPr/>
+        </p:nvSpPr>
+        <p:spPr>
+          <a:xfrm>
+            <a:off x="5580212" y="2547350"/>
+            <a:ext cx="461986" cy="646331"/>
+          </a:xfrm>
+          <a:prstGeom prst="rect">
+            <a:avLst/>
+          </a:prstGeom>
+          <a:noFill/>
+        </p:spPr>
+        <p:txBody>
+          <a:bodyPr wrap="none" rtlCol="0">
+            <a:spAutoFit/>
+          </a:bodyPr>
+          <a:lstStyle/>
+          <a:p>
+            <a:r>
+              <a:rPr lang="fr-FR" sz="3600" dirty="0">
+                <a:solidFill>
+                  <a:srgbClr val="FF0000"/>
+                </a:solidFill>
+                <a:latin typeface="Courier" pitchFamily="2" charset="0"/>
+              </a:rPr>
+              <a:t>*</a:t>
+            </a:r>
+          </a:p>
+        </p:txBody>
+      </p:sp>
+      <p:sp>
+        <p:nvSpPr>
+          <p:cNvPr id="48" name="ZoneTexte 47">
+            <a:extLst>
+              <a:ext uri="{FF2B5EF4-FFF2-40B4-BE49-F238E27FC236}">
+                <a16:creationId xmlns:a16="http://schemas.microsoft.com/office/drawing/2014/main" id="{00537AB6-65ED-2C43-B218-F9A47AA20ACD}"/>
+              </a:ext>
+            </a:extLst>
+          </p:cNvPr>
+          <p:cNvSpPr txBox="1"/>
+          <p:nvPr/>
+        </p:nvSpPr>
+        <p:spPr>
+          <a:xfrm>
+            <a:off x="3883474" y="1355076"/>
+            <a:ext cx="461986" cy="646331"/>
+          </a:xfrm>
+          <a:prstGeom prst="rect">
+            <a:avLst/>
+          </a:prstGeom>
+          <a:noFill/>
+        </p:spPr>
+        <p:txBody>
+          <a:bodyPr wrap="none" rtlCol="0">
+            <a:spAutoFit/>
+          </a:bodyPr>
+          <a:lstStyle/>
+          <a:p>
+            <a:r>
+              <a:rPr lang="fr-FR" sz="3600" dirty="0">
+                <a:solidFill>
+                  <a:srgbClr val="FF0000"/>
+                </a:solidFill>
+                <a:latin typeface="Courier" pitchFamily="2" charset="0"/>
+              </a:rPr>
+              <a:t>*</a:t>
+            </a:r>
+          </a:p>
+        </p:txBody>
+      </p:sp>
+      <p:sp>
+        <p:nvSpPr>
+          <p:cNvPr id="49" name="ZoneTexte 48">
+            <a:extLst>
+              <a:ext uri="{FF2B5EF4-FFF2-40B4-BE49-F238E27FC236}">
+                <a16:creationId xmlns:a16="http://schemas.microsoft.com/office/drawing/2014/main" id="{ED12C677-481B-C64E-96B2-36C035CD6B76}"/>
+              </a:ext>
+            </a:extLst>
+          </p:cNvPr>
+          <p:cNvSpPr txBox="1"/>
+          <p:nvPr/>
+        </p:nvSpPr>
+        <p:spPr>
+          <a:xfrm>
+            <a:off x="4385936" y="1349852"/>
+            <a:ext cx="461986" cy="646331"/>
+          </a:xfrm>
+          <a:prstGeom prst="rect">
+            <a:avLst/>
+          </a:prstGeom>
+          <a:noFill/>
+        </p:spPr>
+        <p:txBody>
+          <a:bodyPr wrap="none" rtlCol="0">
+            <a:spAutoFit/>
+          </a:bodyPr>
+          <a:lstStyle/>
+          <a:p>
+            <a:r>
+              <a:rPr lang="fr-FR" sz="3600" dirty="0">
+                <a:solidFill>
+                  <a:srgbClr val="FF0000"/>
+                </a:solidFill>
+                <a:latin typeface="Courier" pitchFamily="2" charset="0"/>
+              </a:rPr>
+              <a:t>*</a:t>
+            </a:r>
+          </a:p>
+        </p:txBody>
+      </p:sp>
+      <p:sp>
+        <p:nvSpPr>
+          <p:cNvPr id="50" name="ZoneTexte 49">
+            <a:extLst>
+              <a:ext uri="{FF2B5EF4-FFF2-40B4-BE49-F238E27FC236}">
+                <a16:creationId xmlns:a16="http://schemas.microsoft.com/office/drawing/2014/main" id="{666B542B-FD1C-E24B-9BD6-33F976296224}"/>
+              </a:ext>
+            </a:extLst>
+          </p:cNvPr>
+          <p:cNvSpPr txBox="1"/>
+          <p:nvPr/>
+        </p:nvSpPr>
+        <p:spPr>
+          <a:xfrm>
+            <a:off x="5399940" y="1365473"/>
+            <a:ext cx="461986" cy="646331"/>
+          </a:xfrm>
+          <a:prstGeom prst="rect">
+            <a:avLst/>
+          </a:prstGeom>
+          <a:noFill/>
+        </p:spPr>
+        <p:txBody>
+          <a:bodyPr wrap="none" rtlCol="0">
+            <a:spAutoFit/>
+          </a:bodyPr>
+          <a:lstStyle/>
+          <a:p>
+            <a:r>
+              <a:rPr lang="fr-FR" sz="3600" dirty="0">
+                <a:solidFill>
+                  <a:srgbClr val="FF0000"/>
+                </a:solidFill>
+                <a:latin typeface="Courier" pitchFamily="2" charset="0"/>
+              </a:rPr>
+              <a:t>*</a:t>
+            </a:r>
+          </a:p>
+        </p:txBody>
+      </p:sp>
+      <p:sp>
+        <p:nvSpPr>
+          <p:cNvPr id="51" name="ZoneTexte 50">
+            <a:extLst>
+              <a:ext uri="{FF2B5EF4-FFF2-40B4-BE49-F238E27FC236}">
+                <a16:creationId xmlns:a16="http://schemas.microsoft.com/office/drawing/2014/main" id="{6A355F55-BF69-D246-8043-7831496A0CB9}"/>
+              </a:ext>
+            </a:extLst>
+          </p:cNvPr>
+          <p:cNvSpPr txBox="1"/>
+          <p:nvPr/>
+        </p:nvSpPr>
+        <p:spPr>
+          <a:xfrm>
+            <a:off x="3454679" y="168106"/>
+            <a:ext cx="461986" cy="646331"/>
+          </a:xfrm>
+          <a:prstGeom prst="rect">
+            <a:avLst/>
+          </a:prstGeom>
+          <a:noFill/>
+        </p:spPr>
+        <p:txBody>
+          <a:bodyPr wrap="none" rtlCol="0">
+            <a:spAutoFit/>
+          </a:bodyPr>
+          <a:lstStyle/>
+          <a:p>
+            <a:r>
+              <a:rPr lang="fr-FR" sz="3600" dirty="0">
+                <a:solidFill>
+                  <a:srgbClr val="FF0000"/>
+                </a:solidFill>
+                <a:latin typeface="Courier" pitchFamily="2" charset="0"/>
+              </a:rPr>
+              <a:t>*</a:t>
+            </a:r>
+          </a:p>
+        </p:txBody>
+      </p:sp>
+      <p:sp>
+        <p:nvSpPr>
+          <p:cNvPr id="52" name="ZoneTexte 51">
+            <a:extLst>
+              <a:ext uri="{FF2B5EF4-FFF2-40B4-BE49-F238E27FC236}">
+                <a16:creationId xmlns:a16="http://schemas.microsoft.com/office/drawing/2014/main" id="{D157DDEC-5DCB-864D-B71F-DC18A9B0AAE0}"/>
+              </a:ext>
+            </a:extLst>
+          </p:cNvPr>
+          <p:cNvSpPr txBox="1"/>
+          <p:nvPr/>
+        </p:nvSpPr>
+        <p:spPr>
+          <a:xfrm>
+            <a:off x="6315382" y="181028"/>
+            <a:ext cx="461986" cy="646331"/>
+          </a:xfrm>
+          <a:prstGeom prst="rect">
+            <a:avLst/>
+          </a:prstGeom>
+          <a:noFill/>
+        </p:spPr>
+        <p:txBody>
+          <a:bodyPr wrap="none" rtlCol="0">
+            <a:spAutoFit/>
+          </a:bodyPr>
+          <a:lstStyle/>
+          <a:p>
+            <a:r>
+              <a:rPr lang="fr-FR" sz="3600" dirty="0">
+                <a:solidFill>
+                  <a:srgbClr val="FF0000"/>
+                </a:solidFill>
+                <a:latin typeface="Courier" pitchFamily="2" charset="0"/>
+              </a:rPr>
+              <a:t>*</a:t>
+            </a:r>
+          </a:p>
+        </p:txBody>
+      </p:sp>
+      <p:sp>
+        <p:nvSpPr>
+          <p:cNvPr id="53" name="ZoneTexte 52">
+            <a:extLst>
+              <a:ext uri="{FF2B5EF4-FFF2-40B4-BE49-F238E27FC236}">
+                <a16:creationId xmlns:a16="http://schemas.microsoft.com/office/drawing/2014/main" id="{BD8CAF12-17B5-A94D-A352-FDA45C7FD77E}"/>
+              </a:ext>
+            </a:extLst>
+          </p:cNvPr>
+          <p:cNvSpPr txBox="1"/>
+          <p:nvPr/>
+        </p:nvSpPr>
+        <p:spPr>
+          <a:xfrm>
+            <a:off x="7314427" y="184147"/>
+            <a:ext cx="461986" cy="646331"/>
+          </a:xfrm>
+          <a:prstGeom prst="rect">
+            <a:avLst/>
+          </a:prstGeom>
+          <a:noFill/>
+        </p:spPr>
+        <p:txBody>
+          <a:bodyPr wrap="none" rtlCol="0">
+            <a:spAutoFit/>
+          </a:bodyPr>
+          <a:lstStyle/>
+          <a:p>
+            <a:r>
+              <a:rPr lang="fr-FR" sz="3600" dirty="0">
+                <a:solidFill>
+                  <a:srgbClr val="FF0000"/>
+                </a:solidFill>
+                <a:latin typeface="Courier" pitchFamily="2" charset="0"/>
+              </a:rPr>
+              <a:t>*</a:t>
+            </a:r>
+          </a:p>
+        </p:txBody>
+      </p:sp>
+      <p:sp>
+        <p:nvSpPr>
+          <p:cNvPr id="54" name="ZoneTexte 53">
+            <a:extLst>
+              <a:ext uri="{FF2B5EF4-FFF2-40B4-BE49-F238E27FC236}">
+                <a16:creationId xmlns:a16="http://schemas.microsoft.com/office/drawing/2014/main" id="{54841A6F-05CE-9E42-8080-FEF02654EEA0}"/>
+              </a:ext>
+            </a:extLst>
+          </p:cNvPr>
+          <p:cNvSpPr txBox="1"/>
+          <p:nvPr/>
+        </p:nvSpPr>
+        <p:spPr>
+          <a:xfrm>
+            <a:off x="4506987" y="221609"/>
+            <a:ext cx="461986" cy="646331"/>
+          </a:xfrm>
+          <a:prstGeom prst="rect">
+            <a:avLst/>
+          </a:prstGeom>
+          <a:noFill/>
+        </p:spPr>
+        <p:txBody>
+          <a:bodyPr wrap="none" rtlCol="0">
+            <a:spAutoFit/>
+          </a:bodyPr>
+          <a:lstStyle/>
+          <a:p>
+            <a:r>
+              <a:rPr lang="fr-FR" sz="3600" dirty="0">
+                <a:solidFill>
+                  <a:srgbClr val="FF0000"/>
+                </a:solidFill>
+                <a:latin typeface="Courier" pitchFamily="2" charset="0"/>
+              </a:rPr>
+              <a:t>*</a:t>
+            </a:r>
+          </a:p>
+        </p:txBody>
+      </p:sp>
+      <p:sp>
+        <p:nvSpPr>
+          <p:cNvPr id="55" name="ZoneTexte 54">
+            <a:extLst>
+              <a:ext uri="{FF2B5EF4-FFF2-40B4-BE49-F238E27FC236}">
+                <a16:creationId xmlns:a16="http://schemas.microsoft.com/office/drawing/2014/main" id="{96E5E37E-F6CD-D249-B4A2-EAD9F147C7CA}"/>
+              </a:ext>
+            </a:extLst>
+          </p:cNvPr>
+          <p:cNvSpPr txBox="1"/>
+          <p:nvPr/>
+        </p:nvSpPr>
+        <p:spPr>
+          <a:xfrm>
+            <a:off x="8898977" y="164986"/>
+            <a:ext cx="461986" cy="646331"/>
+          </a:xfrm>
+          <a:prstGeom prst="rect">
+            <a:avLst/>
+          </a:prstGeom>
+          <a:noFill/>
+        </p:spPr>
+        <p:txBody>
+          <a:bodyPr wrap="none" rtlCol="0">
+            <a:spAutoFit/>
+          </a:bodyPr>
+          <a:lstStyle/>
+          <a:p>
+            <a:r>
+              <a:rPr lang="fr-FR" sz="3600" dirty="0">
+                <a:solidFill>
+                  <a:srgbClr val="FF0000"/>
+                </a:solidFill>
+                <a:latin typeface="Courier" pitchFamily="2" charset="0"/>
+              </a:rPr>
+              <a:t>*</a:t>
+            </a:r>
+          </a:p>
+        </p:txBody>
+      </p:sp>
+      <p:sp>
+        <p:nvSpPr>
+          <p:cNvPr id="56" name="ZoneTexte 55">
+            <a:extLst>
+              <a:ext uri="{FF2B5EF4-FFF2-40B4-BE49-F238E27FC236}">
+                <a16:creationId xmlns:a16="http://schemas.microsoft.com/office/drawing/2014/main" id="{AF13032F-7095-2B47-8FFE-36539EAB7205}"/>
+              </a:ext>
+            </a:extLst>
+          </p:cNvPr>
+          <p:cNvSpPr txBox="1"/>
+          <p:nvPr/>
+        </p:nvSpPr>
+        <p:spPr>
+          <a:xfrm>
+            <a:off x="9778265" y="171142"/>
+            <a:ext cx="461986" cy="646331"/>
+          </a:xfrm>
+          <a:prstGeom prst="rect">
+            <a:avLst/>
+          </a:prstGeom>
+          <a:noFill/>
+        </p:spPr>
+        <p:txBody>
+          <a:bodyPr wrap="none" rtlCol="0">
+            <a:spAutoFit/>
+          </a:bodyPr>
+          <a:lstStyle/>
+          <a:p>
+            <a:r>
+              <a:rPr lang="fr-FR" sz="3600" dirty="0">
+                <a:solidFill>
+                  <a:srgbClr val="FF0000"/>
+                </a:solidFill>
+                <a:latin typeface="Courier" pitchFamily="2" charset="0"/>
+              </a:rPr>
+              <a:t>*</a:t>
+            </a:r>
+          </a:p>
+        </p:txBody>
+      </p:sp>
+      <p:sp>
+        <p:nvSpPr>
+          <p:cNvPr id="57" name="ZoneTexte 56">
+            <a:extLst>
+              <a:ext uri="{FF2B5EF4-FFF2-40B4-BE49-F238E27FC236}">
+                <a16:creationId xmlns:a16="http://schemas.microsoft.com/office/drawing/2014/main" id="{C281C55A-9F6E-8C49-B934-86E13E5F36E5}"/>
+              </a:ext>
+            </a:extLst>
+          </p:cNvPr>
+          <p:cNvSpPr txBox="1"/>
+          <p:nvPr/>
+        </p:nvSpPr>
+        <p:spPr>
+          <a:xfrm>
+            <a:off x="10931485" y="164985"/>
+            <a:ext cx="461986" cy="646331"/>
+          </a:xfrm>
+          <a:prstGeom prst="rect">
+            <a:avLst/>
+          </a:prstGeom>
+          <a:noFill/>
+        </p:spPr>
+        <p:txBody>
+          <a:bodyPr wrap="none" rtlCol="0">
+            <a:spAutoFit/>
+          </a:bodyPr>
+          <a:lstStyle/>
+          <a:p>
+            <a:r>
+              <a:rPr lang="fr-FR" sz="3600" dirty="0">
+                <a:solidFill>
+                  <a:srgbClr val="FF0000"/>
+                </a:solidFill>
+                <a:latin typeface="Courier" pitchFamily="2" charset="0"/>
+              </a:rPr>
+              <a:t>*</a:t>
+            </a:r>
+          </a:p>
+        </p:txBody>
+      </p:sp>
+      <p:sp>
+        <p:nvSpPr>
+          <p:cNvPr id="58" name="ZoneTexte 57">
+            <a:extLst>
+              <a:ext uri="{FF2B5EF4-FFF2-40B4-BE49-F238E27FC236}">
+                <a16:creationId xmlns:a16="http://schemas.microsoft.com/office/drawing/2014/main" id="{573DD3B8-D860-1D45-B3C9-7DA2EA1793DA}"/>
+              </a:ext>
+            </a:extLst>
+          </p:cNvPr>
+          <p:cNvSpPr txBox="1"/>
+          <p:nvPr/>
+        </p:nvSpPr>
+        <p:spPr>
+          <a:xfrm>
+            <a:off x="8392594" y="1370857"/>
+            <a:ext cx="461986" cy="646331"/>
+          </a:xfrm>
+          <a:prstGeom prst="rect">
+            <a:avLst/>
+          </a:prstGeom>
+          <a:noFill/>
+        </p:spPr>
+        <p:txBody>
+          <a:bodyPr wrap="none" rtlCol="0">
+            <a:spAutoFit/>
+          </a:bodyPr>
+          <a:lstStyle/>
+          <a:p>
+            <a:r>
+              <a:rPr lang="fr-FR" sz="3600" dirty="0">
+                <a:solidFill>
+                  <a:srgbClr val="FF0000"/>
+                </a:solidFill>
+                <a:latin typeface="Courier" pitchFamily="2" charset="0"/>
+              </a:rPr>
+              <a:t>*</a:t>
+            </a:r>
+          </a:p>
+        </p:txBody>
+      </p:sp>
+      <p:sp>
+        <p:nvSpPr>
+          <p:cNvPr id="59" name="ZoneTexte 58">
+            <a:extLst>
+              <a:ext uri="{FF2B5EF4-FFF2-40B4-BE49-F238E27FC236}">
+                <a16:creationId xmlns:a16="http://schemas.microsoft.com/office/drawing/2014/main" id="{634850CD-4992-2242-990C-6FFDE77ACBFB}"/>
+              </a:ext>
+            </a:extLst>
+          </p:cNvPr>
+          <p:cNvSpPr txBox="1"/>
+          <p:nvPr/>
+        </p:nvSpPr>
+        <p:spPr>
+          <a:xfrm>
+            <a:off x="9235379" y="1374649"/>
+            <a:ext cx="461986" cy="646331"/>
+          </a:xfrm>
+          <a:prstGeom prst="rect">
+            <a:avLst/>
+          </a:prstGeom>
+          <a:noFill/>
+        </p:spPr>
+        <p:txBody>
+          <a:bodyPr wrap="none" rtlCol="0">
+            <a:spAutoFit/>
+          </a:bodyPr>
+          <a:lstStyle/>
+          <a:p>
+            <a:r>
+              <a:rPr lang="fr-FR" sz="3600" dirty="0">
+                <a:solidFill>
+                  <a:srgbClr val="FF0000"/>
+                </a:solidFill>
+                <a:latin typeface="Courier" pitchFamily="2" charset="0"/>
+              </a:rPr>
+              <a:t>*</a:t>
+            </a:r>
+          </a:p>
+        </p:txBody>
+      </p:sp>
+      <p:sp>
+        <p:nvSpPr>
+          <p:cNvPr id="60" name="ZoneTexte 59">
+            <a:extLst>
+              <a:ext uri="{FF2B5EF4-FFF2-40B4-BE49-F238E27FC236}">
+                <a16:creationId xmlns:a16="http://schemas.microsoft.com/office/drawing/2014/main" id="{0CCCFDF0-A209-A54E-89E3-B00605FF0942}"/>
+              </a:ext>
+            </a:extLst>
+          </p:cNvPr>
+          <p:cNvSpPr txBox="1"/>
+          <p:nvPr/>
+        </p:nvSpPr>
+        <p:spPr>
+          <a:xfrm>
+            <a:off x="10576849" y="1368364"/>
+            <a:ext cx="461986" cy="646331"/>
+          </a:xfrm>
+          <a:prstGeom prst="rect">
+            <a:avLst/>
+          </a:prstGeom>
+          <a:noFill/>
+        </p:spPr>
+        <p:txBody>
+          <a:bodyPr wrap="none" rtlCol="0">
+            <a:spAutoFit/>
+          </a:bodyPr>
+          <a:lstStyle/>
+          <a:p>
+            <a:r>
+              <a:rPr lang="fr-FR" sz="3600" dirty="0">
+                <a:solidFill>
+                  <a:srgbClr val="FF0000"/>
+                </a:solidFill>
+                <a:latin typeface="Courier" pitchFamily="2" charset="0"/>
+              </a:rPr>
+              <a:t>*</a:t>
+            </a:r>
+          </a:p>
+        </p:txBody>
+      </p:sp>
+      <p:sp>
+        <p:nvSpPr>
+          <p:cNvPr id="61" name="ZoneTexte 60">
+            <a:extLst>
+              <a:ext uri="{FF2B5EF4-FFF2-40B4-BE49-F238E27FC236}">
+                <a16:creationId xmlns:a16="http://schemas.microsoft.com/office/drawing/2014/main" id="{90B299CD-7F30-0142-880B-AEC66020CB18}"/>
+              </a:ext>
+            </a:extLst>
+          </p:cNvPr>
+          <p:cNvSpPr txBox="1"/>
+          <p:nvPr/>
+        </p:nvSpPr>
+        <p:spPr>
+          <a:xfrm>
+            <a:off x="7853147" y="1354363"/>
+            <a:ext cx="461986" cy="646331"/>
+          </a:xfrm>
+          <a:prstGeom prst="rect">
+            <a:avLst/>
+          </a:prstGeom>
+          <a:noFill/>
+        </p:spPr>
+        <p:txBody>
+          <a:bodyPr wrap="none" rtlCol="0">
+            <a:spAutoFit/>
+          </a:bodyPr>
+          <a:lstStyle/>
+          <a:p>
+            <a:r>
+              <a:rPr lang="fr-FR" sz="3600" dirty="0">
+                <a:solidFill>
+                  <a:srgbClr val="FF0000"/>
+                </a:solidFill>
+                <a:latin typeface="Courier" pitchFamily="2" charset="0"/>
+              </a:rPr>
+              <a:t>*</a:t>
+            </a:r>
+          </a:p>
+        </p:txBody>
+      </p:sp>
+      <p:sp>
+        <p:nvSpPr>
+          <p:cNvPr id="63" name="ZoneTexte 62">
+            <a:extLst>
+              <a:ext uri="{FF2B5EF4-FFF2-40B4-BE49-F238E27FC236}">
+                <a16:creationId xmlns:a16="http://schemas.microsoft.com/office/drawing/2014/main" id="{CF9B3790-9867-2A46-81A9-6EEDD608F680}"/>
+              </a:ext>
+            </a:extLst>
+          </p:cNvPr>
+          <p:cNvSpPr txBox="1"/>
+          <p:nvPr/>
+        </p:nvSpPr>
+        <p:spPr>
+          <a:xfrm>
+            <a:off x="8326078" y="2552397"/>
+            <a:ext cx="461986" cy="646331"/>
+          </a:xfrm>
+          <a:prstGeom prst="rect">
+            <a:avLst/>
+          </a:prstGeom>
+          <a:noFill/>
+        </p:spPr>
+        <p:txBody>
+          <a:bodyPr wrap="none" rtlCol="0">
+            <a:spAutoFit/>
+          </a:bodyPr>
+          <a:lstStyle/>
+          <a:p>
+            <a:r>
+              <a:rPr lang="fr-FR" sz="3600" dirty="0">
+                <a:solidFill>
+                  <a:srgbClr val="FF0000"/>
+                </a:solidFill>
+                <a:latin typeface="Courier" pitchFamily="2" charset="0"/>
+              </a:rPr>
+              <a:t>*</a:t>
+            </a:r>
+          </a:p>
+        </p:txBody>
+      </p:sp>
+      <p:sp>
+        <p:nvSpPr>
+          <p:cNvPr id="64" name="ZoneTexte 63">
+            <a:extLst>
+              <a:ext uri="{FF2B5EF4-FFF2-40B4-BE49-F238E27FC236}">
+                <a16:creationId xmlns:a16="http://schemas.microsoft.com/office/drawing/2014/main" id="{0DCB6D05-5993-B74C-A7C2-4F0B17357091}"/>
+              </a:ext>
+            </a:extLst>
+          </p:cNvPr>
+          <p:cNvSpPr txBox="1"/>
+          <p:nvPr/>
+        </p:nvSpPr>
+        <p:spPr>
+          <a:xfrm>
+            <a:off x="6943846" y="2537369"/>
+            <a:ext cx="461986" cy="646331"/>
+          </a:xfrm>
+          <a:prstGeom prst="rect">
+            <a:avLst/>
+          </a:prstGeom>
+          <a:noFill/>
+        </p:spPr>
+        <p:txBody>
+          <a:bodyPr wrap="none" rtlCol="0">
+            <a:spAutoFit/>
+          </a:bodyPr>
+          <a:lstStyle/>
+          <a:p>
+            <a:r>
+              <a:rPr lang="fr-FR" sz="3600" dirty="0">
+                <a:solidFill>
+                  <a:srgbClr val="FF0000"/>
+                </a:solidFill>
+                <a:latin typeface="Courier" pitchFamily="2" charset="0"/>
+              </a:rPr>
+              <a:t>*</a:t>
+            </a:r>
+          </a:p>
+        </p:txBody>
+      </p:sp>
+      <p:sp>
+        <p:nvSpPr>
+          <p:cNvPr id="67" name="ZoneTexte 66">
+            <a:extLst>
+              <a:ext uri="{FF2B5EF4-FFF2-40B4-BE49-F238E27FC236}">
+                <a16:creationId xmlns:a16="http://schemas.microsoft.com/office/drawing/2014/main" id="{5AA797C4-F640-014B-9B50-AB5C82B9A82D}"/>
+              </a:ext>
+            </a:extLst>
+          </p:cNvPr>
+          <p:cNvSpPr txBox="1"/>
+          <p:nvPr/>
+        </p:nvSpPr>
+        <p:spPr>
+          <a:xfrm>
+            <a:off x="9398678" y="2556444"/>
+            <a:ext cx="461986" cy="646331"/>
+          </a:xfrm>
+          <a:prstGeom prst="rect">
+            <a:avLst/>
+          </a:prstGeom>
+          <a:noFill/>
+        </p:spPr>
+        <p:txBody>
+          <a:bodyPr wrap="none" rtlCol="0">
+            <a:spAutoFit/>
+          </a:bodyPr>
+          <a:lstStyle/>
+          <a:p>
+            <a:r>
+              <a:rPr lang="fr-FR" sz="3600" dirty="0">
+                <a:solidFill>
+                  <a:srgbClr val="FF0000"/>
+                </a:solidFill>
+                <a:latin typeface="Courier" pitchFamily="2" charset="0"/>
+              </a:rPr>
+              <a:t>*</a:t>
+            </a:r>
+          </a:p>
+        </p:txBody>
+      </p:sp>
+      <p:sp>
+        <p:nvSpPr>
+          <p:cNvPr id="68" name="ZoneTexte 67">
+            <a:extLst>
+              <a:ext uri="{FF2B5EF4-FFF2-40B4-BE49-F238E27FC236}">
+                <a16:creationId xmlns:a16="http://schemas.microsoft.com/office/drawing/2014/main" id="{BFD90FF2-74E5-084D-B1C1-E8403DAD07C4}"/>
+              </a:ext>
+            </a:extLst>
+          </p:cNvPr>
+          <p:cNvSpPr txBox="1"/>
+          <p:nvPr/>
+        </p:nvSpPr>
+        <p:spPr>
+          <a:xfrm>
+            <a:off x="10345856" y="2548223"/>
+            <a:ext cx="461986" cy="646331"/>
+          </a:xfrm>
+          <a:prstGeom prst="rect">
+            <a:avLst/>
+          </a:prstGeom>
+          <a:noFill/>
+        </p:spPr>
+        <p:txBody>
+          <a:bodyPr wrap="none" rtlCol="0">
+            <a:spAutoFit/>
+          </a:bodyPr>
+          <a:lstStyle/>
+          <a:p>
+            <a:r>
+              <a:rPr lang="fr-FR" sz="3600" dirty="0">
+                <a:solidFill>
+                  <a:srgbClr val="FF0000"/>
+                </a:solidFill>
+                <a:latin typeface="Courier" pitchFamily="2" charset="0"/>
+              </a:rPr>
+              <a:t>*</a:t>
+            </a:r>
+          </a:p>
+        </p:txBody>
+      </p:sp>
+      <p:sp>
+        <p:nvSpPr>
+          <p:cNvPr id="69" name="ZoneTexte 68">
+            <a:extLst>
+              <a:ext uri="{FF2B5EF4-FFF2-40B4-BE49-F238E27FC236}">
+                <a16:creationId xmlns:a16="http://schemas.microsoft.com/office/drawing/2014/main" id="{57CC775C-3D8E-2342-9D0C-D35ADFA47840}"/>
+              </a:ext>
+            </a:extLst>
+          </p:cNvPr>
+          <p:cNvSpPr txBox="1"/>
+          <p:nvPr/>
+        </p:nvSpPr>
+        <p:spPr>
+          <a:xfrm>
+            <a:off x="6239921" y="3696610"/>
+            <a:ext cx="461986" cy="646331"/>
+          </a:xfrm>
+          <a:prstGeom prst="rect">
+            <a:avLst/>
+          </a:prstGeom>
+          <a:noFill/>
+        </p:spPr>
+        <p:txBody>
+          <a:bodyPr wrap="none" rtlCol="0">
+            <a:spAutoFit/>
+          </a:bodyPr>
+          <a:lstStyle/>
+          <a:p>
+            <a:r>
+              <a:rPr lang="fr-FR" sz="3600" dirty="0">
+                <a:solidFill>
+                  <a:srgbClr val="FF0000"/>
+                </a:solidFill>
+                <a:latin typeface="Courier" pitchFamily="2" charset="0"/>
+              </a:rPr>
+              <a:t>*</a:t>
+            </a:r>
+          </a:p>
+        </p:txBody>
+      </p:sp>
+      <p:sp>
+        <p:nvSpPr>
+          <p:cNvPr id="72" name="ZoneTexte 71">
+            <a:extLst>
+              <a:ext uri="{FF2B5EF4-FFF2-40B4-BE49-F238E27FC236}">
+                <a16:creationId xmlns:a16="http://schemas.microsoft.com/office/drawing/2014/main" id="{1EA84EC0-2356-D048-8649-F689731F61E9}"/>
+              </a:ext>
+            </a:extLst>
+          </p:cNvPr>
+          <p:cNvSpPr txBox="1"/>
+          <p:nvPr/>
+        </p:nvSpPr>
+        <p:spPr>
+          <a:xfrm>
+            <a:off x="6886733" y="1376045"/>
+            <a:ext cx="461986" cy="646331"/>
+          </a:xfrm>
+          <a:prstGeom prst="rect">
+            <a:avLst/>
+          </a:prstGeom>
+          <a:noFill/>
+        </p:spPr>
+        <p:txBody>
+          <a:bodyPr wrap="none" rtlCol="0">
+            <a:spAutoFit/>
+          </a:bodyPr>
+          <a:lstStyle/>
+          <a:p>
+            <a:r>
+              <a:rPr lang="fr-FR" sz="3600" dirty="0">
+                <a:solidFill>
+                  <a:srgbClr val="FF0000"/>
+                </a:solidFill>
+                <a:latin typeface="Courier" pitchFamily="2" charset="0"/>
+              </a:rPr>
+              <a:t>*</a:t>
+            </a:r>
+          </a:p>
+        </p:txBody>
+      </p:sp>
+      <p:sp>
+        <p:nvSpPr>
+          <p:cNvPr id="73" name="ZoneTexte 72">
+            <a:extLst>
+              <a:ext uri="{FF2B5EF4-FFF2-40B4-BE49-F238E27FC236}">
+                <a16:creationId xmlns:a16="http://schemas.microsoft.com/office/drawing/2014/main" id="{E91B2C9C-49C4-104B-927C-F50821D352D9}"/>
+              </a:ext>
+            </a:extLst>
+          </p:cNvPr>
+          <p:cNvSpPr txBox="1"/>
+          <p:nvPr/>
+        </p:nvSpPr>
+        <p:spPr>
+          <a:xfrm>
+            <a:off x="4910065" y="4891437"/>
+            <a:ext cx="461986" cy="646331"/>
+          </a:xfrm>
+          <a:prstGeom prst="rect">
+            <a:avLst/>
+          </a:prstGeom>
+          <a:noFill/>
+        </p:spPr>
+        <p:txBody>
+          <a:bodyPr wrap="none" rtlCol="0">
+            <a:spAutoFit/>
+          </a:bodyPr>
+          <a:lstStyle/>
+          <a:p>
+            <a:r>
+              <a:rPr lang="fr-FR" sz="3600" dirty="0">
+                <a:solidFill>
+                  <a:srgbClr val="FF0000"/>
+                </a:solidFill>
+                <a:latin typeface="Courier" pitchFamily="2" charset="0"/>
+              </a:rPr>
+              <a:t>*</a:t>
+            </a:r>
+          </a:p>
+        </p:txBody>
+      </p:sp>
+      <p:sp>
+        <p:nvSpPr>
+          <p:cNvPr id="75" name="ZoneTexte 74">
+            <a:extLst>
+              <a:ext uri="{FF2B5EF4-FFF2-40B4-BE49-F238E27FC236}">
+                <a16:creationId xmlns:a16="http://schemas.microsoft.com/office/drawing/2014/main" id="{295B93C1-9516-5947-BC70-D546FA4AFC45}"/>
+              </a:ext>
+            </a:extLst>
+          </p:cNvPr>
+          <p:cNvSpPr txBox="1"/>
+          <p:nvPr/>
+        </p:nvSpPr>
+        <p:spPr>
+          <a:xfrm>
+            <a:off x="6683841" y="4881456"/>
+            <a:ext cx="461986" cy="646331"/>
+          </a:xfrm>
+          <a:prstGeom prst="rect">
+            <a:avLst/>
+          </a:prstGeom>
+          <a:noFill/>
+        </p:spPr>
+        <p:txBody>
+          <a:bodyPr wrap="none" rtlCol="0">
+            <a:spAutoFit/>
+          </a:bodyPr>
+          <a:lstStyle/>
+          <a:p>
+            <a:r>
+              <a:rPr lang="fr-FR" sz="3600" dirty="0">
+                <a:solidFill>
+                  <a:srgbClr val="FF0000"/>
+                </a:solidFill>
+                <a:latin typeface="Courier" pitchFamily="2" charset="0"/>
+              </a:rPr>
+              <a:t>*</a:t>
+            </a:r>
+          </a:p>
+        </p:txBody>
+      </p:sp>
+      <p:sp>
+        <p:nvSpPr>
+          <p:cNvPr id="76" name="ZoneTexte 75">
+            <a:extLst>
+              <a:ext uri="{FF2B5EF4-FFF2-40B4-BE49-F238E27FC236}">
+                <a16:creationId xmlns:a16="http://schemas.microsoft.com/office/drawing/2014/main" id="{E29A2DAB-D674-4B4F-B83F-2D577448F19C}"/>
+              </a:ext>
+            </a:extLst>
+          </p:cNvPr>
+          <p:cNvSpPr txBox="1"/>
+          <p:nvPr/>
+        </p:nvSpPr>
+        <p:spPr>
+          <a:xfrm>
+            <a:off x="9031502" y="4902066"/>
+            <a:ext cx="461986" cy="646331"/>
+          </a:xfrm>
+          <a:prstGeom prst="rect">
+            <a:avLst/>
+          </a:prstGeom>
+          <a:noFill/>
+        </p:spPr>
+        <p:txBody>
+          <a:bodyPr wrap="none" rtlCol="0">
+            <a:spAutoFit/>
+          </a:bodyPr>
+          <a:lstStyle/>
+          <a:p>
+            <a:r>
+              <a:rPr lang="fr-FR" sz="3600" dirty="0">
+                <a:solidFill>
+                  <a:srgbClr val="FF0000"/>
+                </a:solidFill>
+                <a:latin typeface="Courier" pitchFamily="2" charset="0"/>
+              </a:rPr>
+              <a:t>*</a:t>
+            </a:r>
+          </a:p>
+        </p:txBody>
+      </p:sp>
+      <p:sp>
+        <p:nvSpPr>
+          <p:cNvPr id="78" name="ZoneTexte 77">
+            <a:extLst>
+              <a:ext uri="{FF2B5EF4-FFF2-40B4-BE49-F238E27FC236}">
+                <a16:creationId xmlns:a16="http://schemas.microsoft.com/office/drawing/2014/main" id="{B4F1EE3E-C9D9-994F-951A-F42004D9F6F8}"/>
+              </a:ext>
+            </a:extLst>
+          </p:cNvPr>
+          <p:cNvSpPr txBox="1"/>
+          <p:nvPr/>
+        </p:nvSpPr>
+        <p:spPr>
+          <a:xfrm>
+            <a:off x="11300297" y="4902066"/>
+            <a:ext cx="461986" cy="646331"/>
+          </a:xfrm>
+          <a:prstGeom prst="rect">
+            <a:avLst/>
+          </a:prstGeom>
+          <a:noFill/>
+        </p:spPr>
+        <p:txBody>
+          <a:bodyPr wrap="none" rtlCol="0">
+            <a:spAutoFit/>
+          </a:bodyPr>
+          <a:lstStyle/>
+          <a:p>
+            <a:r>
+              <a:rPr lang="fr-FR" sz="3600" dirty="0">
+                <a:solidFill>
+                  <a:srgbClr val="FF0000"/>
+                </a:solidFill>
+                <a:latin typeface="Courier" pitchFamily="2" charset="0"/>
+              </a:rPr>
+              <a:t>*</a:t>
+            </a:r>
+          </a:p>
+        </p:txBody>
+      </p:sp>
+      <p:sp>
+        <p:nvSpPr>
+          <p:cNvPr id="79" name="ZoneTexte 78">
+            <a:extLst>
+              <a:ext uri="{FF2B5EF4-FFF2-40B4-BE49-F238E27FC236}">
+                <a16:creationId xmlns:a16="http://schemas.microsoft.com/office/drawing/2014/main" id="{3B080AD1-65BF-7241-8D48-E1B68936909F}"/>
+              </a:ext>
+            </a:extLst>
+          </p:cNvPr>
+          <p:cNvSpPr txBox="1"/>
+          <p:nvPr/>
+        </p:nvSpPr>
+        <p:spPr>
+          <a:xfrm>
+            <a:off x="5116821" y="3691940"/>
+            <a:ext cx="461986" cy="646331"/>
+          </a:xfrm>
+          <a:prstGeom prst="rect">
+            <a:avLst/>
+          </a:prstGeom>
+          <a:noFill/>
+        </p:spPr>
+        <p:txBody>
+          <a:bodyPr wrap="none" rtlCol="0">
+            <a:spAutoFit/>
+          </a:bodyPr>
+          <a:lstStyle/>
+          <a:p>
+            <a:r>
+              <a:rPr lang="fr-FR" sz="3600" dirty="0">
+                <a:solidFill>
+                  <a:srgbClr val="FF0000"/>
+                </a:solidFill>
+                <a:latin typeface="Courier" pitchFamily="2" charset="0"/>
+              </a:rPr>
+              <a:t>*</a:t>
+            </a:r>
+          </a:p>
+        </p:txBody>
+      </p:sp>
+      <p:sp>
+        <p:nvSpPr>
+          <p:cNvPr id="80" name="ZoneTexte 79">
+            <a:extLst>
+              <a:ext uri="{FF2B5EF4-FFF2-40B4-BE49-F238E27FC236}">
+                <a16:creationId xmlns:a16="http://schemas.microsoft.com/office/drawing/2014/main" id="{9DE29A50-0D2F-3340-B181-5E877E633CE0}"/>
+              </a:ext>
+            </a:extLst>
+          </p:cNvPr>
+          <p:cNvSpPr txBox="1"/>
+          <p:nvPr/>
+        </p:nvSpPr>
+        <p:spPr>
+          <a:xfrm>
+            <a:off x="3768553" y="3684252"/>
+            <a:ext cx="461986" cy="646331"/>
+          </a:xfrm>
+          <a:prstGeom prst="rect">
+            <a:avLst/>
+          </a:prstGeom>
+          <a:noFill/>
+        </p:spPr>
+        <p:txBody>
+          <a:bodyPr wrap="none" rtlCol="0">
+            <a:spAutoFit/>
+          </a:bodyPr>
+          <a:lstStyle/>
+          <a:p>
+            <a:r>
+              <a:rPr lang="fr-FR" sz="3600" dirty="0">
+                <a:solidFill>
+                  <a:srgbClr val="FF0000"/>
+                </a:solidFill>
+                <a:latin typeface="Courier" pitchFamily="2" charset="0"/>
+              </a:rPr>
+              <a:t>*</a:t>
+            </a:r>
+          </a:p>
+        </p:txBody>
+      </p:sp>
+      <p:sp>
+        <p:nvSpPr>
+          <p:cNvPr id="81" name="ZoneTexte 80">
+            <a:extLst>
+              <a:ext uri="{FF2B5EF4-FFF2-40B4-BE49-F238E27FC236}">
+                <a16:creationId xmlns:a16="http://schemas.microsoft.com/office/drawing/2014/main" id="{BC99ADA8-F153-AF4E-9878-59DC9CA08BF1}"/>
+              </a:ext>
+            </a:extLst>
+          </p:cNvPr>
+          <p:cNvSpPr txBox="1"/>
+          <p:nvPr/>
+        </p:nvSpPr>
+        <p:spPr>
+          <a:xfrm>
+            <a:off x="3610045" y="6050835"/>
+            <a:ext cx="461986" cy="646331"/>
+          </a:xfrm>
+          <a:prstGeom prst="rect">
+            <a:avLst/>
+          </a:prstGeom>
+          <a:noFill/>
+        </p:spPr>
+        <p:txBody>
+          <a:bodyPr wrap="none" rtlCol="0">
+            <a:spAutoFit/>
+          </a:bodyPr>
+          <a:lstStyle/>
+          <a:p>
+            <a:r>
+              <a:rPr lang="fr-FR" sz="3600" dirty="0">
+                <a:solidFill>
+                  <a:srgbClr val="FF0000"/>
+                </a:solidFill>
+                <a:latin typeface="Courier" pitchFamily="2" charset="0"/>
+              </a:rPr>
+              <a:t>*</a:t>
+            </a:r>
+          </a:p>
+        </p:txBody>
+      </p:sp>
+      <p:sp>
+        <p:nvSpPr>
+          <p:cNvPr id="82" name="ZoneTexte 81">
+            <a:extLst>
+              <a:ext uri="{FF2B5EF4-FFF2-40B4-BE49-F238E27FC236}">
+                <a16:creationId xmlns:a16="http://schemas.microsoft.com/office/drawing/2014/main" id="{662F18BA-73FA-FB4F-9A7F-8896A46440A6}"/>
+              </a:ext>
+            </a:extLst>
+          </p:cNvPr>
+          <p:cNvSpPr txBox="1"/>
+          <p:nvPr/>
+        </p:nvSpPr>
+        <p:spPr>
+          <a:xfrm>
+            <a:off x="5419320" y="6053864"/>
+            <a:ext cx="461986" cy="646331"/>
+          </a:xfrm>
+          <a:prstGeom prst="rect">
+            <a:avLst/>
+          </a:prstGeom>
+          <a:noFill/>
+        </p:spPr>
+        <p:txBody>
+          <a:bodyPr wrap="none" rtlCol="0">
+            <a:spAutoFit/>
+          </a:bodyPr>
+          <a:lstStyle/>
+          <a:p>
+            <a:r>
+              <a:rPr lang="fr-FR" sz="3600" dirty="0">
+                <a:solidFill>
+                  <a:srgbClr val="FF0000"/>
+                </a:solidFill>
+                <a:latin typeface="Courier" pitchFamily="2" charset="0"/>
+              </a:rPr>
+              <a:t>*</a:t>
+            </a:r>
+          </a:p>
+        </p:txBody>
+      </p:sp>
+      <p:sp>
+        <p:nvSpPr>
+          <p:cNvPr id="83" name="ZoneTexte 82">
+            <a:extLst>
+              <a:ext uri="{FF2B5EF4-FFF2-40B4-BE49-F238E27FC236}">
+                <a16:creationId xmlns:a16="http://schemas.microsoft.com/office/drawing/2014/main" id="{9A59E493-B7F6-F34E-9085-C4E780404337}"/>
+              </a:ext>
+            </a:extLst>
+          </p:cNvPr>
+          <p:cNvSpPr txBox="1"/>
+          <p:nvPr/>
+        </p:nvSpPr>
+        <p:spPr>
+          <a:xfrm>
+            <a:off x="6193754" y="6058363"/>
+            <a:ext cx="461986" cy="646331"/>
+          </a:xfrm>
+          <a:prstGeom prst="rect">
+            <a:avLst/>
+          </a:prstGeom>
+          <a:noFill/>
+        </p:spPr>
+        <p:txBody>
+          <a:bodyPr wrap="none" rtlCol="0">
+            <a:spAutoFit/>
+          </a:bodyPr>
+          <a:lstStyle/>
+          <a:p>
+            <a:r>
+              <a:rPr lang="fr-FR" sz="3600" dirty="0">
+                <a:solidFill>
+                  <a:srgbClr val="FF0000"/>
+                </a:solidFill>
+                <a:latin typeface="Courier" pitchFamily="2" charset="0"/>
+              </a:rPr>
+              <a:t>*</a:t>
+            </a:r>
+          </a:p>
+        </p:txBody>
+      </p:sp>
+      <p:sp>
+        <p:nvSpPr>
+          <p:cNvPr id="87" name="ZoneTexte 86">
+            <a:extLst>
+              <a:ext uri="{FF2B5EF4-FFF2-40B4-BE49-F238E27FC236}">
+                <a16:creationId xmlns:a16="http://schemas.microsoft.com/office/drawing/2014/main" id="{F44ACC06-900E-F04E-8E5F-60F8D2FC9D07}"/>
+              </a:ext>
+            </a:extLst>
+          </p:cNvPr>
+          <p:cNvSpPr txBox="1"/>
+          <p:nvPr/>
+        </p:nvSpPr>
+        <p:spPr>
+          <a:xfrm>
+            <a:off x="9363075" y="6047476"/>
+            <a:ext cx="461986" cy="646331"/>
+          </a:xfrm>
+          <a:prstGeom prst="rect">
+            <a:avLst/>
+          </a:prstGeom>
+          <a:noFill/>
+        </p:spPr>
+        <p:txBody>
+          <a:bodyPr wrap="none" rtlCol="0">
+            <a:spAutoFit/>
+          </a:bodyPr>
+          <a:lstStyle/>
+          <a:p>
+            <a:r>
+              <a:rPr lang="fr-FR" sz="3600" dirty="0">
+                <a:solidFill>
+                  <a:srgbClr val="FF0000"/>
+                </a:solidFill>
+                <a:latin typeface="Courier" pitchFamily="2" charset="0"/>
+              </a:rPr>
+              <a:t>*</a:t>
+            </a:r>
+          </a:p>
+        </p:txBody>
+      </p:sp>
+      <p:sp>
+        <p:nvSpPr>
+          <p:cNvPr id="88" name="ZoneTexte 87">
+            <a:extLst>
+              <a:ext uri="{FF2B5EF4-FFF2-40B4-BE49-F238E27FC236}">
+                <a16:creationId xmlns:a16="http://schemas.microsoft.com/office/drawing/2014/main" id="{DBBECF51-EC9E-2B40-B816-978A4E495B18}"/>
+              </a:ext>
+            </a:extLst>
+          </p:cNvPr>
+          <p:cNvSpPr txBox="1"/>
+          <p:nvPr/>
+        </p:nvSpPr>
+        <p:spPr>
+          <a:xfrm>
+            <a:off x="10190612" y="6053863"/>
+            <a:ext cx="461986" cy="646331"/>
+          </a:xfrm>
+          <a:prstGeom prst="rect">
+            <a:avLst/>
+          </a:prstGeom>
+          <a:noFill/>
+        </p:spPr>
+        <p:txBody>
+          <a:bodyPr wrap="none" rtlCol="0">
+            <a:spAutoFit/>
+          </a:bodyPr>
+          <a:lstStyle/>
+          <a:p>
+            <a:r>
+              <a:rPr lang="fr-FR" sz="3600" dirty="0">
+                <a:solidFill>
+                  <a:srgbClr val="FF0000"/>
+                </a:solidFill>
+                <a:latin typeface="Courier" pitchFamily="2" charset="0"/>
+              </a:rPr>
+              <a:t>*</a:t>
+            </a:r>
+          </a:p>
+        </p:txBody>
+      </p:sp>
+      <p:sp>
+        <p:nvSpPr>
+          <p:cNvPr id="89" name="ZoneTexte 88">
+            <a:extLst>
+              <a:ext uri="{FF2B5EF4-FFF2-40B4-BE49-F238E27FC236}">
+                <a16:creationId xmlns:a16="http://schemas.microsoft.com/office/drawing/2014/main" id="{6224F034-3F19-4046-94E8-346F8FE73FC1}"/>
+              </a:ext>
+            </a:extLst>
+          </p:cNvPr>
+          <p:cNvSpPr txBox="1"/>
+          <p:nvPr/>
+        </p:nvSpPr>
+        <p:spPr>
+          <a:xfrm>
+            <a:off x="9623873" y="3698618"/>
+            <a:ext cx="461986" cy="646331"/>
+          </a:xfrm>
+          <a:prstGeom prst="rect">
+            <a:avLst/>
+          </a:prstGeom>
+          <a:noFill/>
+        </p:spPr>
+        <p:txBody>
+          <a:bodyPr wrap="none" rtlCol="0">
+            <a:spAutoFit/>
+          </a:bodyPr>
+          <a:lstStyle/>
+          <a:p>
+            <a:r>
+              <a:rPr lang="fr-FR" sz="3600" dirty="0">
+                <a:solidFill>
+                  <a:srgbClr val="FF0000"/>
+                </a:solidFill>
+                <a:latin typeface="Courier" pitchFamily="2" charset="0"/>
+              </a:rPr>
+              <a:t>*</a:t>
+            </a:r>
+          </a:p>
+        </p:txBody>
+      </p:sp>
+      <p:sp>
+        <p:nvSpPr>
+          <p:cNvPr id="90" name="ZoneTexte 89">
+            <a:extLst>
+              <a:ext uri="{FF2B5EF4-FFF2-40B4-BE49-F238E27FC236}">
+                <a16:creationId xmlns:a16="http://schemas.microsoft.com/office/drawing/2014/main" id="{448F9C7B-3423-194B-A96A-CE3EDCABD15A}"/>
+              </a:ext>
+            </a:extLst>
+          </p:cNvPr>
+          <p:cNvSpPr txBox="1"/>
+          <p:nvPr/>
+        </p:nvSpPr>
+        <p:spPr>
+          <a:xfrm>
+            <a:off x="10245560" y="3690766"/>
+            <a:ext cx="461986" cy="646331"/>
+          </a:xfrm>
+          <a:prstGeom prst="rect">
+            <a:avLst/>
+          </a:prstGeom>
+          <a:noFill/>
+        </p:spPr>
+        <p:txBody>
+          <a:bodyPr wrap="none" rtlCol="0">
+            <a:spAutoFit/>
+          </a:bodyPr>
+          <a:lstStyle/>
+          <a:p>
+            <a:r>
+              <a:rPr lang="fr-FR" sz="3600" dirty="0">
+                <a:solidFill>
+                  <a:srgbClr val="FF0000"/>
+                </a:solidFill>
+                <a:latin typeface="Courier" pitchFamily="2" charset="0"/>
+              </a:rPr>
+              <a:t>*</a:t>
+            </a:r>
+          </a:p>
+        </p:txBody>
+      </p:sp>
+      <p:sp>
+        <p:nvSpPr>
+          <p:cNvPr id="91" name="ZoneTexte 90">
+            <a:extLst>
+              <a:ext uri="{FF2B5EF4-FFF2-40B4-BE49-F238E27FC236}">
+                <a16:creationId xmlns:a16="http://schemas.microsoft.com/office/drawing/2014/main" id="{19245547-513B-634F-BB62-FC6076A6A9C3}"/>
+              </a:ext>
+            </a:extLst>
+          </p:cNvPr>
+          <p:cNvSpPr txBox="1"/>
+          <p:nvPr/>
+        </p:nvSpPr>
+        <p:spPr>
+          <a:xfrm>
+            <a:off x="10948732" y="3684926"/>
+            <a:ext cx="461986" cy="646331"/>
+          </a:xfrm>
+          <a:prstGeom prst="rect">
+            <a:avLst/>
+          </a:prstGeom>
+          <a:noFill/>
+        </p:spPr>
+        <p:txBody>
+          <a:bodyPr wrap="none" rtlCol="0">
+            <a:spAutoFit/>
+          </a:bodyPr>
+          <a:lstStyle/>
+          <a:p>
+            <a:r>
+              <a:rPr lang="fr-FR" sz="3600" dirty="0">
+                <a:solidFill>
+                  <a:srgbClr val="FF0000"/>
+                </a:solidFill>
+                <a:latin typeface="Courier" pitchFamily="2" charset="0"/>
+              </a:rPr>
+              <a:t>*</a:t>
+            </a:r>
+          </a:p>
+        </p:txBody>
+      </p:sp>
+      <p:sp>
+        <p:nvSpPr>
+          <p:cNvPr id="100" name="ZoneTexte 99">
+            <a:extLst>
+              <a:ext uri="{FF2B5EF4-FFF2-40B4-BE49-F238E27FC236}">
+                <a16:creationId xmlns:a16="http://schemas.microsoft.com/office/drawing/2014/main" id="{D7733EDE-A5F3-A64B-B12C-0CDCD01DEB45}"/>
+              </a:ext>
+            </a:extLst>
+          </p:cNvPr>
+          <p:cNvSpPr txBox="1"/>
+          <p:nvPr/>
+        </p:nvSpPr>
+        <p:spPr>
+          <a:xfrm>
+            <a:off x="2660902" y="2533701"/>
+            <a:ext cx="461986" cy="646331"/>
+          </a:xfrm>
+          <a:prstGeom prst="rect">
+            <a:avLst/>
+          </a:prstGeom>
+          <a:noFill/>
+        </p:spPr>
+        <p:txBody>
+          <a:bodyPr wrap="none" rtlCol="0">
+            <a:spAutoFit/>
+          </a:bodyPr>
+          <a:lstStyle/>
+          <a:p>
+            <a:r>
+              <a:rPr lang="fr-FR" sz="3600" dirty="0">
+                <a:solidFill>
+                  <a:srgbClr val="FF0000"/>
+                </a:solidFill>
+                <a:latin typeface="Courier" pitchFamily="2" charset="0"/>
+              </a:rPr>
+              <a:t>*</a:t>
+            </a:r>
+          </a:p>
+        </p:txBody>
+      </p:sp>
+      <p:sp>
+        <p:nvSpPr>
+          <p:cNvPr id="101" name="ZoneTexte 100">
+            <a:extLst>
+              <a:ext uri="{FF2B5EF4-FFF2-40B4-BE49-F238E27FC236}">
+                <a16:creationId xmlns:a16="http://schemas.microsoft.com/office/drawing/2014/main" id="{8C983614-78F0-A143-97B8-205140CFB88C}"/>
+              </a:ext>
+            </a:extLst>
+          </p:cNvPr>
+          <p:cNvSpPr txBox="1"/>
+          <p:nvPr/>
+        </p:nvSpPr>
+        <p:spPr>
+          <a:xfrm>
+            <a:off x="4568217" y="2538494"/>
+            <a:ext cx="461986" cy="646331"/>
+          </a:xfrm>
+          <a:prstGeom prst="rect">
+            <a:avLst/>
+          </a:prstGeom>
+          <a:noFill/>
+        </p:spPr>
+        <p:txBody>
+          <a:bodyPr wrap="none" rtlCol="0">
+            <a:spAutoFit/>
+          </a:bodyPr>
+          <a:lstStyle/>
+          <a:p>
+            <a:r>
+              <a:rPr lang="fr-FR" sz="3600" dirty="0">
+                <a:solidFill>
+                  <a:srgbClr val="FF0000"/>
+                </a:solidFill>
+                <a:latin typeface="Courier" pitchFamily="2" charset="0"/>
+              </a:rPr>
+              <a:t>*</a:t>
+            </a:r>
+          </a:p>
+        </p:txBody>
+      </p:sp>
+      <p:sp>
+        <p:nvSpPr>
+          <p:cNvPr id="103" name="ZoneTexte 102">
+            <a:extLst>
+              <a:ext uri="{FF2B5EF4-FFF2-40B4-BE49-F238E27FC236}">
+                <a16:creationId xmlns:a16="http://schemas.microsoft.com/office/drawing/2014/main" id="{E80A2F31-9BE0-3945-BA1E-FADCB60532E9}"/>
+              </a:ext>
+            </a:extLst>
+          </p:cNvPr>
+          <p:cNvSpPr txBox="1"/>
+          <p:nvPr/>
+        </p:nvSpPr>
+        <p:spPr>
+          <a:xfrm>
+            <a:off x="2617241" y="6053863"/>
+            <a:ext cx="461986" cy="646331"/>
+          </a:xfrm>
+          <a:prstGeom prst="rect">
+            <a:avLst/>
+          </a:prstGeom>
+          <a:noFill/>
+        </p:spPr>
+        <p:txBody>
+          <a:bodyPr wrap="none" rtlCol="0">
+            <a:spAutoFit/>
+          </a:bodyPr>
+          <a:lstStyle/>
+          <a:p>
+            <a:r>
+              <a:rPr lang="fr-FR" sz="3600" dirty="0">
+                <a:solidFill>
+                  <a:srgbClr val="FF0000"/>
+                </a:solidFill>
+                <a:latin typeface="Courier" pitchFamily="2" charset="0"/>
+              </a:rPr>
+              <a:t>*</a:t>
+            </a:r>
+          </a:p>
+        </p:txBody>
+      </p:sp>
+      <p:sp>
+        <p:nvSpPr>
+          <p:cNvPr id="105" name="ZoneTexte 104">
+            <a:extLst>
+              <a:ext uri="{FF2B5EF4-FFF2-40B4-BE49-F238E27FC236}">
+                <a16:creationId xmlns:a16="http://schemas.microsoft.com/office/drawing/2014/main" id="{15F36ADF-A81C-4C47-8FB3-F31A5CED6C56}"/>
+              </a:ext>
+            </a:extLst>
+          </p:cNvPr>
+          <p:cNvSpPr txBox="1"/>
+          <p:nvPr/>
+        </p:nvSpPr>
+        <p:spPr>
+          <a:xfrm>
+            <a:off x="2989866" y="4899643"/>
+            <a:ext cx="461986" cy="646331"/>
+          </a:xfrm>
+          <a:prstGeom prst="rect">
+            <a:avLst/>
+          </a:prstGeom>
+          <a:noFill/>
+        </p:spPr>
+        <p:txBody>
+          <a:bodyPr wrap="none" rtlCol="0">
+            <a:spAutoFit/>
+          </a:bodyPr>
+          <a:lstStyle/>
+          <a:p>
+            <a:r>
+              <a:rPr lang="fr-FR" sz="3600" dirty="0">
+                <a:solidFill>
+                  <a:srgbClr val="FF0000"/>
+                </a:solidFill>
+                <a:latin typeface="Courier" pitchFamily="2" charset="0"/>
+              </a:rPr>
+              <a:t>*</a:t>
+            </a:r>
+          </a:p>
+        </p:txBody>
+      </p:sp>
+      <p:sp>
+        <p:nvSpPr>
+          <p:cNvPr id="106" name="ZoneTexte 105">
+            <a:extLst>
+              <a:ext uri="{FF2B5EF4-FFF2-40B4-BE49-F238E27FC236}">
+                <a16:creationId xmlns:a16="http://schemas.microsoft.com/office/drawing/2014/main" id="{95C9331F-3703-184E-BF78-E44FCB1FE30D}"/>
+              </a:ext>
+            </a:extLst>
+          </p:cNvPr>
+          <p:cNvSpPr txBox="1"/>
+          <p:nvPr/>
+        </p:nvSpPr>
+        <p:spPr>
+          <a:xfrm>
+            <a:off x="2660902" y="3716057"/>
+            <a:ext cx="461986" cy="646331"/>
+          </a:xfrm>
+          <a:prstGeom prst="rect">
+            <a:avLst/>
+          </a:prstGeom>
+          <a:noFill/>
+        </p:spPr>
+        <p:txBody>
+          <a:bodyPr wrap="none" rtlCol="0">
+            <a:spAutoFit/>
+          </a:bodyPr>
+          <a:lstStyle/>
+          <a:p>
+            <a:r>
+              <a:rPr lang="fr-FR" sz="3600" dirty="0">
+                <a:solidFill>
+                  <a:srgbClr val="FF0000"/>
+                </a:solidFill>
+                <a:latin typeface="Courier" pitchFamily="2" charset="0"/>
+              </a:rPr>
+              <a:t>*</a:t>
+            </a:r>
+          </a:p>
+        </p:txBody>
+      </p:sp>
+      <p:sp>
+        <p:nvSpPr>
+          <p:cNvPr id="107" name="ZoneTexte 106">
+            <a:extLst>
+              <a:ext uri="{FF2B5EF4-FFF2-40B4-BE49-F238E27FC236}">
+                <a16:creationId xmlns:a16="http://schemas.microsoft.com/office/drawing/2014/main" id="{53B1DDD8-09E9-BE43-ACB9-02A4DF075AFB}"/>
+              </a:ext>
+            </a:extLst>
+          </p:cNvPr>
+          <p:cNvSpPr txBox="1"/>
+          <p:nvPr/>
+        </p:nvSpPr>
+        <p:spPr>
+          <a:xfrm>
+            <a:off x="2494383" y="177726"/>
+            <a:ext cx="461986" cy="646331"/>
+          </a:xfrm>
+          <a:prstGeom prst="rect">
+            <a:avLst/>
+          </a:prstGeom>
+          <a:noFill/>
+        </p:spPr>
+        <p:txBody>
+          <a:bodyPr wrap="none" rtlCol="0">
+            <a:spAutoFit/>
+          </a:bodyPr>
+          <a:lstStyle/>
+          <a:p>
+            <a:r>
+              <a:rPr lang="fr-FR" sz="3600" dirty="0">
+                <a:solidFill>
+                  <a:srgbClr val="FF0000"/>
+                </a:solidFill>
+                <a:latin typeface="Courier" pitchFamily="2" charset="0"/>
+              </a:rPr>
+              <a:t>*</a:t>
+            </a:r>
+          </a:p>
+        </p:txBody>
+      </p:sp>
+      <p:sp>
+        <p:nvSpPr>
+          <p:cNvPr id="108" name="ZoneTexte 107">
+            <a:extLst>
+              <a:ext uri="{FF2B5EF4-FFF2-40B4-BE49-F238E27FC236}">
+                <a16:creationId xmlns:a16="http://schemas.microsoft.com/office/drawing/2014/main" id="{2858BB4C-36B5-3A47-8C66-9A0B1F55ACF0}"/>
+              </a:ext>
+            </a:extLst>
+          </p:cNvPr>
+          <p:cNvSpPr txBox="1"/>
+          <p:nvPr/>
+        </p:nvSpPr>
+        <p:spPr>
+          <a:xfrm>
+            <a:off x="2793103" y="1342271"/>
+            <a:ext cx="461986" cy="646331"/>
+          </a:xfrm>
+          <a:prstGeom prst="rect">
+            <a:avLst/>
+          </a:prstGeom>
+          <a:noFill/>
+        </p:spPr>
+        <p:txBody>
+          <a:bodyPr wrap="none" rtlCol="0">
+            <a:spAutoFit/>
+          </a:bodyPr>
+          <a:lstStyle/>
+          <a:p>
+            <a:r>
+              <a:rPr lang="fr-FR" sz="3600" dirty="0">
+                <a:solidFill>
+                  <a:srgbClr val="FF0000"/>
+                </a:solidFill>
+                <a:latin typeface="Courier" pitchFamily="2" charset="0"/>
+              </a:rPr>
+              <a:t>*</a:t>
+            </a:r>
+          </a:p>
+        </p:txBody>
+      </p:sp>
+      <p:sp>
+        <p:nvSpPr>
+          <p:cNvPr id="110" name="ZoneTexte 109">
+            <a:extLst>
+              <a:ext uri="{FF2B5EF4-FFF2-40B4-BE49-F238E27FC236}">
+                <a16:creationId xmlns:a16="http://schemas.microsoft.com/office/drawing/2014/main" id="{1A42107D-2BB2-7347-94DF-29ED2B00445B}"/>
+              </a:ext>
+            </a:extLst>
+          </p:cNvPr>
+          <p:cNvSpPr txBox="1"/>
+          <p:nvPr/>
+        </p:nvSpPr>
+        <p:spPr>
+          <a:xfrm rot="16200000">
+            <a:off x="3890296" y="896853"/>
+            <a:ext cx="793807" cy="307777"/>
+          </a:xfrm>
+          <a:prstGeom prst="rect">
+            <a:avLst/>
+          </a:prstGeom>
+          <a:noFill/>
+        </p:spPr>
+        <p:txBody>
+          <a:bodyPr wrap="none" rtlCol="0">
+            <a:spAutoFit/>
+          </a:bodyPr>
+          <a:lstStyle/>
+          <a:p>
+            <a:r>
+              <a:rPr lang="fr-FR" sz="1400" dirty="0" err="1">
                 <a:latin typeface="Arial" panose="020B0604020202020204" pitchFamily="34" charset="0"/>
                 <a:cs typeface="Arial" panose="020B0604020202020204" pitchFamily="34" charset="0"/>
               </a:rPr>
-              <a:t>ORF   </a:t>
-            </a:r>
-            <a:r>
-              <a:rPr lang="fr-FR" sz="1400" b="1" i="1" dirty="0" err="1">
-                <a:latin typeface="Arial" panose="020B0604020202020204" pitchFamily="34" charset="0"/>
-                <a:cs typeface="Arial" panose="020B0604020202020204" pitchFamily="34" charset="0"/>
-              </a:rPr>
-              <a:t>nc_same_ovp_tRNA</a:t>
-            </a:r>
-            <a:r>
-              <a:rPr lang="fr-FR" sz="1400" b="1" i="1" dirty="0">
-                <a:latin typeface="Arial" panose="020B0604020202020204" pitchFamily="34" charset="0"/>
-                <a:cs typeface="Arial" panose="020B0604020202020204" pitchFamily="34" charset="0"/>
-              </a:rPr>
-              <a:t> (3)</a:t>
-            </a:r>
-          </a:p>
-        </p:txBody>
-      </p:sp>
-      <p:sp>
-        <p:nvSpPr>
-          <p:cNvPr id="95" name="Rectangle 94">
-            <a:extLst>
-              <a:ext uri="{FF2B5EF4-FFF2-40B4-BE49-F238E27FC236}">
-                <a16:creationId xmlns:a16="http://schemas.microsoft.com/office/drawing/2014/main" id="{A0B47E09-71F2-5E49-85AF-42B575D9CC0A}"/>
+              <a:t>lncRNA</a:t>
+            </a:r>
+            <a:endParaRPr lang="fr-FR" sz="1400" dirty="0">
+              <a:latin typeface="Arial" panose="020B0604020202020204" pitchFamily="34" charset="0"/>
+              <a:cs typeface="Arial" panose="020B0604020202020204" pitchFamily="34" charset="0"/>
+            </a:endParaRPr>
+          </a:p>
+        </p:txBody>
+      </p:sp>
+      <p:sp>
+        <p:nvSpPr>
+          <p:cNvPr id="111" name="Rectangle 110">
+            <a:extLst>
+              <a:ext uri="{FF2B5EF4-FFF2-40B4-BE49-F238E27FC236}">
+                <a16:creationId xmlns:a16="http://schemas.microsoft.com/office/drawing/2014/main" id="{43F077E7-9582-0346-B012-CB54FBD1824C}"/>
               </a:ext>
             </a:extLst>
           </p:cNvPr>
@@ -19074,14 +20151,18 @@
         </p:nvSpPr>
         <p:spPr>
           <a:xfrm>
-            <a:off x="7838738" y="164193"/>
-            <a:ext cx="4219131" cy="6613108"/>
+            <a:off x="4503199" y="200561"/>
+            <a:ext cx="945607" cy="3007502"/>
           </a:xfrm>
           <a:prstGeom prst="rect">
             <a:avLst/>
           </a:prstGeom>
           <a:solidFill>
-            <a:schemeClr val="bg1"/>
+            <a:schemeClr val="accent6">
+              <a:lumMod val="40000"/>
+              <a:lumOff val="60000"/>
+              <a:alpha val="46000"/>
+            </a:schemeClr>
           </a:solidFill>
           <a:ln>
             <a:noFill/>
@@ -19112,6 +20193,1225 @@
           </a:p>
         </p:txBody>
       </p:sp>
+      <p:sp>
+        <p:nvSpPr>
+          <p:cNvPr id="113" name="ZoneTexte 112">
+            <a:extLst>
+              <a:ext uri="{FF2B5EF4-FFF2-40B4-BE49-F238E27FC236}">
+                <a16:creationId xmlns:a16="http://schemas.microsoft.com/office/drawing/2014/main" id="{CAFDBF04-BDD4-A74E-8403-C494724EB78F}"/>
+              </a:ext>
+            </a:extLst>
+          </p:cNvPr>
+          <p:cNvSpPr txBox="1"/>
+          <p:nvPr/>
+        </p:nvSpPr>
+        <p:spPr>
+          <a:xfrm>
+            <a:off x="9912215" y="5027395"/>
+            <a:ext cx="564578" cy="307777"/>
+          </a:xfrm>
+          <a:prstGeom prst="rect">
+            <a:avLst/>
+          </a:prstGeom>
+          <a:noFill/>
+        </p:spPr>
+        <p:txBody>
+          <a:bodyPr wrap="none" rtlCol="0">
+            <a:spAutoFit/>
+          </a:bodyPr>
+          <a:lstStyle/>
+          <a:p>
+            <a:r>
+              <a:rPr lang="fr-FR" sz="1400" dirty="0">
+                <a:latin typeface="Arial" panose="020B0604020202020204" pitchFamily="34" charset="0"/>
+                <a:cs typeface="Arial" panose="020B0604020202020204" pitchFamily="34" charset="0"/>
+              </a:rPr>
+              <a:t>CDS</a:t>
+            </a:r>
+          </a:p>
+        </p:txBody>
+      </p:sp>
+      <p:sp>
+        <p:nvSpPr>
+          <p:cNvPr id="117" name="Accolade fermante 116">
+            <a:extLst>
+              <a:ext uri="{FF2B5EF4-FFF2-40B4-BE49-F238E27FC236}">
+                <a16:creationId xmlns:a16="http://schemas.microsoft.com/office/drawing/2014/main" id="{73FC8487-1DFA-E94A-B9A8-F2045503BB3C}"/>
+              </a:ext>
+            </a:extLst>
+          </p:cNvPr>
+          <p:cNvSpPr/>
+          <p:nvPr/>
+        </p:nvSpPr>
+        <p:spPr>
+          <a:xfrm rot="5400000">
+            <a:off x="8522473" y="380291"/>
+            <a:ext cx="302422" cy="945608"/>
+          </a:xfrm>
+          <a:prstGeom prst="rightBrace">
+            <a:avLst>
+              <a:gd name="adj1" fmla="val 36934"/>
+              <a:gd name="adj2" fmla="val 50000"/>
+            </a:avLst>
+          </a:prstGeom>
+        </p:spPr>
+        <p:style>
+          <a:lnRef idx="1">
+            <a:schemeClr val="dk1"/>
+          </a:lnRef>
+          <a:fillRef idx="0">
+            <a:schemeClr val="dk1"/>
+          </a:fillRef>
+          <a:effectRef idx="0">
+            <a:schemeClr val="dk1"/>
+          </a:effectRef>
+          <a:fontRef idx="minor">
+            <a:schemeClr val="tx1"/>
+          </a:fontRef>
+        </p:style>
+        <p:txBody>
+          <a:bodyPr rtlCol="0" anchor="ctr"/>
+          <a:lstStyle/>
+          <a:p>
+            <a:pPr algn="ctr"/>
+            <a:endParaRPr lang="fr-FR"/>
+          </a:p>
+        </p:txBody>
+      </p:sp>
+      <p:sp>
+        <p:nvSpPr>
+          <p:cNvPr id="118" name="ZoneTexte 117">
+            <a:extLst>
+              <a:ext uri="{FF2B5EF4-FFF2-40B4-BE49-F238E27FC236}">
+                <a16:creationId xmlns:a16="http://schemas.microsoft.com/office/drawing/2014/main" id="{B2FC6C3A-96A4-0D43-864F-558EFD3B4A29}"/>
+              </a:ext>
+            </a:extLst>
+          </p:cNvPr>
+          <p:cNvSpPr txBox="1"/>
+          <p:nvPr/>
+        </p:nvSpPr>
+        <p:spPr>
+          <a:xfrm>
+            <a:off x="8117683" y="995603"/>
+            <a:ext cx="2696316" cy="307777"/>
+          </a:xfrm>
+          <a:prstGeom prst="rect">
+            <a:avLst/>
+          </a:prstGeom>
+          <a:noFill/>
+        </p:spPr>
+        <p:txBody>
+          <a:bodyPr wrap="none" rtlCol="0">
+            <a:spAutoFit/>
+          </a:bodyPr>
+          <a:lstStyle/>
+          <a:p>
+            <a:r>
+              <a:rPr lang="fr-FR" sz="1400" dirty="0">
+                <a:latin typeface="Arial" panose="020B0604020202020204" pitchFamily="34" charset="0"/>
+                <a:cs typeface="Arial" panose="020B0604020202020204" pitchFamily="34" charset="0"/>
+              </a:rPr>
+              <a:t>ORF </a:t>
+            </a:r>
+            <a:r>
+              <a:rPr lang="fr-FR" sz="1400" i="1" dirty="0" err="1">
+                <a:latin typeface="Arial" panose="020B0604020202020204" pitchFamily="34" charset="0"/>
+                <a:cs typeface="Arial" panose="020B0604020202020204" pitchFamily="34" charset="0"/>
+              </a:rPr>
+              <a:t>nc_same_ovp_lncRNA</a:t>
+            </a:r>
+            <a:r>
+              <a:rPr lang="fr-FR" sz="1400" i="1" dirty="0">
+                <a:latin typeface="Arial" panose="020B0604020202020204" pitchFamily="34" charset="0"/>
+                <a:cs typeface="Arial" panose="020B0604020202020204" pitchFamily="34" charset="0"/>
+              </a:rPr>
+              <a:t> (3)</a:t>
+            </a:r>
+          </a:p>
+        </p:txBody>
+      </p:sp>
+      <p:sp>
+        <p:nvSpPr>
+          <p:cNvPr id="119" name="ZoneTexte 118">
+            <a:extLst>
+              <a:ext uri="{FF2B5EF4-FFF2-40B4-BE49-F238E27FC236}">
+                <a16:creationId xmlns:a16="http://schemas.microsoft.com/office/drawing/2014/main" id="{832F3199-A037-8F4B-A8F8-03DBA33C649E}"/>
+              </a:ext>
+            </a:extLst>
+          </p:cNvPr>
+          <p:cNvSpPr txBox="1"/>
+          <p:nvPr/>
+        </p:nvSpPr>
+        <p:spPr>
+          <a:xfrm>
+            <a:off x="8176053" y="4498546"/>
+            <a:ext cx="2507161" cy="307777"/>
+          </a:xfrm>
+          <a:prstGeom prst="rect">
+            <a:avLst/>
+          </a:prstGeom>
+          <a:noFill/>
+        </p:spPr>
+        <p:txBody>
+          <a:bodyPr wrap="none" rtlCol="0">
+            <a:spAutoFit/>
+          </a:bodyPr>
+          <a:lstStyle/>
+          <a:p>
+            <a:r>
+              <a:rPr lang="fr-FR" sz="1400" dirty="0">
+                <a:latin typeface="Arial" panose="020B0604020202020204" pitchFamily="34" charset="0"/>
+                <a:cs typeface="Arial" panose="020B0604020202020204" pitchFamily="34" charset="0"/>
+              </a:rPr>
+              <a:t>ORF </a:t>
+            </a:r>
+            <a:r>
+              <a:rPr lang="fr-FR" sz="1400" i="1" dirty="0" err="1">
+                <a:latin typeface="Arial" panose="020B0604020202020204" pitchFamily="34" charset="0"/>
+                <a:cs typeface="Arial" panose="020B0604020202020204" pitchFamily="34" charset="0"/>
+              </a:rPr>
+              <a:t>nc_same_ovp_tRNA</a:t>
+            </a:r>
+            <a:r>
+              <a:rPr lang="fr-FR" sz="1400" i="1" dirty="0">
+                <a:latin typeface="Arial" panose="020B0604020202020204" pitchFamily="34" charset="0"/>
+                <a:cs typeface="Arial" panose="020B0604020202020204" pitchFamily="34" charset="0"/>
+              </a:rPr>
+              <a:t> (3)</a:t>
+            </a:r>
+          </a:p>
+        </p:txBody>
+      </p:sp>
+      <p:sp>
+        <p:nvSpPr>
+          <p:cNvPr id="125" name="Accolade fermante 124">
+            <a:extLst>
+              <a:ext uri="{FF2B5EF4-FFF2-40B4-BE49-F238E27FC236}">
+                <a16:creationId xmlns:a16="http://schemas.microsoft.com/office/drawing/2014/main" id="{6FD736A2-C9D3-D04A-8D66-DFA0D3621DB8}"/>
+              </a:ext>
+            </a:extLst>
+          </p:cNvPr>
+          <p:cNvSpPr/>
+          <p:nvPr/>
+        </p:nvSpPr>
+        <p:spPr>
+          <a:xfrm rot="5400000">
+            <a:off x="4965258" y="1458088"/>
+            <a:ext cx="302422" cy="1079928"/>
+          </a:xfrm>
+          <a:prstGeom prst="rightBrace">
+            <a:avLst>
+              <a:gd name="adj1" fmla="val 36934"/>
+              <a:gd name="adj2" fmla="val 50000"/>
+            </a:avLst>
+          </a:prstGeom>
+          <a:ln w="15875"/>
+        </p:spPr>
+        <p:style>
+          <a:lnRef idx="1">
+            <a:schemeClr val="dk1"/>
+          </a:lnRef>
+          <a:fillRef idx="0">
+            <a:schemeClr val="dk1"/>
+          </a:fillRef>
+          <a:effectRef idx="0">
+            <a:schemeClr val="dk1"/>
+          </a:effectRef>
+          <a:fontRef idx="minor">
+            <a:schemeClr val="tx1"/>
+          </a:fontRef>
+        </p:style>
+        <p:txBody>
+          <a:bodyPr rtlCol="0" anchor="ctr"/>
+          <a:lstStyle/>
+          <a:p>
+            <a:pPr algn="ctr"/>
+            <a:endParaRPr lang="fr-FR"/>
+          </a:p>
+        </p:txBody>
+      </p:sp>
+      <p:sp>
+        <p:nvSpPr>
+          <p:cNvPr id="126" name="ZoneTexte 125">
+            <a:extLst>
+              <a:ext uri="{FF2B5EF4-FFF2-40B4-BE49-F238E27FC236}">
+                <a16:creationId xmlns:a16="http://schemas.microsoft.com/office/drawing/2014/main" id="{A36550C5-F885-0148-9622-85EBDC27BB3E}"/>
+              </a:ext>
+            </a:extLst>
+          </p:cNvPr>
+          <p:cNvSpPr txBox="1"/>
+          <p:nvPr/>
+        </p:nvSpPr>
+        <p:spPr>
+          <a:xfrm>
+            <a:off x="4661416" y="2183901"/>
+            <a:ext cx="2754024" cy="307777"/>
+          </a:xfrm>
+          <a:prstGeom prst="rect">
+            <a:avLst/>
+          </a:prstGeom>
+          <a:noFill/>
+        </p:spPr>
+        <p:txBody>
+          <a:bodyPr wrap="none" rtlCol="0">
+            <a:spAutoFit/>
+          </a:bodyPr>
+          <a:lstStyle/>
+          <a:p>
+            <a:r>
+              <a:rPr lang="fr-FR" sz="1400" b="1" dirty="0">
+                <a:latin typeface="Arial" panose="020B0604020202020204" pitchFamily="34" charset="0"/>
+                <a:cs typeface="Arial" panose="020B0604020202020204" pitchFamily="34" charset="0"/>
+              </a:rPr>
+              <a:t>ORF  </a:t>
+            </a:r>
+            <a:r>
+              <a:rPr lang="fr-FR" sz="1400" b="1" i="1" dirty="0" err="1">
+                <a:latin typeface="Arial" panose="020B0604020202020204" pitchFamily="34" charset="0"/>
+                <a:cs typeface="Arial" panose="020B0604020202020204" pitchFamily="34" charset="0"/>
+              </a:rPr>
+              <a:t>nc_same_ovp_lnRNA</a:t>
+            </a:r>
+            <a:r>
+              <a:rPr lang="fr-FR" sz="1400" b="1" i="1" dirty="0">
+                <a:latin typeface="Arial" panose="020B0604020202020204" pitchFamily="34" charset="0"/>
+                <a:cs typeface="Arial" panose="020B0604020202020204" pitchFamily="34" charset="0"/>
+              </a:rPr>
+              <a:t> (3)</a:t>
+            </a:r>
+          </a:p>
+        </p:txBody>
+      </p:sp>
+      <p:sp>
+        <p:nvSpPr>
+          <p:cNvPr id="129" name="Accolade fermante 128">
+            <a:extLst>
+              <a:ext uri="{FF2B5EF4-FFF2-40B4-BE49-F238E27FC236}">
+                <a16:creationId xmlns:a16="http://schemas.microsoft.com/office/drawing/2014/main" id="{F139F93F-5A35-7A4C-91C3-06CD3A75F73B}"/>
+              </a:ext>
+            </a:extLst>
+          </p:cNvPr>
+          <p:cNvSpPr/>
+          <p:nvPr/>
+        </p:nvSpPr>
+        <p:spPr>
+          <a:xfrm rot="5400000">
+            <a:off x="9977715" y="1315879"/>
+            <a:ext cx="302422" cy="1357832"/>
+          </a:xfrm>
+          <a:prstGeom prst="rightBrace">
+            <a:avLst>
+              <a:gd name="adj1" fmla="val 36934"/>
+              <a:gd name="adj2" fmla="val 50000"/>
+            </a:avLst>
+          </a:prstGeom>
+        </p:spPr>
+        <p:style>
+          <a:lnRef idx="1">
+            <a:schemeClr val="dk1"/>
+          </a:lnRef>
+          <a:fillRef idx="0">
+            <a:schemeClr val="dk1"/>
+          </a:fillRef>
+          <a:effectRef idx="0">
+            <a:schemeClr val="dk1"/>
+          </a:effectRef>
+          <a:fontRef idx="minor">
+            <a:schemeClr val="tx1"/>
+          </a:fontRef>
+        </p:style>
+        <p:txBody>
+          <a:bodyPr rtlCol="0" anchor="ctr"/>
+          <a:lstStyle/>
+          <a:p>
+            <a:pPr algn="ctr"/>
+            <a:endParaRPr lang="fr-FR"/>
+          </a:p>
+        </p:txBody>
+      </p:sp>
+      <p:sp>
+        <p:nvSpPr>
+          <p:cNvPr id="130" name="ZoneTexte 129">
+            <a:extLst>
+              <a:ext uri="{FF2B5EF4-FFF2-40B4-BE49-F238E27FC236}">
+                <a16:creationId xmlns:a16="http://schemas.microsoft.com/office/drawing/2014/main" id="{BF529B4B-6F99-2341-8C4D-210C1F410AEC}"/>
+              </a:ext>
+            </a:extLst>
+          </p:cNvPr>
+          <p:cNvSpPr txBox="1"/>
+          <p:nvPr/>
+        </p:nvSpPr>
+        <p:spPr>
+          <a:xfrm>
+            <a:off x="9335479" y="2211396"/>
+            <a:ext cx="2334293" cy="307777"/>
+          </a:xfrm>
+          <a:prstGeom prst="rect">
+            <a:avLst/>
+          </a:prstGeom>
+          <a:noFill/>
+        </p:spPr>
+        <p:txBody>
+          <a:bodyPr wrap="none" rtlCol="0">
+            <a:spAutoFit/>
+          </a:bodyPr>
+          <a:lstStyle/>
+          <a:p>
+            <a:r>
+              <a:rPr lang="fr-FR" sz="1400" dirty="0">
+                <a:latin typeface="Arial" panose="020B0604020202020204" pitchFamily="34" charset="0"/>
+                <a:cs typeface="Arial" panose="020B0604020202020204" pitchFamily="34" charset="0"/>
+              </a:rPr>
+              <a:t>ORF </a:t>
+            </a:r>
+            <a:r>
+              <a:rPr lang="fr-FR" sz="1400" i="1" dirty="0" err="1">
+                <a:latin typeface="Arial" panose="020B0604020202020204" pitchFamily="34" charset="0"/>
+                <a:cs typeface="Arial" panose="020B0604020202020204" pitchFamily="34" charset="0"/>
+              </a:rPr>
+              <a:t>nc_opp_ovp_CDS</a:t>
+            </a:r>
+            <a:r>
+              <a:rPr lang="fr-FR" sz="1400" i="1" dirty="0">
+                <a:latin typeface="Arial" panose="020B0604020202020204" pitchFamily="34" charset="0"/>
+                <a:cs typeface="Arial" panose="020B0604020202020204" pitchFamily="34" charset="0"/>
+              </a:rPr>
+              <a:t> (4)</a:t>
+            </a:r>
+          </a:p>
+        </p:txBody>
+      </p:sp>
+      <p:sp>
+        <p:nvSpPr>
+          <p:cNvPr id="131" name="Accolade fermante 130">
+            <a:extLst>
+              <a:ext uri="{FF2B5EF4-FFF2-40B4-BE49-F238E27FC236}">
+                <a16:creationId xmlns:a16="http://schemas.microsoft.com/office/drawing/2014/main" id="{72B7784D-E708-1C40-A3CB-CE3951227885}"/>
+              </a:ext>
+            </a:extLst>
+          </p:cNvPr>
+          <p:cNvSpPr/>
+          <p:nvPr/>
+        </p:nvSpPr>
+        <p:spPr>
+          <a:xfrm rot="5400000">
+            <a:off x="10263341" y="4481588"/>
+            <a:ext cx="302422" cy="2358347"/>
+          </a:xfrm>
+          <a:prstGeom prst="rightBrace">
+            <a:avLst>
+              <a:gd name="adj1" fmla="val 36934"/>
+              <a:gd name="adj2" fmla="val 50000"/>
+            </a:avLst>
+          </a:prstGeom>
+        </p:spPr>
+        <p:style>
+          <a:lnRef idx="1">
+            <a:schemeClr val="dk1"/>
+          </a:lnRef>
+          <a:fillRef idx="0">
+            <a:schemeClr val="dk1"/>
+          </a:fillRef>
+          <a:effectRef idx="0">
+            <a:schemeClr val="dk1"/>
+          </a:effectRef>
+          <a:fontRef idx="minor">
+            <a:schemeClr val="tx1"/>
+          </a:fontRef>
+        </p:style>
+        <p:txBody>
+          <a:bodyPr rtlCol="0" anchor="ctr"/>
+          <a:lstStyle/>
+          <a:p>
+            <a:pPr algn="ctr"/>
+            <a:endParaRPr lang="fr-FR"/>
+          </a:p>
+        </p:txBody>
+      </p:sp>
+      <p:sp>
+        <p:nvSpPr>
+          <p:cNvPr id="132" name="ZoneTexte 131">
+            <a:extLst>
+              <a:ext uri="{FF2B5EF4-FFF2-40B4-BE49-F238E27FC236}">
+                <a16:creationId xmlns:a16="http://schemas.microsoft.com/office/drawing/2014/main" id="{7093E4D4-E11F-6449-897E-A36B8A48FF7E}"/>
+              </a:ext>
+            </a:extLst>
+          </p:cNvPr>
+          <p:cNvSpPr txBox="1"/>
+          <p:nvPr/>
+        </p:nvSpPr>
+        <p:spPr>
+          <a:xfrm>
+            <a:off x="9898829" y="5811908"/>
+            <a:ext cx="1449436" cy="307777"/>
+          </a:xfrm>
+          <a:prstGeom prst="rect">
+            <a:avLst/>
+          </a:prstGeom>
+          <a:noFill/>
+        </p:spPr>
+        <p:txBody>
+          <a:bodyPr wrap="none" rtlCol="0">
+            <a:spAutoFit/>
+          </a:bodyPr>
+          <a:lstStyle/>
+          <a:p>
+            <a:r>
+              <a:rPr lang="fr-FR" sz="1400" dirty="0">
+                <a:latin typeface="Arial" panose="020B0604020202020204" pitchFamily="34" charset="0"/>
+                <a:cs typeface="Arial" panose="020B0604020202020204" pitchFamily="34" charset="0"/>
+              </a:rPr>
+              <a:t>ORF </a:t>
+            </a:r>
+            <a:r>
+              <a:rPr lang="fr-FR" sz="1400" i="1" dirty="0" err="1">
+                <a:latin typeface="Arial" panose="020B0604020202020204" pitchFamily="34" charset="0"/>
+                <a:cs typeface="Arial" panose="020B0604020202020204" pitchFamily="34" charset="0"/>
+              </a:rPr>
+              <a:t>c_CDS</a:t>
+            </a:r>
+            <a:r>
+              <a:rPr lang="fr-FR" sz="1400" i="1" dirty="0">
+                <a:latin typeface="Arial" panose="020B0604020202020204" pitchFamily="34" charset="0"/>
+                <a:cs typeface="Arial" panose="020B0604020202020204" pitchFamily="34" charset="0"/>
+              </a:rPr>
+              <a:t> (1)</a:t>
+            </a:r>
+          </a:p>
+        </p:txBody>
+      </p:sp>
+      <p:sp>
+        <p:nvSpPr>
+          <p:cNvPr id="133" name="ZoneTexte 132">
+            <a:extLst>
+              <a:ext uri="{FF2B5EF4-FFF2-40B4-BE49-F238E27FC236}">
+                <a16:creationId xmlns:a16="http://schemas.microsoft.com/office/drawing/2014/main" id="{CAAD6D49-8971-9C4E-BB0E-9EF2A32A192D}"/>
+              </a:ext>
+            </a:extLst>
+          </p:cNvPr>
+          <p:cNvSpPr txBox="1"/>
+          <p:nvPr/>
+        </p:nvSpPr>
+        <p:spPr>
+          <a:xfrm>
+            <a:off x="5502088" y="4899459"/>
+            <a:ext cx="461986" cy="646331"/>
+          </a:xfrm>
+          <a:prstGeom prst="rect">
+            <a:avLst/>
+          </a:prstGeom>
+          <a:noFill/>
+        </p:spPr>
+        <p:txBody>
+          <a:bodyPr wrap="none" rtlCol="0">
+            <a:spAutoFit/>
+          </a:bodyPr>
+          <a:lstStyle/>
+          <a:p>
+            <a:r>
+              <a:rPr lang="fr-FR" sz="3600" dirty="0">
+                <a:solidFill>
+                  <a:srgbClr val="FF0000"/>
+                </a:solidFill>
+                <a:latin typeface="Courier" pitchFamily="2" charset="0"/>
+              </a:rPr>
+              <a:t>*</a:t>
+            </a:r>
+          </a:p>
+        </p:txBody>
+      </p:sp>
+      <p:sp>
+        <p:nvSpPr>
+          <p:cNvPr id="134" name="ZoneTexte 133">
+            <a:extLst>
+              <a:ext uri="{FF2B5EF4-FFF2-40B4-BE49-F238E27FC236}">
+                <a16:creationId xmlns:a16="http://schemas.microsoft.com/office/drawing/2014/main" id="{FE1E4669-7379-4940-BB44-C67192B51990}"/>
+              </a:ext>
+            </a:extLst>
+          </p:cNvPr>
+          <p:cNvSpPr txBox="1"/>
+          <p:nvPr/>
+        </p:nvSpPr>
+        <p:spPr>
+          <a:xfrm>
+            <a:off x="6410322" y="6050343"/>
+            <a:ext cx="461986" cy="646331"/>
+          </a:xfrm>
+          <a:prstGeom prst="rect">
+            <a:avLst/>
+          </a:prstGeom>
+          <a:noFill/>
+        </p:spPr>
+        <p:txBody>
+          <a:bodyPr wrap="none" rtlCol="0">
+            <a:spAutoFit/>
+          </a:bodyPr>
+          <a:lstStyle/>
+          <a:p>
+            <a:r>
+              <a:rPr lang="fr-FR" sz="3600" dirty="0">
+                <a:solidFill>
+                  <a:srgbClr val="FF0000"/>
+                </a:solidFill>
+                <a:latin typeface="Courier" pitchFamily="2" charset="0"/>
+              </a:rPr>
+              <a:t>*</a:t>
+            </a:r>
+          </a:p>
+        </p:txBody>
+      </p:sp>
+      <p:sp>
+        <p:nvSpPr>
+          <p:cNvPr id="135" name="ZoneTexte 134">
+            <a:extLst>
+              <a:ext uri="{FF2B5EF4-FFF2-40B4-BE49-F238E27FC236}">
+                <a16:creationId xmlns:a16="http://schemas.microsoft.com/office/drawing/2014/main" id="{F43A22EF-D6F0-4849-AC42-2B5CD95816FD}"/>
+              </a:ext>
+            </a:extLst>
+          </p:cNvPr>
+          <p:cNvSpPr txBox="1"/>
+          <p:nvPr/>
+        </p:nvSpPr>
+        <p:spPr>
+          <a:xfrm>
+            <a:off x="6867520" y="6047479"/>
+            <a:ext cx="461986" cy="646331"/>
+          </a:xfrm>
+          <a:prstGeom prst="rect">
+            <a:avLst/>
+          </a:prstGeom>
+          <a:noFill/>
+        </p:spPr>
+        <p:txBody>
+          <a:bodyPr wrap="none" rtlCol="0">
+            <a:spAutoFit/>
+          </a:bodyPr>
+          <a:lstStyle/>
+          <a:p>
+            <a:r>
+              <a:rPr lang="fr-FR" sz="3600" dirty="0">
+                <a:solidFill>
+                  <a:srgbClr val="FF0000"/>
+                </a:solidFill>
+                <a:latin typeface="Courier" pitchFamily="2" charset="0"/>
+              </a:rPr>
+              <a:t>*</a:t>
+            </a:r>
+          </a:p>
+        </p:txBody>
+      </p:sp>
+      <p:sp>
+        <p:nvSpPr>
+          <p:cNvPr id="136" name="ZoneTexte 135">
+            <a:extLst>
+              <a:ext uri="{FF2B5EF4-FFF2-40B4-BE49-F238E27FC236}">
+                <a16:creationId xmlns:a16="http://schemas.microsoft.com/office/drawing/2014/main" id="{1D01E4B2-E6C1-CC47-BD5E-DD0A47C60628}"/>
+              </a:ext>
+            </a:extLst>
+          </p:cNvPr>
+          <p:cNvSpPr txBox="1"/>
+          <p:nvPr/>
+        </p:nvSpPr>
+        <p:spPr>
+          <a:xfrm>
+            <a:off x="6786415" y="3706808"/>
+            <a:ext cx="461986" cy="646331"/>
+          </a:xfrm>
+          <a:prstGeom prst="rect">
+            <a:avLst/>
+          </a:prstGeom>
+          <a:noFill/>
+        </p:spPr>
+        <p:txBody>
+          <a:bodyPr wrap="none" rtlCol="0">
+            <a:spAutoFit/>
+          </a:bodyPr>
+          <a:lstStyle/>
+          <a:p>
+            <a:r>
+              <a:rPr lang="fr-FR" sz="3600" dirty="0">
+                <a:solidFill>
+                  <a:srgbClr val="FF0000"/>
+                </a:solidFill>
+                <a:latin typeface="Courier" pitchFamily="2" charset="0"/>
+              </a:rPr>
+              <a:t>*</a:t>
+            </a:r>
+          </a:p>
+        </p:txBody>
+      </p:sp>
+      <p:sp>
+        <p:nvSpPr>
+          <p:cNvPr id="137" name="ZoneTexte 136">
+            <a:extLst>
+              <a:ext uri="{FF2B5EF4-FFF2-40B4-BE49-F238E27FC236}">
+                <a16:creationId xmlns:a16="http://schemas.microsoft.com/office/drawing/2014/main" id="{DAD225FB-5DF6-0440-AC36-AE9A45DD50DE}"/>
+              </a:ext>
+            </a:extLst>
+          </p:cNvPr>
+          <p:cNvSpPr txBox="1"/>
+          <p:nvPr/>
+        </p:nvSpPr>
+        <p:spPr>
+          <a:xfrm>
+            <a:off x="2881935" y="6056729"/>
+            <a:ext cx="461986" cy="646331"/>
+          </a:xfrm>
+          <a:prstGeom prst="rect">
+            <a:avLst/>
+          </a:prstGeom>
+          <a:noFill/>
+        </p:spPr>
+        <p:txBody>
+          <a:bodyPr wrap="none" rtlCol="0">
+            <a:spAutoFit/>
+          </a:bodyPr>
+          <a:lstStyle/>
+          <a:p>
+            <a:r>
+              <a:rPr lang="fr-FR" sz="3600" dirty="0">
+                <a:solidFill>
+                  <a:srgbClr val="FF0000"/>
+                </a:solidFill>
+                <a:latin typeface="Courier" pitchFamily="2" charset="0"/>
+              </a:rPr>
+              <a:t>*</a:t>
+            </a:r>
+          </a:p>
+        </p:txBody>
+      </p:sp>
+      <p:sp>
+        <p:nvSpPr>
+          <p:cNvPr id="138" name="ZoneTexte 137">
+            <a:extLst>
+              <a:ext uri="{FF2B5EF4-FFF2-40B4-BE49-F238E27FC236}">
+                <a16:creationId xmlns:a16="http://schemas.microsoft.com/office/drawing/2014/main" id="{171C112C-870F-0049-B2B7-C6BCBB4620B3}"/>
+              </a:ext>
+            </a:extLst>
+          </p:cNvPr>
+          <p:cNvSpPr txBox="1"/>
+          <p:nvPr/>
+        </p:nvSpPr>
+        <p:spPr>
+          <a:xfrm>
+            <a:off x="4862405" y="2541292"/>
+            <a:ext cx="461986" cy="646331"/>
+          </a:xfrm>
+          <a:prstGeom prst="rect">
+            <a:avLst/>
+          </a:prstGeom>
+          <a:noFill/>
+        </p:spPr>
+        <p:txBody>
+          <a:bodyPr wrap="none" rtlCol="0">
+            <a:spAutoFit/>
+          </a:bodyPr>
+          <a:lstStyle/>
+          <a:p>
+            <a:r>
+              <a:rPr lang="fr-FR" sz="3600" dirty="0">
+                <a:solidFill>
+                  <a:srgbClr val="FF0000"/>
+                </a:solidFill>
+                <a:latin typeface="Courier" pitchFamily="2" charset="0"/>
+              </a:rPr>
+              <a:t>*</a:t>
+            </a:r>
+          </a:p>
+        </p:txBody>
+      </p:sp>
+      <p:sp>
+        <p:nvSpPr>
+          <p:cNvPr id="140" name="ZoneTexte 139">
+            <a:extLst>
+              <a:ext uri="{FF2B5EF4-FFF2-40B4-BE49-F238E27FC236}">
+                <a16:creationId xmlns:a16="http://schemas.microsoft.com/office/drawing/2014/main" id="{9090E586-129D-6947-9952-A55A1880DA8C}"/>
+              </a:ext>
+            </a:extLst>
+          </p:cNvPr>
+          <p:cNvSpPr txBox="1"/>
+          <p:nvPr/>
+        </p:nvSpPr>
+        <p:spPr>
+          <a:xfrm>
+            <a:off x="6639933" y="181393"/>
+            <a:ext cx="461986" cy="646331"/>
+          </a:xfrm>
+          <a:prstGeom prst="rect">
+            <a:avLst/>
+          </a:prstGeom>
+          <a:noFill/>
+        </p:spPr>
+        <p:txBody>
+          <a:bodyPr wrap="none" rtlCol="0">
+            <a:spAutoFit/>
+          </a:bodyPr>
+          <a:lstStyle/>
+          <a:p>
+            <a:r>
+              <a:rPr lang="fr-FR" sz="3600" dirty="0">
+                <a:solidFill>
+                  <a:srgbClr val="FF0000"/>
+                </a:solidFill>
+                <a:latin typeface="Courier" pitchFamily="2" charset="0"/>
+              </a:rPr>
+              <a:t>*</a:t>
+            </a:r>
+          </a:p>
+        </p:txBody>
+      </p:sp>
+      <p:cxnSp>
+        <p:nvCxnSpPr>
+          <p:cNvPr id="98" name="Connecteur droit 97">
+            <a:extLst>
+              <a:ext uri="{FF2B5EF4-FFF2-40B4-BE49-F238E27FC236}">
+                <a16:creationId xmlns:a16="http://schemas.microsoft.com/office/drawing/2014/main" id="{A9F5682D-E2D0-E64E-B804-5D4F54062A05}"/>
+              </a:ext>
+            </a:extLst>
+          </p:cNvPr>
+          <p:cNvCxnSpPr>
+            <a:cxnSpLocks/>
+          </p:cNvCxnSpPr>
+          <p:nvPr/>
+        </p:nvCxnSpPr>
+        <p:spPr>
+          <a:xfrm flipH="1">
+            <a:off x="5197529" y="3626358"/>
+            <a:ext cx="0" cy="3052120"/>
+          </a:xfrm>
+          <a:prstGeom prst="line">
+            <a:avLst/>
+          </a:prstGeom>
+          <a:ln w="19050">
+            <a:prstDash val="sysDash"/>
+          </a:ln>
+        </p:spPr>
+        <p:style>
+          <a:lnRef idx="1">
+            <a:schemeClr val="dk1"/>
+          </a:lnRef>
+          <a:fillRef idx="0">
+            <a:schemeClr val="dk1"/>
+          </a:fillRef>
+          <a:effectRef idx="0">
+            <a:schemeClr val="dk1"/>
+          </a:effectRef>
+          <a:fontRef idx="minor">
+            <a:schemeClr val="tx1"/>
+          </a:fontRef>
+        </p:style>
+      </p:cxnSp>
+      <p:cxnSp>
+        <p:nvCxnSpPr>
+          <p:cNvPr id="99" name="Connecteur droit 98">
+            <a:extLst>
+              <a:ext uri="{FF2B5EF4-FFF2-40B4-BE49-F238E27FC236}">
+                <a16:creationId xmlns:a16="http://schemas.microsoft.com/office/drawing/2014/main" id="{FAF1F5C7-7C0D-D042-83A9-F33D2B2392FE}"/>
+              </a:ext>
+            </a:extLst>
+          </p:cNvPr>
+          <p:cNvCxnSpPr>
+            <a:cxnSpLocks/>
+          </p:cNvCxnSpPr>
+          <p:nvPr/>
+        </p:nvCxnSpPr>
+        <p:spPr>
+          <a:xfrm flipH="1">
+            <a:off x="4736209" y="3626358"/>
+            <a:ext cx="0" cy="3052120"/>
+          </a:xfrm>
+          <a:prstGeom prst="line">
+            <a:avLst/>
+          </a:prstGeom>
+          <a:ln w="19050">
+            <a:prstDash val="sysDash"/>
+          </a:ln>
+        </p:spPr>
+        <p:style>
+          <a:lnRef idx="1">
+            <a:schemeClr val="dk1"/>
+          </a:lnRef>
+          <a:fillRef idx="0">
+            <a:schemeClr val="dk1"/>
+          </a:fillRef>
+          <a:effectRef idx="0">
+            <a:schemeClr val="dk1"/>
+          </a:effectRef>
+          <a:fontRef idx="minor">
+            <a:schemeClr val="tx1"/>
+          </a:fontRef>
+        </p:style>
+      </p:cxnSp>
+      <p:sp>
+        <p:nvSpPr>
+          <p:cNvPr id="141" name="ZoneTexte 140">
+            <a:extLst>
+              <a:ext uri="{FF2B5EF4-FFF2-40B4-BE49-F238E27FC236}">
+                <a16:creationId xmlns:a16="http://schemas.microsoft.com/office/drawing/2014/main" id="{946599AF-9FDC-B34E-8B0A-D834E4FA6378}"/>
+              </a:ext>
+            </a:extLst>
+          </p:cNvPr>
+          <p:cNvSpPr txBox="1"/>
+          <p:nvPr/>
+        </p:nvSpPr>
+        <p:spPr>
+          <a:xfrm>
+            <a:off x="4336180" y="3683656"/>
+            <a:ext cx="461986" cy="646331"/>
+          </a:xfrm>
+          <a:prstGeom prst="rect">
+            <a:avLst/>
+          </a:prstGeom>
+          <a:noFill/>
+        </p:spPr>
+        <p:txBody>
+          <a:bodyPr wrap="none" rtlCol="0">
+            <a:spAutoFit/>
+          </a:bodyPr>
+          <a:lstStyle/>
+          <a:p>
+            <a:r>
+              <a:rPr lang="fr-FR" sz="3600" dirty="0">
+                <a:solidFill>
+                  <a:srgbClr val="FF0000"/>
+                </a:solidFill>
+                <a:latin typeface="Courier" pitchFamily="2" charset="0"/>
+              </a:rPr>
+              <a:t>*</a:t>
+            </a:r>
+          </a:p>
+        </p:txBody>
+      </p:sp>
+      <p:sp>
+        <p:nvSpPr>
+          <p:cNvPr id="142" name="ZoneTexte 141">
+            <a:extLst>
+              <a:ext uri="{FF2B5EF4-FFF2-40B4-BE49-F238E27FC236}">
+                <a16:creationId xmlns:a16="http://schemas.microsoft.com/office/drawing/2014/main" id="{0186CE17-A000-4A44-A40F-3A22A65BE7BD}"/>
+              </a:ext>
+            </a:extLst>
+          </p:cNvPr>
+          <p:cNvSpPr txBox="1"/>
+          <p:nvPr/>
+        </p:nvSpPr>
+        <p:spPr>
+          <a:xfrm>
+            <a:off x="4359370" y="4892035"/>
+            <a:ext cx="461986" cy="646331"/>
+          </a:xfrm>
+          <a:prstGeom prst="rect">
+            <a:avLst/>
+          </a:prstGeom>
+          <a:noFill/>
+        </p:spPr>
+        <p:txBody>
+          <a:bodyPr wrap="none" rtlCol="0">
+            <a:spAutoFit/>
+          </a:bodyPr>
+          <a:lstStyle/>
+          <a:p>
+            <a:r>
+              <a:rPr lang="fr-FR" sz="3600" dirty="0">
+                <a:solidFill>
+                  <a:srgbClr val="FF0000"/>
+                </a:solidFill>
+                <a:latin typeface="Courier" pitchFamily="2" charset="0"/>
+              </a:rPr>
+              <a:t>*</a:t>
+            </a:r>
+          </a:p>
+        </p:txBody>
+      </p:sp>
+      <p:sp>
+        <p:nvSpPr>
+          <p:cNvPr id="144" name="ZoneTexte 143">
+            <a:extLst>
+              <a:ext uri="{FF2B5EF4-FFF2-40B4-BE49-F238E27FC236}">
+                <a16:creationId xmlns:a16="http://schemas.microsoft.com/office/drawing/2014/main" id="{F4951BA2-CF37-A543-960E-8A42C22D17F5}"/>
+              </a:ext>
+            </a:extLst>
+          </p:cNvPr>
+          <p:cNvSpPr txBox="1"/>
+          <p:nvPr/>
+        </p:nvSpPr>
+        <p:spPr>
+          <a:xfrm>
+            <a:off x="4325593" y="6046968"/>
+            <a:ext cx="461986" cy="646331"/>
+          </a:xfrm>
+          <a:prstGeom prst="rect">
+            <a:avLst/>
+          </a:prstGeom>
+          <a:noFill/>
+        </p:spPr>
+        <p:txBody>
+          <a:bodyPr wrap="none" rtlCol="0">
+            <a:spAutoFit/>
+          </a:bodyPr>
+          <a:lstStyle/>
+          <a:p>
+            <a:r>
+              <a:rPr lang="fr-FR" sz="3600" dirty="0">
+                <a:solidFill>
+                  <a:srgbClr val="FF0000"/>
+                </a:solidFill>
+                <a:latin typeface="Courier" pitchFamily="2" charset="0"/>
+              </a:rPr>
+              <a:t>*</a:t>
+            </a:r>
+          </a:p>
+        </p:txBody>
+      </p:sp>
+      <p:sp>
+        <p:nvSpPr>
+          <p:cNvPr id="146" name="ZoneTexte 145">
+            <a:extLst>
+              <a:ext uri="{FF2B5EF4-FFF2-40B4-BE49-F238E27FC236}">
+                <a16:creationId xmlns:a16="http://schemas.microsoft.com/office/drawing/2014/main" id="{0E1C95C2-C728-0A49-84F7-5A660B7547D1}"/>
+              </a:ext>
+            </a:extLst>
+          </p:cNvPr>
+          <p:cNvSpPr txBox="1"/>
+          <p:nvPr/>
+        </p:nvSpPr>
+        <p:spPr>
+          <a:xfrm rot="16200000">
+            <a:off x="4233110" y="4555439"/>
+            <a:ext cx="614271" cy="307777"/>
+          </a:xfrm>
+          <a:prstGeom prst="rect">
+            <a:avLst/>
+          </a:prstGeom>
+          <a:noFill/>
+        </p:spPr>
+        <p:txBody>
+          <a:bodyPr wrap="none" rtlCol="0">
+            <a:spAutoFit/>
+          </a:bodyPr>
+          <a:lstStyle/>
+          <a:p>
+            <a:r>
+              <a:rPr lang="fr-FR" sz="1400" dirty="0" err="1">
+                <a:latin typeface="Arial" panose="020B0604020202020204" pitchFamily="34" charset="0"/>
+                <a:cs typeface="Arial" panose="020B0604020202020204" pitchFamily="34" charset="0"/>
+              </a:rPr>
+              <a:t>tRNA</a:t>
+            </a:r>
+            <a:endParaRPr lang="fr-FR" sz="1400" dirty="0">
+              <a:latin typeface="Arial" panose="020B0604020202020204" pitchFamily="34" charset="0"/>
+              <a:cs typeface="Arial" panose="020B0604020202020204" pitchFamily="34" charset="0"/>
+            </a:endParaRPr>
+          </a:p>
+        </p:txBody>
+      </p:sp>
+      <p:sp>
+        <p:nvSpPr>
+          <p:cNvPr id="147" name="Rectangle 146">
+            <a:extLst>
+              <a:ext uri="{FF2B5EF4-FFF2-40B4-BE49-F238E27FC236}">
+                <a16:creationId xmlns:a16="http://schemas.microsoft.com/office/drawing/2014/main" id="{D3F1F0FC-5D37-6A49-B19E-69EE3B3F2237}"/>
+              </a:ext>
+            </a:extLst>
+          </p:cNvPr>
+          <p:cNvSpPr/>
+          <p:nvPr/>
+        </p:nvSpPr>
+        <p:spPr>
+          <a:xfrm>
+            <a:off x="4762619" y="3618303"/>
+            <a:ext cx="424765" cy="3007502"/>
+          </a:xfrm>
+          <a:prstGeom prst="rect">
+            <a:avLst/>
+          </a:prstGeom>
+          <a:solidFill>
+            <a:schemeClr val="accent6">
+              <a:lumMod val="40000"/>
+              <a:lumOff val="60000"/>
+              <a:alpha val="46000"/>
+            </a:schemeClr>
+          </a:solidFill>
+          <a:ln>
+            <a:noFill/>
+          </a:ln>
+        </p:spPr>
+        <p:style>
+          <a:lnRef idx="2">
+            <a:schemeClr val="accent1">
+              <a:shade val="50000"/>
+            </a:schemeClr>
+          </a:lnRef>
+          <a:fillRef idx="1">
+            <a:schemeClr val="accent1"/>
+          </a:fillRef>
+          <a:effectRef idx="0">
+            <a:schemeClr val="accent1"/>
+          </a:effectRef>
+          <a:fontRef idx="minor">
+            <a:schemeClr val="lt1"/>
+          </a:fontRef>
+        </p:style>
+        <p:txBody>
+          <a:bodyPr rtlCol="0" anchor="ctr"/>
+          <a:lstStyle/>
+          <a:p>
+            <a:pPr algn="ctr"/>
+            <a:endParaRPr lang="fr-FR" dirty="0"/>
+          </a:p>
+        </p:txBody>
+      </p:sp>
+      <p:sp>
+        <p:nvSpPr>
+          <p:cNvPr id="149" name="Accolade fermante 148">
+            <a:extLst>
+              <a:ext uri="{FF2B5EF4-FFF2-40B4-BE49-F238E27FC236}">
+                <a16:creationId xmlns:a16="http://schemas.microsoft.com/office/drawing/2014/main" id="{2F568283-ECB5-8A42-B832-719EC1EA6008}"/>
+              </a:ext>
+            </a:extLst>
+          </p:cNvPr>
+          <p:cNvSpPr/>
+          <p:nvPr/>
+        </p:nvSpPr>
+        <p:spPr>
+          <a:xfrm rot="5400000">
+            <a:off x="4730733" y="5170540"/>
+            <a:ext cx="302422" cy="610879"/>
+          </a:xfrm>
+          <a:prstGeom prst="rightBrace">
+            <a:avLst>
+              <a:gd name="adj1" fmla="val 36934"/>
+              <a:gd name="adj2" fmla="val 50000"/>
+            </a:avLst>
+          </a:prstGeom>
+          <a:ln w="15875"/>
+        </p:spPr>
+        <p:style>
+          <a:lnRef idx="1">
+            <a:schemeClr val="dk1"/>
+          </a:lnRef>
+          <a:fillRef idx="0">
+            <a:schemeClr val="dk1"/>
+          </a:fillRef>
+          <a:effectRef idx="0">
+            <a:schemeClr val="dk1"/>
+          </a:effectRef>
+          <a:fontRef idx="minor">
+            <a:schemeClr val="tx1"/>
+          </a:fontRef>
+        </p:style>
+        <p:txBody>
+          <a:bodyPr rtlCol="0" anchor="ctr"/>
+          <a:lstStyle/>
+          <a:p>
+            <a:pPr algn="ctr"/>
+            <a:endParaRPr lang="fr-FR"/>
+          </a:p>
+        </p:txBody>
+      </p:sp>
+      <p:sp>
+        <p:nvSpPr>
+          <p:cNvPr id="150" name="ZoneTexte 149">
+            <a:extLst>
+              <a:ext uri="{FF2B5EF4-FFF2-40B4-BE49-F238E27FC236}">
+                <a16:creationId xmlns:a16="http://schemas.microsoft.com/office/drawing/2014/main" id="{A7EB708B-7DD6-D042-B192-92782F136A0E}"/>
+              </a:ext>
+            </a:extLst>
+          </p:cNvPr>
+          <p:cNvSpPr txBox="1"/>
+          <p:nvPr/>
+        </p:nvSpPr>
+        <p:spPr>
+          <a:xfrm>
+            <a:off x="4694708" y="5701537"/>
+            <a:ext cx="2704330" cy="307777"/>
+          </a:xfrm>
+          <a:prstGeom prst="rect">
+            <a:avLst/>
+          </a:prstGeom>
+          <a:noFill/>
+        </p:spPr>
+        <p:txBody>
+          <a:bodyPr wrap="none" rtlCol="0">
+            <a:spAutoFit/>
+          </a:bodyPr>
+          <a:lstStyle/>
+          <a:p>
+            <a:r>
+              <a:rPr lang="fr-FR" sz="1400" b="1" dirty="0">
+                <a:latin typeface="Arial" panose="020B0604020202020204" pitchFamily="34" charset="0"/>
+                <a:cs typeface="Arial" panose="020B0604020202020204" pitchFamily="34" charset="0"/>
+              </a:rPr>
+              <a:t>ORF   </a:t>
+            </a:r>
+            <a:r>
+              <a:rPr lang="fr-FR" sz="1400" b="1" i="1" dirty="0" err="1">
+                <a:latin typeface="Arial" panose="020B0604020202020204" pitchFamily="34" charset="0"/>
+                <a:cs typeface="Arial" panose="020B0604020202020204" pitchFamily="34" charset="0"/>
+              </a:rPr>
+              <a:t>nc_same_ovp_tRNA</a:t>
+            </a:r>
+            <a:r>
+              <a:rPr lang="fr-FR" sz="1400" b="1" i="1" dirty="0">
+                <a:latin typeface="Arial" panose="020B0604020202020204" pitchFamily="34" charset="0"/>
+                <a:cs typeface="Arial" panose="020B0604020202020204" pitchFamily="34" charset="0"/>
+              </a:rPr>
+              <a:t> (3)</a:t>
+            </a:r>
+          </a:p>
+        </p:txBody>
+      </p:sp>
+      <p:sp>
+        <p:nvSpPr>
+          <p:cNvPr id="95" name="Rectangle 94">
+            <a:extLst>
+              <a:ext uri="{FF2B5EF4-FFF2-40B4-BE49-F238E27FC236}">
+                <a16:creationId xmlns:a16="http://schemas.microsoft.com/office/drawing/2014/main" id="{A0B47E09-71F2-5E49-85AF-42B575D9CC0A}"/>
+              </a:ext>
+            </a:extLst>
+          </p:cNvPr>
+          <p:cNvSpPr/>
+          <p:nvPr/>
+        </p:nvSpPr>
+        <p:spPr>
+          <a:xfrm>
+            <a:off x="7838738" y="164193"/>
+            <a:ext cx="4219131" cy="6613108"/>
+          </a:xfrm>
+          <a:prstGeom prst="rect">
+            <a:avLst/>
+          </a:prstGeom>
+          <a:solidFill>
+            <a:schemeClr val="bg1"/>
+          </a:solidFill>
+          <a:ln>
+            <a:noFill/>
+          </a:ln>
+        </p:spPr>
+        <p:style>
+          <a:lnRef idx="2">
+            <a:schemeClr val="accent1">
+              <a:shade val="50000"/>
+            </a:schemeClr>
+          </a:lnRef>
+          <a:fillRef idx="1">
+            <a:schemeClr val="accent1"/>
+          </a:fillRef>
+          <a:effectRef idx="0">
+            <a:schemeClr val="accent1"/>
+          </a:effectRef>
+          <a:fontRef idx="minor">
+            <a:schemeClr val="lt1"/>
+          </a:fontRef>
+        </p:style>
+        <p:txBody>
+          <a:bodyPr rtlCol="0" anchor="ctr"/>
+          <a:lstStyle/>
+          <a:p>
+            <a:pPr algn="ctr"/>
+            <a:endParaRPr lang="fr-FR"/>
+          </a:p>
+        </p:txBody>
+      </p:sp>
     </p:spTree>
     <p:extLst>
       <p:ext uri="{BB962C8B-B14F-4D97-AF65-F5344CB8AC3E}">
@@ -19125,7 +21425,7 @@
 </p:sld>
 </file>
 
-<file path=ppt/slides/slide7.xml><?xml version="1.0" encoding="utf-8"?>
+<file path=ppt/slides/slide8.xml><?xml version="1.0" encoding="utf-8"?>
 <p:sld xmlns:a="http://schemas.openxmlformats.org/drawingml/2006/main" xmlns:r="http://schemas.openxmlformats.org/officeDocument/2006/relationships" xmlns:p="http://schemas.openxmlformats.org/presentationml/2006/main">
   <p:cSld>
     <p:spTree>

--- a/docs/img/orf_annotation.pptx
+++ b/docs/img/orf_annotation.pptx
@@ -111,6 +111,11 @@
       </a:defRPr>
     </a:lvl9pPr>
   </p:defaultTextStyle>
+  <p:extLst>
+    <p:ext uri="{EFAFB233-063F-42B5-8137-9DF3F51BA10A}">
+      <p15:sldGuideLst xmlns:p15="http://schemas.microsoft.com/office/powerpoint/2012/main"/>
+    </p:ext>
+  </p:extLst>
 </p:presentation>
 </file>
 
@@ -261,7 +266,7 @@
           <a:p>
             <a:fld id="{E03E6CC4-A53F-6C4A-843B-012C7F076F51}" type="datetimeFigureOut">
               <a:rPr lang="fr-FR" smtClean="0"/>
-              <a:t>07/12/2020</a:t>
+              <a:t>12/12/2020</a:t>
             </a:fld>
             <a:endParaRPr lang="fr-FR"/>
           </a:p>
@@ -459,7 +464,7 @@
           <a:p>
             <a:fld id="{E03E6CC4-A53F-6C4A-843B-012C7F076F51}" type="datetimeFigureOut">
               <a:rPr lang="fr-FR" smtClean="0"/>
-              <a:t>07/12/2020</a:t>
+              <a:t>12/12/2020</a:t>
             </a:fld>
             <a:endParaRPr lang="fr-FR"/>
           </a:p>
@@ -667,7 +672,7 @@
           <a:p>
             <a:fld id="{E03E6CC4-A53F-6C4A-843B-012C7F076F51}" type="datetimeFigureOut">
               <a:rPr lang="fr-FR" smtClean="0"/>
-              <a:t>07/12/2020</a:t>
+              <a:t>12/12/2020</a:t>
             </a:fld>
             <a:endParaRPr lang="fr-FR"/>
           </a:p>
@@ -865,7 +870,7 @@
           <a:p>
             <a:fld id="{E03E6CC4-A53F-6C4A-843B-012C7F076F51}" type="datetimeFigureOut">
               <a:rPr lang="fr-FR" smtClean="0"/>
-              <a:t>07/12/2020</a:t>
+              <a:t>12/12/2020</a:t>
             </a:fld>
             <a:endParaRPr lang="fr-FR"/>
           </a:p>
@@ -1140,7 +1145,7 @@
           <a:p>
             <a:fld id="{E03E6CC4-A53F-6C4A-843B-012C7F076F51}" type="datetimeFigureOut">
               <a:rPr lang="fr-FR" smtClean="0"/>
-              <a:t>07/12/2020</a:t>
+              <a:t>12/12/2020</a:t>
             </a:fld>
             <a:endParaRPr lang="fr-FR"/>
           </a:p>
@@ -1405,7 +1410,7 @@
           <a:p>
             <a:fld id="{E03E6CC4-A53F-6C4A-843B-012C7F076F51}" type="datetimeFigureOut">
               <a:rPr lang="fr-FR" smtClean="0"/>
-              <a:t>07/12/2020</a:t>
+              <a:t>12/12/2020</a:t>
             </a:fld>
             <a:endParaRPr lang="fr-FR"/>
           </a:p>
@@ -1817,7 +1822,7 @@
           <a:p>
             <a:fld id="{E03E6CC4-A53F-6C4A-843B-012C7F076F51}" type="datetimeFigureOut">
               <a:rPr lang="fr-FR" smtClean="0"/>
-              <a:t>07/12/2020</a:t>
+              <a:t>12/12/2020</a:t>
             </a:fld>
             <a:endParaRPr lang="fr-FR"/>
           </a:p>
@@ -1958,7 +1963,7 @@
           <a:p>
             <a:fld id="{E03E6CC4-A53F-6C4A-843B-012C7F076F51}" type="datetimeFigureOut">
               <a:rPr lang="fr-FR" smtClean="0"/>
-              <a:t>07/12/2020</a:t>
+              <a:t>12/12/2020</a:t>
             </a:fld>
             <a:endParaRPr lang="fr-FR"/>
           </a:p>
@@ -2071,7 +2076,7 @@
           <a:p>
             <a:fld id="{E03E6CC4-A53F-6C4A-843B-012C7F076F51}" type="datetimeFigureOut">
               <a:rPr lang="fr-FR" smtClean="0"/>
-              <a:t>07/12/2020</a:t>
+              <a:t>12/12/2020</a:t>
             </a:fld>
             <a:endParaRPr lang="fr-FR"/>
           </a:p>
@@ -2382,7 +2387,7 @@
           <a:p>
             <a:fld id="{E03E6CC4-A53F-6C4A-843B-012C7F076F51}" type="datetimeFigureOut">
               <a:rPr lang="fr-FR" smtClean="0"/>
-              <a:t>07/12/2020</a:t>
+              <a:t>12/12/2020</a:t>
             </a:fld>
             <a:endParaRPr lang="fr-FR"/>
           </a:p>
@@ -2670,7 +2675,7 @@
           <a:p>
             <a:fld id="{E03E6CC4-A53F-6C4A-843B-012C7F076F51}" type="datetimeFigureOut">
               <a:rPr lang="fr-FR" smtClean="0"/>
-              <a:t>07/12/2020</a:t>
+              <a:t>12/12/2020</a:t>
             </a:fld>
             <a:endParaRPr lang="fr-FR"/>
           </a:p>
@@ -2911,7 +2916,7 @@
           <a:p>
             <a:fld id="{E03E6CC4-A53F-6C4A-843B-012C7F076F51}" type="datetimeFigureOut">
               <a:rPr lang="fr-FR" smtClean="0"/>
-              <a:t>07/12/2020</a:t>
+              <a:t>12/12/2020</a:t>
             </a:fld>
             <a:endParaRPr lang="fr-FR"/>
           </a:p>
@@ -15000,8 +15005,8 @@
         </p:nvSpPr>
         <p:spPr>
           <a:xfrm rot="5400000">
-            <a:off x="2941975" y="1287816"/>
-            <a:ext cx="302422" cy="1425389"/>
+            <a:off x="2875650" y="1354141"/>
+            <a:ext cx="302422" cy="1292739"/>
           </a:xfrm>
           <a:prstGeom prst="rightBrace">
             <a:avLst>
@@ -15179,8 +15184,8 @@
         </p:nvSpPr>
         <p:spPr>
           <a:xfrm rot="5400000">
-            <a:off x="4026482" y="1661394"/>
-            <a:ext cx="302422" cy="689760"/>
+            <a:off x="3965227" y="1707019"/>
+            <a:ext cx="302422" cy="598510"/>
           </a:xfrm>
           <a:prstGeom prst="rightBrace">
             <a:avLst>
@@ -15276,8 +15281,8 @@
         </p:nvSpPr>
         <p:spPr>
           <a:xfrm rot="5400000">
-            <a:off x="5520540" y="881917"/>
-            <a:ext cx="302422" cy="2273642"/>
+            <a:off x="5457331" y="945126"/>
+            <a:ext cx="302422" cy="2147224"/>
           </a:xfrm>
           <a:prstGeom prst="rightBrace">
             <a:avLst>

--- a/docs/img/orf_annotation.pptx
+++ b/docs/img/orf_annotation.pptx
@@ -266,7 +266,7 @@
           <a:p>
             <a:fld id="{E03E6CC4-A53F-6C4A-843B-012C7F076F51}" type="datetimeFigureOut">
               <a:rPr lang="fr-FR" smtClean="0"/>
-              <a:t>12/12/2020</a:t>
+              <a:t>14/12/2020</a:t>
             </a:fld>
             <a:endParaRPr lang="fr-FR"/>
           </a:p>
@@ -464,7 +464,7 @@
           <a:p>
             <a:fld id="{E03E6CC4-A53F-6C4A-843B-012C7F076F51}" type="datetimeFigureOut">
               <a:rPr lang="fr-FR" smtClean="0"/>
-              <a:t>12/12/2020</a:t>
+              <a:t>14/12/2020</a:t>
             </a:fld>
             <a:endParaRPr lang="fr-FR"/>
           </a:p>
@@ -672,7 +672,7 @@
           <a:p>
             <a:fld id="{E03E6CC4-A53F-6C4A-843B-012C7F076F51}" type="datetimeFigureOut">
               <a:rPr lang="fr-FR" smtClean="0"/>
-              <a:t>12/12/2020</a:t>
+              <a:t>14/12/2020</a:t>
             </a:fld>
             <a:endParaRPr lang="fr-FR"/>
           </a:p>
@@ -870,7 +870,7 @@
           <a:p>
             <a:fld id="{E03E6CC4-A53F-6C4A-843B-012C7F076F51}" type="datetimeFigureOut">
               <a:rPr lang="fr-FR" smtClean="0"/>
-              <a:t>12/12/2020</a:t>
+              <a:t>14/12/2020</a:t>
             </a:fld>
             <a:endParaRPr lang="fr-FR"/>
           </a:p>
@@ -1145,7 +1145,7 @@
           <a:p>
             <a:fld id="{E03E6CC4-A53F-6C4A-843B-012C7F076F51}" type="datetimeFigureOut">
               <a:rPr lang="fr-FR" smtClean="0"/>
-              <a:t>12/12/2020</a:t>
+              <a:t>14/12/2020</a:t>
             </a:fld>
             <a:endParaRPr lang="fr-FR"/>
           </a:p>
@@ -1410,7 +1410,7 @@
           <a:p>
             <a:fld id="{E03E6CC4-A53F-6C4A-843B-012C7F076F51}" type="datetimeFigureOut">
               <a:rPr lang="fr-FR" smtClean="0"/>
-              <a:t>12/12/2020</a:t>
+              <a:t>14/12/2020</a:t>
             </a:fld>
             <a:endParaRPr lang="fr-FR"/>
           </a:p>
@@ -1822,7 +1822,7 @@
           <a:p>
             <a:fld id="{E03E6CC4-A53F-6C4A-843B-012C7F076F51}" type="datetimeFigureOut">
               <a:rPr lang="fr-FR" smtClean="0"/>
-              <a:t>12/12/2020</a:t>
+              <a:t>14/12/2020</a:t>
             </a:fld>
             <a:endParaRPr lang="fr-FR"/>
           </a:p>
@@ -1963,7 +1963,7 @@
           <a:p>
             <a:fld id="{E03E6CC4-A53F-6C4A-843B-012C7F076F51}" type="datetimeFigureOut">
               <a:rPr lang="fr-FR" smtClean="0"/>
-              <a:t>12/12/2020</a:t>
+              <a:t>14/12/2020</a:t>
             </a:fld>
             <a:endParaRPr lang="fr-FR"/>
           </a:p>
@@ -2076,7 +2076,7 @@
           <a:p>
             <a:fld id="{E03E6CC4-A53F-6C4A-843B-012C7F076F51}" type="datetimeFigureOut">
               <a:rPr lang="fr-FR" smtClean="0"/>
-              <a:t>12/12/2020</a:t>
+              <a:t>14/12/2020</a:t>
             </a:fld>
             <a:endParaRPr lang="fr-FR"/>
           </a:p>
@@ -2387,7 +2387,7 @@
           <a:p>
             <a:fld id="{E03E6CC4-A53F-6C4A-843B-012C7F076F51}" type="datetimeFigureOut">
               <a:rPr lang="fr-FR" smtClean="0"/>
-              <a:t>12/12/2020</a:t>
+              <a:t>14/12/2020</a:t>
             </a:fld>
             <a:endParaRPr lang="fr-FR"/>
           </a:p>
@@ -2675,7 +2675,7 @@
           <a:p>
             <a:fld id="{E03E6CC4-A53F-6C4A-843B-012C7F076F51}" type="datetimeFigureOut">
               <a:rPr lang="fr-FR" smtClean="0"/>
-              <a:t>12/12/2020</a:t>
+              <a:t>14/12/2020</a:t>
             </a:fld>
             <a:endParaRPr lang="fr-FR"/>
           </a:p>
@@ -2916,7 +2916,7 @@
           <a:p>
             <a:fld id="{E03E6CC4-A53F-6C4A-843B-012C7F076F51}" type="datetimeFigureOut">
               <a:rPr lang="fr-FR" smtClean="0"/>
-              <a:t>12/12/2020</a:t>
+              <a:t>14/12/2020</a:t>
             </a:fld>
             <a:endParaRPr lang="fr-FR"/>
           </a:p>
@@ -6425,7 +6425,7 @@
                 <a:latin typeface="Arial" panose="020B0604020202020204" pitchFamily="34" charset="0"/>
                 <a:cs typeface="Arial" panose="020B0604020202020204" pitchFamily="34" charset="0"/>
               </a:rPr>
-              <a:t>nc_same_ovp_lncRNA</a:t>
+              <a:t>nc_same_ovp-lncRNA</a:t>
             </a:r>
             <a:r>
               <a:rPr lang="fr-FR" sz="1400" i="1" dirty="0">
@@ -6477,7 +6477,7 @@
                 <a:latin typeface="Arial" panose="020B0604020202020204" pitchFamily="34" charset="0"/>
                 <a:cs typeface="Arial" panose="020B0604020202020204" pitchFamily="34" charset="0"/>
               </a:rPr>
-              <a:t>nc_same_ovp_tRNA</a:t>
+              <a:t>nc_same_ovp-tRNA</a:t>
             </a:r>
             <a:r>
               <a:rPr lang="fr-FR" sz="1400" i="1" dirty="0">
@@ -6796,7 +6796,7 @@
         <p:spPr>
           <a:xfrm>
             <a:off x="2745528" y="2282375"/>
-            <a:ext cx="2473754" cy="307777"/>
+            <a:ext cx="2433680" cy="307777"/>
           </a:xfrm>
           <a:prstGeom prst="rect">
             <a:avLst/>
@@ -6821,14 +6821,14 @@
                 <a:latin typeface="Arial" panose="020B0604020202020204" pitchFamily="34" charset="0"/>
                 <a:cs typeface="Arial" panose="020B0604020202020204" pitchFamily="34" charset="0"/>
               </a:rPr>
-              <a:t>nc_same_ovp_CDS</a:t>
+              <a:t>nc_same_ovp</a:t>
             </a:r>
             <a:r>
               <a:rPr lang="fr-FR" sz="1400" i="1" dirty="0">
                 <a:latin typeface="Arial" panose="020B0604020202020204" pitchFamily="34" charset="0"/>
                 <a:cs typeface="Arial" panose="020B0604020202020204" pitchFamily="34" charset="0"/>
               </a:rPr>
-              <a:t> (3)</a:t>
+              <a:t>-CDS (3)</a:t>
             </a:r>
           </a:p>
         </p:txBody>
@@ -6895,7 +6895,7 @@
         <p:spPr>
           <a:xfrm>
             <a:off x="3003217" y="4679787"/>
-            <a:ext cx="2334293" cy="307777"/>
+            <a:ext cx="2294218" cy="307777"/>
           </a:xfrm>
           <a:prstGeom prst="rect">
             <a:avLst/>
@@ -6920,14 +6920,14 @@
                 <a:latin typeface="Arial" panose="020B0604020202020204" pitchFamily="34" charset="0"/>
                 <a:cs typeface="Arial" panose="020B0604020202020204" pitchFamily="34" charset="0"/>
               </a:rPr>
-              <a:t>nc_opp_ovp_CDS</a:t>
+              <a:t>nc_opp_ovp</a:t>
             </a:r>
             <a:r>
               <a:rPr lang="fr-FR" sz="1400" i="1" dirty="0">
                 <a:latin typeface="Arial" panose="020B0604020202020204" pitchFamily="34" charset="0"/>
                 <a:cs typeface="Arial" panose="020B0604020202020204" pitchFamily="34" charset="0"/>
               </a:rPr>
-              <a:t> (4)</a:t>
+              <a:t>-CDS (4)</a:t>
             </a:r>
           </a:p>
         </p:txBody>
@@ -6994,7 +6994,7 @@
         <p:spPr>
           <a:xfrm>
             <a:off x="7506679" y="2309870"/>
-            <a:ext cx="2334293" cy="307777"/>
+            <a:ext cx="2294218" cy="307777"/>
           </a:xfrm>
           <a:prstGeom prst="rect">
             <a:avLst/>
@@ -7019,14 +7019,14 @@
                 <a:latin typeface="Arial" panose="020B0604020202020204" pitchFamily="34" charset="0"/>
                 <a:cs typeface="Arial" panose="020B0604020202020204" pitchFamily="34" charset="0"/>
               </a:rPr>
-              <a:t>nc_opp_ovp_CDS</a:t>
+              <a:t>nc_opp_ovp</a:t>
             </a:r>
             <a:r>
               <a:rPr lang="fr-FR" sz="1400" i="1" dirty="0">
                 <a:latin typeface="Arial" panose="020B0604020202020204" pitchFamily="34" charset="0"/>
                 <a:cs typeface="Arial" panose="020B0604020202020204" pitchFamily="34" charset="0"/>
               </a:rPr>
-              <a:t> (4)</a:t>
+              <a:t>-CDS (4)</a:t>
             </a:r>
           </a:p>
         </p:txBody>
@@ -9383,7 +9383,7 @@
                 <a:latin typeface="Arial" panose="020B0604020202020204" pitchFamily="34" charset="0"/>
                 <a:cs typeface="Arial" panose="020B0604020202020204" pitchFamily="34" charset="0"/>
               </a:rPr>
-              <a:t>nc_same_ovp_mRNA</a:t>
+              <a:t>nc_same_ovp-mRNA</a:t>
             </a:r>
             <a:r>
               <a:rPr lang="fr-FR" b="1" dirty="0">
@@ -9435,7 +9435,7 @@
                 <a:latin typeface="Arial" panose="020B0604020202020204" pitchFamily="34" charset="0"/>
                 <a:cs typeface="Arial" panose="020B0604020202020204" pitchFamily="34" charset="0"/>
               </a:rPr>
-              <a:t>nc_same_ovp_mRNA</a:t>
+              <a:t>nc_same_ovp-mRNA</a:t>
             </a:r>
             <a:r>
               <a:rPr lang="fr-FR" b="1" dirty="0">
